--- a/2025.12.22/2025.12.22.pptx
+++ b/2025.12.22/2025.12.22.pptx
@@ -10,17 +10,21 @@
     <p:sldId id="258" r:id="rId4"/>
     <p:sldId id="266" r:id="rId5"/>
     <p:sldId id="259" r:id="rId6"/>
-    <p:sldId id="260" r:id="rId7"/>
-    <p:sldId id="261" r:id="rId8"/>
-    <p:sldId id="262" r:id="rId9"/>
-    <p:sldId id="263" r:id="rId10"/>
-    <p:sldId id="264" r:id="rId11"/>
-    <p:sldId id="265" r:id="rId12"/>
+    <p:sldId id="267" r:id="rId7"/>
+    <p:sldId id="260" r:id="rId8"/>
+    <p:sldId id="261" r:id="rId9"/>
+    <p:sldId id="268" r:id="rId10"/>
+    <p:sldId id="269" r:id="rId11"/>
+    <p:sldId id="262" r:id="rId12"/>
+    <p:sldId id="263" r:id="rId13"/>
+    <p:sldId id="264" r:id="rId14"/>
+    <p:sldId id="270" r:id="rId15"/>
+    <p:sldId id="265" r:id="rId16"/>
   </p:sldIdLst>
   <p:sldSz cx="12192000" cy="6858000"/>
   <p:notesSz cx="6858000" cy="9144000"/>
   <p:custDataLst>
-    <p:tags r:id="rId13"/>
+    <p:tags r:id="rId17"/>
   </p:custDataLst>
   <p:defaultTextStyle>
     <a:defPPr>
@@ -272,7 +276,7 @@
           <a:p>
             <a:fld id="{C21D6509-5E71-4CDE-8E68-43129F11364D}" type="datetimeFigureOut">
               <a:rPr lang="zh-CN" altLang="en-US" smtClean="0"/>
-              <a:t>2025/12/17</a:t>
+              <a:t>2025/12/18</a:t>
             </a:fld>
             <a:endParaRPr lang="zh-CN" altLang="en-US"/>
           </a:p>
@@ -470,7 +474,7 @@
           <a:p>
             <a:fld id="{C21D6509-5E71-4CDE-8E68-43129F11364D}" type="datetimeFigureOut">
               <a:rPr lang="zh-CN" altLang="en-US" smtClean="0"/>
-              <a:t>2025/12/17</a:t>
+              <a:t>2025/12/18</a:t>
             </a:fld>
             <a:endParaRPr lang="zh-CN" altLang="en-US"/>
           </a:p>
@@ -678,7 +682,7 @@
           <a:p>
             <a:fld id="{C21D6509-5E71-4CDE-8E68-43129F11364D}" type="datetimeFigureOut">
               <a:rPr lang="zh-CN" altLang="en-US" smtClean="0"/>
-              <a:t>2025/12/17</a:t>
+              <a:t>2025/12/18</a:t>
             </a:fld>
             <a:endParaRPr lang="zh-CN" altLang="en-US"/>
           </a:p>
@@ -876,7 +880,7 @@
           <a:p>
             <a:fld id="{C21D6509-5E71-4CDE-8E68-43129F11364D}" type="datetimeFigureOut">
               <a:rPr lang="zh-CN" altLang="en-US" smtClean="0"/>
-              <a:t>2025/12/17</a:t>
+              <a:t>2025/12/18</a:t>
             </a:fld>
             <a:endParaRPr lang="zh-CN" altLang="en-US"/>
           </a:p>
@@ -1151,7 +1155,7 @@
           <a:p>
             <a:fld id="{C21D6509-5E71-4CDE-8E68-43129F11364D}" type="datetimeFigureOut">
               <a:rPr lang="zh-CN" altLang="en-US" smtClean="0"/>
-              <a:t>2025/12/17</a:t>
+              <a:t>2025/12/18</a:t>
             </a:fld>
             <a:endParaRPr lang="zh-CN" altLang="en-US"/>
           </a:p>
@@ -1416,7 +1420,7 @@
           <a:p>
             <a:fld id="{C21D6509-5E71-4CDE-8E68-43129F11364D}" type="datetimeFigureOut">
               <a:rPr lang="zh-CN" altLang="en-US" smtClean="0"/>
-              <a:t>2025/12/17</a:t>
+              <a:t>2025/12/18</a:t>
             </a:fld>
             <a:endParaRPr lang="zh-CN" altLang="en-US"/>
           </a:p>
@@ -1828,7 +1832,7 @@
           <a:p>
             <a:fld id="{C21D6509-5E71-4CDE-8E68-43129F11364D}" type="datetimeFigureOut">
               <a:rPr lang="zh-CN" altLang="en-US" smtClean="0"/>
-              <a:t>2025/12/17</a:t>
+              <a:t>2025/12/18</a:t>
             </a:fld>
             <a:endParaRPr lang="zh-CN" altLang="en-US"/>
           </a:p>
@@ -1969,7 +1973,7 @@
           <a:p>
             <a:fld id="{C21D6509-5E71-4CDE-8E68-43129F11364D}" type="datetimeFigureOut">
               <a:rPr lang="zh-CN" altLang="en-US" smtClean="0"/>
-              <a:t>2025/12/17</a:t>
+              <a:t>2025/12/18</a:t>
             </a:fld>
             <a:endParaRPr lang="zh-CN" altLang="en-US"/>
           </a:p>
@@ -2082,7 +2086,7 @@
           <a:p>
             <a:fld id="{C21D6509-5E71-4CDE-8E68-43129F11364D}" type="datetimeFigureOut">
               <a:rPr lang="zh-CN" altLang="en-US" smtClean="0"/>
-              <a:t>2025/12/17</a:t>
+              <a:t>2025/12/18</a:t>
             </a:fld>
             <a:endParaRPr lang="zh-CN" altLang="en-US"/>
           </a:p>
@@ -2393,7 +2397,7 @@
           <a:p>
             <a:fld id="{C21D6509-5E71-4CDE-8E68-43129F11364D}" type="datetimeFigureOut">
               <a:rPr lang="zh-CN" altLang="en-US" smtClean="0"/>
-              <a:t>2025/12/17</a:t>
+              <a:t>2025/12/18</a:t>
             </a:fld>
             <a:endParaRPr lang="zh-CN" altLang="en-US"/>
           </a:p>
@@ -2681,7 +2685,7 @@
           <a:p>
             <a:fld id="{C21D6509-5E71-4CDE-8E68-43129F11364D}" type="datetimeFigureOut">
               <a:rPr lang="zh-CN" altLang="en-US" smtClean="0"/>
-              <a:t>2025/12/17</a:t>
+              <a:t>2025/12/18</a:t>
             </a:fld>
             <a:endParaRPr lang="zh-CN" altLang="en-US"/>
           </a:p>
@@ -2922,7 +2926,7 @@
           <a:p>
             <a:fld id="{C21D6509-5E71-4CDE-8E68-43129F11364D}" type="datetimeFigureOut">
               <a:rPr lang="zh-CN" altLang="en-US" smtClean="0"/>
-              <a:t>2025/12/17</a:t>
+              <a:t>2025/12/18</a:t>
             </a:fld>
             <a:endParaRPr lang="zh-CN" altLang="en-US"/>
           </a:p>
@@ -3357,7 +3361,7 @@
         </p:nvSpPr>
         <p:spPr>
           <a:xfrm>
-            <a:off x="1524000" y="1122363"/>
+            <a:off x="1524000" y="1216309"/>
             <a:ext cx="9144000" cy="875538"/>
           </a:xfrm>
         </p:spPr>
@@ -3376,26 +3380,82 @@
       </p:sp>
       <p:sp>
         <p:nvSpPr>
-          <p:cNvPr id="3" name="副标题 2">
-            <a:extLst>
-              <a:ext uri="{FF2B5EF4-FFF2-40B4-BE49-F238E27FC236}">
-                <a16:creationId xmlns:a16="http://schemas.microsoft.com/office/drawing/2014/main" id="{A5E3F587-B19C-4A19-AAE5-73BCB1DE3C7D}"/>
-              </a:ext>
-            </a:extLst>
-          </p:cNvPr>
-          <p:cNvSpPr>
-            <a:spLocks noGrp="1"/>
-          </p:cNvSpPr>
-          <p:nvPr>
-            <p:ph type="subTitle" idx="1"/>
-          </p:nvPr>
+          <p:cNvPr id="5" name="文本框 4">
+            <a:extLst>
+              <a:ext uri="{FF2B5EF4-FFF2-40B4-BE49-F238E27FC236}">
+                <a16:creationId xmlns:a16="http://schemas.microsoft.com/office/drawing/2014/main" id="{B972B34E-A8B9-434E-86B4-44EF747BABCC}"/>
+              </a:ext>
+            </a:extLst>
+          </p:cNvPr>
+          <p:cNvSpPr txBox="1"/>
+          <p:nvPr/>
         </p:nvSpPr>
-        <p:spPr/>
+        <p:spPr>
+          <a:xfrm>
+            <a:off x="7710813" y="6164746"/>
+            <a:ext cx="4113757" cy="369332"/>
+          </a:xfrm>
+          <a:prstGeom prst="rect">
+            <a:avLst/>
+          </a:prstGeom>
+          <a:noFill/>
+        </p:spPr>
         <p:txBody>
-          <a:bodyPr/>
+          <a:bodyPr wrap="square">
+            <a:spAutoFit/>
+          </a:bodyPr>
           <a:lstStyle/>
           <a:p>
-            <a:endParaRPr lang="zh-CN" altLang="en-US" dirty="0"/>
+            <a:r>
+              <a:rPr lang="en-US" altLang="zh-CN" dirty="0"/>
+              <a:t>Doi:</a:t>
+            </a:r>
+            <a:r>
+              <a:rPr lang="zh-CN" altLang="en-US" dirty="0"/>
+              <a:t>10.27605/d.cnki.gkxgs.2024.000037</a:t>
+            </a:r>
+          </a:p>
+        </p:txBody>
+      </p:sp>
+      <p:sp>
+        <p:nvSpPr>
+          <p:cNvPr id="7" name="文本框 6">
+            <a:extLst>
+              <a:ext uri="{FF2B5EF4-FFF2-40B4-BE49-F238E27FC236}">
+                <a16:creationId xmlns:a16="http://schemas.microsoft.com/office/drawing/2014/main" id="{59E8971F-9123-4092-91FA-85DC97DE96A3}"/>
+              </a:ext>
+            </a:extLst>
+          </p:cNvPr>
+          <p:cNvSpPr txBox="1"/>
+          <p:nvPr/>
+        </p:nvSpPr>
+        <p:spPr>
+          <a:xfrm>
+            <a:off x="6824598" y="5412471"/>
+            <a:ext cx="5367402" cy="646331"/>
+          </a:xfrm>
+          <a:prstGeom prst="rect">
+            <a:avLst/>
+          </a:prstGeom>
+          <a:noFill/>
+        </p:spPr>
+        <p:txBody>
+          <a:bodyPr wrap="square">
+            <a:spAutoFit/>
+          </a:bodyPr>
+          <a:lstStyle/>
+          <a:p>
+            <a:r>
+              <a:rPr lang="zh-CN" altLang="en-US" dirty="0"/>
+              <a:t>作者：刘牧原</a:t>
+            </a:r>
+            <a:endParaRPr lang="en-US" altLang="zh-CN" dirty="0"/>
+          </a:p>
+          <a:p>
+            <a:r>
+              <a:rPr lang="zh-CN" altLang="en-US" dirty="0"/>
+              <a:t>培养单位：中国科学院西安光学精密机械研究所</a:t>
+            </a:r>
           </a:p>
         </p:txBody>
       </p:sp>
@@ -3429,172 +3489,353 @@
           <a:chExt cx="0" cy="0"/>
         </a:xfrm>
       </p:grpSpPr>
+      <p:pic>
+        <p:nvPicPr>
+          <p:cNvPr id="4" name="图片 3">
+            <a:extLst>
+              <a:ext uri="{FF2B5EF4-FFF2-40B4-BE49-F238E27FC236}">
+                <a16:creationId xmlns:a16="http://schemas.microsoft.com/office/drawing/2014/main" id="{C715C0E1-2315-4E3D-BB06-6387BC2591F0}"/>
+              </a:ext>
+            </a:extLst>
+          </p:cNvPr>
+          <p:cNvPicPr>
+            <a:picLocks noChangeAspect="1"/>
+          </p:cNvPicPr>
+          <p:nvPr/>
+        </p:nvPicPr>
+        <p:blipFill>
+          <a:blip r:embed="rId2"/>
+          <a:stretch>
+            <a:fillRect/>
+          </a:stretch>
+        </p:blipFill>
+        <p:spPr>
+          <a:xfrm>
+            <a:off x="7356378" y="492698"/>
+            <a:ext cx="3861687" cy="1474950"/>
+          </a:xfrm>
+          <a:prstGeom prst="rect">
+            <a:avLst/>
+          </a:prstGeom>
+        </p:spPr>
+      </p:pic>
+      <p:pic>
+        <p:nvPicPr>
+          <p:cNvPr id="6" name="图片 5">
+            <a:extLst>
+              <a:ext uri="{FF2B5EF4-FFF2-40B4-BE49-F238E27FC236}">
+                <a16:creationId xmlns:a16="http://schemas.microsoft.com/office/drawing/2014/main" id="{93DADA48-EFEE-4873-B45B-805AEF72DBAD}"/>
+              </a:ext>
+            </a:extLst>
+          </p:cNvPr>
+          <p:cNvPicPr>
+            <a:picLocks noChangeAspect="1"/>
+          </p:cNvPicPr>
+          <p:nvPr/>
+        </p:nvPicPr>
+        <p:blipFill>
+          <a:blip r:embed="rId3"/>
+          <a:stretch>
+            <a:fillRect/>
+          </a:stretch>
+        </p:blipFill>
+        <p:spPr>
+          <a:xfrm>
+            <a:off x="7356378" y="2173514"/>
+            <a:ext cx="3861687" cy="1382211"/>
+          </a:xfrm>
+          <a:prstGeom prst="rect">
+            <a:avLst/>
+          </a:prstGeom>
+        </p:spPr>
+      </p:pic>
+      <p:pic>
+        <p:nvPicPr>
+          <p:cNvPr id="8" name="图片 7">
+            <a:extLst>
+              <a:ext uri="{FF2B5EF4-FFF2-40B4-BE49-F238E27FC236}">
+                <a16:creationId xmlns:a16="http://schemas.microsoft.com/office/drawing/2014/main" id="{C69726E7-6241-4E50-9D32-8447E5E548B1}"/>
+              </a:ext>
+            </a:extLst>
+          </p:cNvPr>
+          <p:cNvPicPr>
+            <a:picLocks noChangeAspect="1"/>
+          </p:cNvPicPr>
+          <p:nvPr/>
+        </p:nvPicPr>
+        <p:blipFill>
+          <a:blip r:embed="rId4"/>
+          <a:stretch>
+            <a:fillRect/>
+          </a:stretch>
+        </p:blipFill>
+        <p:spPr>
+          <a:xfrm>
+            <a:off x="7277070" y="4005946"/>
+            <a:ext cx="4020302" cy="1695767"/>
+          </a:xfrm>
+          <a:prstGeom prst="rect">
+            <a:avLst/>
+          </a:prstGeom>
+        </p:spPr>
+      </p:pic>
       <p:sp>
         <p:nvSpPr>
-          <p:cNvPr id="2" name="标题 1">
-            <a:extLst>
-              <a:ext uri="{FF2B5EF4-FFF2-40B4-BE49-F238E27FC236}">
-                <a16:creationId xmlns:a16="http://schemas.microsoft.com/office/drawing/2014/main" id="{845C4118-208C-4335-A235-88C0D6735B59}"/>
-              </a:ext>
-            </a:extLst>
-          </p:cNvPr>
-          <p:cNvSpPr>
-            <a:spLocks noGrp="1"/>
-          </p:cNvSpPr>
-          <p:nvPr>
-            <p:ph type="title"/>
-          </p:nvPr>
+          <p:cNvPr id="10" name="文本框 9">
+            <a:extLst>
+              <a:ext uri="{FF2B5EF4-FFF2-40B4-BE49-F238E27FC236}">
+                <a16:creationId xmlns:a16="http://schemas.microsoft.com/office/drawing/2014/main" id="{75F34A11-8DAF-4F0A-BAEB-BC92ABACE561}"/>
+              </a:ext>
+            </a:extLst>
+          </p:cNvPr>
+          <p:cNvSpPr txBox="1"/>
+          <p:nvPr/>
         </p:nvSpPr>
-        <p:spPr/>
+        <p:spPr>
+          <a:xfrm>
+            <a:off x="601875" y="461868"/>
+            <a:ext cx="7208102" cy="461665"/>
+          </a:xfrm>
+          <a:prstGeom prst="rect">
+            <a:avLst/>
+          </a:prstGeom>
+          <a:noFill/>
+        </p:spPr>
         <p:txBody>
-          <a:bodyPr/>
+          <a:bodyPr wrap="square">
+            <a:spAutoFit/>
+          </a:bodyPr>
           <a:lstStyle/>
           <a:p>
             <a:r>
-              <a:rPr lang="zh-CN" altLang="en-US"/>
-              <a:t>批判性思考与局限性分析</a:t>
+              <a:rPr lang="zh-CN" altLang="en-US" sz="2400" dirty="0">
+                <a:latin typeface="+mj-ea"/>
+                <a:ea typeface="+mj-ea"/>
+              </a:rPr>
+              <a:t>基于深度强化学习的无镜头图像重建模型优化方法</a:t>
             </a:r>
           </a:p>
         </p:txBody>
       </p:sp>
       <p:sp>
         <p:nvSpPr>
-          <p:cNvPr id="3" name="内容占位符 2">
-            <a:extLst>
-              <a:ext uri="{FF2B5EF4-FFF2-40B4-BE49-F238E27FC236}">
-                <a16:creationId xmlns:a16="http://schemas.microsoft.com/office/drawing/2014/main" id="{1E40901E-673D-4BE8-9B00-BD732DE4DEA4}"/>
-              </a:ext>
-            </a:extLst>
-          </p:cNvPr>
-          <p:cNvSpPr>
-            <a:spLocks noGrp="1"/>
-          </p:cNvSpPr>
-          <p:nvPr>
-            <p:ph idx="1"/>
-          </p:nvPr>
+          <p:cNvPr id="12" name="文本框 11">
+            <a:extLst>
+              <a:ext uri="{FF2B5EF4-FFF2-40B4-BE49-F238E27FC236}">
+                <a16:creationId xmlns:a16="http://schemas.microsoft.com/office/drawing/2014/main" id="{6AB0FB87-C127-4A4C-9CEB-C94A5E8C522E}"/>
+              </a:ext>
+            </a:extLst>
+          </p:cNvPr>
+          <p:cNvSpPr txBox="1"/>
+          <p:nvPr/>
         </p:nvSpPr>
-        <p:spPr/>
+        <p:spPr>
+          <a:xfrm>
+            <a:off x="738164" y="1207387"/>
+            <a:ext cx="6094948" cy="2827825"/>
+          </a:xfrm>
+          <a:prstGeom prst="rect">
+            <a:avLst/>
+          </a:prstGeom>
+          <a:noFill/>
+        </p:spPr>
         <p:txBody>
-          <a:bodyPr>
-            <a:normAutofit fontScale="92500" lnSpcReduction="10000"/>
+          <a:bodyPr wrap="square">
+            <a:spAutoFit/>
           </a:bodyPr>
           <a:lstStyle/>
           <a:p>
-            <a:r>
-              <a:rPr lang="en-US" altLang="zh-CN"/>
-              <a:t>1. </a:t>
-            </a:r>
-            <a:r>
-              <a:rPr lang="zh-CN" altLang="en-US"/>
-              <a:t>硬件依赖性：</a:t>
-            </a:r>
-          </a:p>
-          <a:p>
-            <a:r>
-              <a:rPr lang="zh-CN" altLang="en-US"/>
-              <a:t>   </a:t>
-            </a:r>
-            <a:r>
-              <a:rPr lang="en-US" altLang="zh-CN"/>
-              <a:t>? Le-TSVD </a:t>
-            </a:r>
-            <a:r>
-              <a:rPr lang="zh-CN" altLang="en-US"/>
-              <a:t>强依赖可分离掩模，难以直接迁移到随机掩模系统（如 </a:t>
-            </a:r>
-            <a:r>
-              <a:rPr lang="en-US" altLang="zh-CN"/>
-              <a:t>DiffuserCam</a:t>
-            </a:r>
-            <a:r>
-              <a:rPr lang="zh-CN" altLang="en-US"/>
-              <a:t>）。</a:t>
-            </a:r>
-          </a:p>
-          <a:p>
-            <a:endParaRPr lang="zh-CN" altLang="en-US"/>
-          </a:p>
-          <a:p>
-            <a:r>
-              <a:rPr lang="en-US" altLang="zh-CN"/>
-              <a:t>2. </a:t>
-            </a:r>
-            <a:r>
-              <a:rPr lang="zh-CN" altLang="en-US"/>
-              <a:t>训练成本：</a:t>
-            </a:r>
-          </a:p>
-          <a:p>
-            <a:r>
-              <a:rPr lang="zh-CN" altLang="en-US"/>
-              <a:t>   </a:t>
-            </a:r>
-            <a:r>
-              <a:rPr lang="en-US" altLang="zh-CN"/>
-              <a:t>? DRL </a:t>
-            </a:r>
-            <a:r>
-              <a:rPr lang="zh-CN" altLang="en-US"/>
-              <a:t>优化过程需要反复训练网络以获取 </a:t>
-            </a:r>
-            <a:r>
-              <a:rPr lang="en-US" altLang="zh-CN"/>
-              <a:t>Reward</a:t>
-            </a:r>
-            <a:r>
-              <a:rPr lang="zh-CN" altLang="en-US"/>
-              <a:t>，计算资源消耗巨大。</a:t>
-            </a:r>
-          </a:p>
-          <a:p>
-            <a:endParaRPr lang="zh-CN" altLang="en-US"/>
-          </a:p>
-          <a:p>
-            <a:r>
-              <a:rPr lang="en-US" altLang="zh-CN"/>
-              <a:t>3. </a:t>
-            </a:r>
-            <a:r>
-              <a:rPr lang="zh-CN" altLang="en-US"/>
-              <a:t>应用落地：</a:t>
-            </a:r>
-          </a:p>
-          <a:p>
-            <a:r>
-              <a:rPr lang="zh-CN" altLang="en-US"/>
-              <a:t>   </a:t>
-            </a:r>
-            <a:r>
-              <a:rPr lang="en-US" altLang="zh-CN"/>
-              <a:t>? </a:t>
-            </a:r>
-            <a:r>
-              <a:rPr lang="zh-CN" altLang="en-US"/>
-              <a:t>无重建识别准确率 </a:t>
-            </a:r>
-            <a:r>
-              <a:rPr lang="en-US" altLang="zh-CN"/>
-              <a:t>(83%) </a:t>
-            </a:r>
-            <a:r>
-              <a:rPr lang="zh-CN" altLang="en-US"/>
-              <a:t>距离安防商用标准 </a:t>
-            </a:r>
-            <a:r>
-              <a:rPr lang="en-US" altLang="zh-CN"/>
-              <a:t>(&gt;99%) </a:t>
-            </a:r>
-            <a:r>
-              <a:rPr lang="zh-CN" altLang="en-US"/>
-              <a:t>仍有差距。</a:t>
+            <a:pPr marL="171450" indent="-171450">
+              <a:lnSpc>
+                <a:spcPct val="125000"/>
+              </a:lnSpc>
+              <a:buFont typeface="Arial" panose="020B0604020202020204" pitchFamily="34" charset="0"/>
+              <a:buChar char="•"/>
+            </a:pPr>
+            <a:r>
+              <a:rPr lang="zh-CN" altLang="en-US" sz="1100" dirty="0"/>
+              <a:t>表</a:t>
+            </a:r>
+            <a:r>
+              <a:rPr lang="en-US" altLang="zh-CN" sz="1100" dirty="0"/>
+              <a:t>1</a:t>
+            </a:r>
+            <a:r>
+              <a:rPr lang="zh-CN" altLang="en-US" sz="1100" dirty="0"/>
+              <a:t>和表</a:t>
+            </a:r>
+            <a:r>
+              <a:rPr lang="en-US" altLang="zh-CN" sz="1100" dirty="0"/>
+              <a:t>2</a:t>
+            </a:r>
+            <a:r>
+              <a:rPr lang="zh-CN" altLang="en-US" sz="1100" dirty="0"/>
+              <a:t>表明虽然增加网络深度和宽度可以一定程度上提升图像重建的质量,  但在增加到一定程度后,可能会面临边际收益递减的现象，还会浪费计算资源。因此,在实际应用中网络宽度和深度的选择需要在提升重建质量和计算资源之间找到平衡点。</a:t>
+            </a:r>
+            <a:endParaRPr lang="en-US" altLang="zh-CN" sz="1100" dirty="0"/>
+          </a:p>
+          <a:p>
+            <a:pPr marL="171450" indent="-171450">
+              <a:lnSpc>
+                <a:spcPct val="125000"/>
+              </a:lnSpc>
+              <a:buFont typeface="Arial" panose="020B0604020202020204" pitchFamily="34" charset="0"/>
+              <a:buChar char="•"/>
+            </a:pPr>
+            <a:r>
+              <a:rPr lang="zh-CN" altLang="en-US" sz="1100" dirty="0"/>
+              <a:t>表</a:t>
+            </a:r>
+            <a:r>
+              <a:rPr lang="en-US" altLang="zh-CN" sz="1100" dirty="0"/>
+              <a:t>3</a:t>
+            </a:r>
+            <a:r>
+              <a:rPr lang="zh-CN" altLang="en-US" sz="1100" dirty="0"/>
+              <a:t>说明增加图像级损失权重更有利于提升重建图像的整体感知效果</a:t>
+            </a:r>
+            <a:r>
+              <a:rPr lang="en-US" altLang="zh-CN" sz="1100" dirty="0"/>
+              <a:t>,</a:t>
+            </a:r>
+            <a:r>
+              <a:rPr lang="zh-CN" altLang="en-US" sz="1100" dirty="0"/>
+              <a:t>但  可能会在某种程度上影响像素级的精确性。</a:t>
+            </a:r>
+            <a:endParaRPr lang="en-US" altLang="zh-CN" sz="1100" dirty="0"/>
+          </a:p>
+          <a:p>
+            <a:pPr marL="171450" indent="-171450">
+              <a:lnSpc>
+                <a:spcPct val="125000"/>
+              </a:lnSpc>
+              <a:buFont typeface="Arial" panose="020B0604020202020204" pitchFamily="34" charset="0"/>
+              <a:buChar char="•"/>
+            </a:pPr>
+            <a:endParaRPr lang="en-US" altLang="zh-CN" sz="1100" dirty="0"/>
+          </a:p>
+          <a:p>
+            <a:pPr marL="171450" indent="-171450">
+              <a:lnSpc>
+                <a:spcPct val="125000"/>
+              </a:lnSpc>
+              <a:buFont typeface="Arial" panose="020B0604020202020204" pitchFamily="34" charset="0"/>
+              <a:buChar char="•"/>
+            </a:pPr>
+            <a:endParaRPr lang="en-US" altLang="zh-CN" sz="1100" dirty="0"/>
+          </a:p>
+          <a:p>
+            <a:pPr marL="171450" indent="-171450">
+              <a:lnSpc>
+                <a:spcPct val="125000"/>
+              </a:lnSpc>
+              <a:buFont typeface="Arial" panose="020B0604020202020204" pitchFamily="34" charset="0"/>
+              <a:buChar char="•"/>
+            </a:pPr>
+            <a:endParaRPr lang="en-US" altLang="zh-CN" sz="1100" dirty="0"/>
+          </a:p>
+          <a:p>
+            <a:pPr marL="171450" indent="-171450">
+              <a:lnSpc>
+                <a:spcPct val="125000"/>
+              </a:lnSpc>
+              <a:buFont typeface="Arial" panose="020B0604020202020204" pitchFamily="34" charset="0"/>
+              <a:buChar char="•"/>
+            </a:pPr>
+            <a:r>
+              <a:rPr lang="zh-CN" altLang="en-US" sz="1100" dirty="0"/>
+              <a:t>文章将优化后的DRL-UNet 方法结合第三章提出的Pix2pix生成对抗网络架构,从而实现更好的图像重建效果,即DRL-GAN-UNet(Deep Reinforcement  Learning with Generative Adversarial Network and U-Net)方法。</a:t>
+            </a:r>
+          </a:p>
+          <a:p>
+            <a:pPr marL="171450" indent="-171450">
+              <a:lnSpc>
+                <a:spcPct val="125000"/>
+              </a:lnSpc>
+              <a:buFont typeface="Arial" panose="020B0604020202020204" pitchFamily="34" charset="0"/>
+              <a:buChar char="•"/>
+            </a:pPr>
+            <a:r>
+              <a:rPr lang="zh-CN" altLang="en-US" sz="1100" dirty="0"/>
+              <a:t>从表</a:t>
+            </a:r>
+            <a:r>
+              <a:rPr lang="en-US" altLang="zh-CN" sz="1100" dirty="0"/>
+              <a:t>4</a:t>
+            </a:r>
+            <a:r>
+              <a:rPr lang="zh-CN" altLang="en-US" sz="1100" dirty="0"/>
+              <a:t>的实验结果可以看出</a:t>
+            </a:r>
+            <a:r>
+              <a:rPr lang="en-US" altLang="zh-CN" sz="1100" dirty="0"/>
+              <a:t>,</a:t>
+            </a:r>
+            <a:r>
+              <a:rPr lang="zh-CN" altLang="en-US" sz="1100" dirty="0"/>
+              <a:t>本章提出的基于强化学习和改进</a:t>
+            </a:r>
+            <a:r>
+              <a:rPr lang="en-US" altLang="zh-CN" sz="1100" dirty="0"/>
+              <a:t>U-Net</a:t>
+            </a:r>
+            <a:r>
+              <a:rPr lang="zh-CN" altLang="en-US" sz="1100" dirty="0"/>
+              <a:t>的无镜头图像重建方法</a:t>
+            </a:r>
+            <a:r>
+              <a:rPr lang="en-US" altLang="zh-CN" sz="1100" dirty="0"/>
+              <a:t>(DRL-</a:t>
+            </a:r>
+            <a:r>
+              <a:rPr lang="en-US" altLang="zh-CN" sz="1100" dirty="0" err="1"/>
+              <a:t>UNet</a:t>
+            </a:r>
+            <a:r>
+              <a:rPr lang="en-US" altLang="zh-CN" sz="1100" dirty="0"/>
+              <a:t>)</a:t>
+            </a:r>
+            <a:r>
+              <a:rPr lang="zh-CN" altLang="en-US" sz="1100" dirty="0"/>
+              <a:t>在多个指标上显著优于其他方法，重建图像的整体和细节几乎接近原始场景。</a:t>
             </a:r>
           </a:p>
         </p:txBody>
       </p:sp>
+      <p:pic>
+        <p:nvPicPr>
+          <p:cNvPr id="18" name="图片 17">
+            <a:extLst>
+              <a:ext uri="{FF2B5EF4-FFF2-40B4-BE49-F238E27FC236}">
+                <a16:creationId xmlns:a16="http://schemas.microsoft.com/office/drawing/2014/main" id="{6D55B318-1794-4577-969A-73F36100368A}"/>
+              </a:ext>
+            </a:extLst>
+          </p:cNvPr>
+          <p:cNvPicPr>
+            <a:picLocks noChangeAspect="1"/>
+          </p:cNvPicPr>
+          <p:nvPr/>
+        </p:nvPicPr>
+        <p:blipFill>
+          <a:blip r:embed="rId5"/>
+          <a:stretch>
+            <a:fillRect/>
+          </a:stretch>
+        </p:blipFill>
+        <p:spPr>
+          <a:xfrm>
+            <a:off x="1617951" y="3987272"/>
+            <a:ext cx="4133310" cy="2725312"/>
+          </a:xfrm>
+          <a:prstGeom prst="rect">
+            <a:avLst/>
+          </a:prstGeom>
+        </p:spPr>
+      </p:pic>
     </p:spTree>
     <p:extLst>
       <p:ext uri="{BB962C8B-B14F-4D97-AF65-F5344CB8AC3E}">
-        <p14:creationId xmlns:p14="http://schemas.microsoft.com/office/powerpoint/2010/main" val="1607691110"/>
+        <p14:creationId xmlns:p14="http://schemas.microsoft.com/office/powerpoint/2010/main" val="3893187665"/>
       </p:ext>
     </p:extLst>
   </p:cSld>
@@ -3621,12 +3862,102 @@
           <a:chExt cx="0" cy="0"/>
         </a:xfrm>
       </p:grpSpPr>
+      <p:pic>
+        <p:nvPicPr>
+          <p:cNvPr id="5" name="图片 4">
+            <a:extLst>
+              <a:ext uri="{FF2B5EF4-FFF2-40B4-BE49-F238E27FC236}">
+                <a16:creationId xmlns:a16="http://schemas.microsoft.com/office/drawing/2014/main" id="{EA2DAF74-3168-4066-9BF0-7D94FFB4CC34}"/>
+              </a:ext>
+            </a:extLst>
+          </p:cNvPr>
+          <p:cNvPicPr>
+            <a:picLocks noChangeAspect="1"/>
+          </p:cNvPicPr>
+          <p:nvPr/>
+        </p:nvPicPr>
+        <p:blipFill>
+          <a:blip r:embed="rId2"/>
+          <a:stretch>
+            <a:fillRect/>
+          </a:stretch>
+        </p:blipFill>
+        <p:spPr>
+          <a:xfrm>
+            <a:off x="6714369" y="0"/>
+            <a:ext cx="4413621" cy="6858000"/>
+          </a:xfrm>
+          <a:prstGeom prst="rect">
+            <a:avLst/>
+          </a:prstGeom>
+        </p:spPr>
+      </p:pic>
+      <p:pic>
+        <p:nvPicPr>
+          <p:cNvPr id="11" name="图片 10">
+            <a:extLst>
+              <a:ext uri="{FF2B5EF4-FFF2-40B4-BE49-F238E27FC236}">
+                <a16:creationId xmlns:a16="http://schemas.microsoft.com/office/drawing/2014/main" id="{23AFF1E3-F5DA-4E35-9BBC-325029A8B217}"/>
+              </a:ext>
+            </a:extLst>
+          </p:cNvPr>
+          <p:cNvPicPr>
+            <a:picLocks noChangeAspect="1"/>
+          </p:cNvPicPr>
+          <p:nvPr/>
+        </p:nvPicPr>
+        <p:blipFill>
+          <a:blip r:embed="rId3"/>
+          <a:stretch>
+            <a:fillRect/>
+          </a:stretch>
+        </p:blipFill>
+        <p:spPr>
+          <a:xfrm>
+            <a:off x="957128" y="0"/>
+            <a:ext cx="4274236" cy="6858000"/>
+          </a:xfrm>
+          <a:prstGeom prst="rect">
+            <a:avLst/>
+          </a:prstGeom>
+        </p:spPr>
+      </p:pic>
+    </p:spTree>
+    <p:extLst>
+      <p:ext uri="{BB962C8B-B14F-4D97-AF65-F5344CB8AC3E}">
+        <p14:creationId xmlns:p14="http://schemas.microsoft.com/office/powerpoint/2010/main" val="3926933840"/>
+      </p:ext>
+    </p:extLst>
+  </p:cSld>
+  <p:clrMapOvr>
+    <a:masterClrMapping/>
+  </p:clrMapOvr>
+</p:sld>
+</file>
+
+<file path=ppt/slides/slide12.xml><?xml version="1.0" encoding="utf-8"?>
+<p:sld xmlns:a="http://schemas.openxmlformats.org/drawingml/2006/main" xmlns:r="http://schemas.openxmlformats.org/officeDocument/2006/relationships" xmlns:p="http://schemas.openxmlformats.org/presentationml/2006/main">
+  <p:cSld>
+    <p:spTree>
+      <p:nvGrpSpPr>
+        <p:cNvPr id="1" name=""/>
+        <p:cNvGrpSpPr/>
+        <p:nvPr/>
+      </p:nvGrpSpPr>
+      <p:grpSpPr>
+        <a:xfrm>
+          <a:off x="0" y="0"/>
+          <a:ext cx="0" cy="0"/>
+          <a:chOff x="0" y="0"/>
+          <a:chExt cx="0" cy="0"/>
+        </a:xfrm>
+      </p:grpSpPr>
       <p:sp>
         <p:nvSpPr>
           <p:cNvPr id="2" name="标题 1">
             <a:extLst>
               <a:ext uri="{FF2B5EF4-FFF2-40B4-BE49-F238E27FC236}">
-                <a16:creationId xmlns:a16="http://schemas.microsoft.com/office/drawing/2014/main" id="{C5F52F4A-8954-43A1-A8A0-83230E257D23}"/>
+                <a16:creationId xmlns:a16="http://schemas.microsoft.com/office/drawing/2014/main" id="{26086479-0454-4934-9F2E-9F5CA597371A}"/>
               </a:ext>
             </a:extLst>
           </p:cNvPr>
@@ -3637,14 +3968,600 @@
             <p:ph type="title"/>
           </p:nvPr>
         </p:nvSpPr>
-        <p:spPr/>
+        <p:spPr>
+          <a:xfrm>
+            <a:off x="838200" y="365126"/>
+            <a:ext cx="10515600" cy="824848"/>
+          </a:xfrm>
+        </p:spPr>
         <p:txBody>
-          <a:bodyPr/>
+          <a:bodyPr>
+            <a:normAutofit/>
+          </a:bodyPr>
           <a:lstStyle/>
           <a:p>
             <a:r>
-              <a:rPr lang="zh-CN" altLang="en-US"/>
-              <a:t>总结与对课题组的启示</a:t>
+              <a:rPr lang="zh-CN" altLang="en-US" sz="2400" dirty="0"/>
+              <a:t>应用：基于无镜头成像系统的人脸识别方法研究</a:t>
+            </a:r>
+          </a:p>
+        </p:txBody>
+      </p:sp>
+      <mc:AlternateContent xmlns:mc="http://schemas.openxmlformats.org/markup-compatibility/2006" xmlns:a14="http://schemas.microsoft.com/office/drawing/2010/main">
+        <mc:Choice Requires="a14">
+          <p:sp>
+            <p:nvSpPr>
+              <p:cNvPr id="3" name="内容占位符 2">
+                <a:extLst>
+                  <a:ext uri="{FF2B5EF4-FFF2-40B4-BE49-F238E27FC236}">
+                    <a16:creationId xmlns:a16="http://schemas.microsoft.com/office/drawing/2014/main" id="{F6DB2813-BE69-40E7-AC1A-F210908269D2}"/>
+                  </a:ext>
+                </a:extLst>
+              </p:cNvPr>
+              <p:cNvSpPr>
+                <a:spLocks noGrp="1"/>
+              </p:cNvSpPr>
+              <p:nvPr>
+                <p:ph idx="1"/>
+              </p:nvPr>
+            </p:nvSpPr>
+            <p:spPr>
+              <a:xfrm>
+                <a:off x="838200" y="1390389"/>
+                <a:ext cx="10515600" cy="2574099"/>
+              </a:xfrm>
+            </p:spPr>
+            <p:txBody>
+              <a:bodyPr>
+                <a:normAutofit/>
+              </a:bodyPr>
+              <a:lstStyle/>
+              <a:p>
+                <a:pPr>
+                  <a:lnSpc>
+                    <a:spcPct val="125000"/>
+                  </a:lnSpc>
+                </a:pPr>
+                <a:r>
+                  <a:rPr lang="zh-CN" altLang="en-US" sz="1100" dirty="0"/>
+                  <a:t>研究无镜头成像技术在人脸识别领域的应用</a:t>
+                </a:r>
+                <a:r>
+                  <a:rPr lang="en-US" altLang="zh-CN" sz="1100" dirty="0"/>
+                  <a:t>,</a:t>
+                </a:r>
+                <a:r>
+                  <a:rPr lang="zh-CN" altLang="en-US" sz="1100" dirty="0"/>
+                  <a:t>主要是因为人脸识别作为一种高效且可靠的生物特征识别技术具有重要的实际意义。并且基于无镜头成像技术的人脸识别方法在安全监控、身份验证和智能交互等多种场景具有最广泛的需求。随着无镜头成像技术的不断发展</a:t>
+                </a:r>
+                <a:r>
+                  <a:rPr lang="en-US" altLang="zh-CN" sz="1100" dirty="0"/>
+                  <a:t>,</a:t>
+                </a:r>
+                <a:r>
+                  <a:rPr lang="zh-CN" altLang="en-US" sz="1100" dirty="0"/>
+                  <a:t>若其能够在无需传统镜头的情况下准确识别面孔</a:t>
+                </a:r>
+                <a:r>
+                  <a:rPr lang="en-US" altLang="zh-CN" sz="1100" dirty="0"/>
+                  <a:t>,</a:t>
+                </a:r>
+                <a:r>
+                  <a:rPr lang="zh-CN" altLang="en-US" sz="1100" dirty="0"/>
+                  <a:t>则可显著提升系统的灵活性和安全性。</a:t>
+                </a:r>
+                <a:endParaRPr lang="en-US" altLang="zh-CN" sz="1100" dirty="0"/>
+              </a:p>
+              <a:p>
+                <a:pPr>
+                  <a:lnSpc>
+                    <a:spcPct val="125000"/>
+                  </a:lnSpc>
+                </a:pPr>
+                <a:r>
+                  <a:rPr lang="zh-CN" altLang="en-US" sz="1100" dirty="0"/>
+                  <a:t>数据集：通过前一章提出的</a:t>
+                </a:r>
+                <a:r>
+                  <a:rPr lang="en-US" altLang="zh-CN" sz="1100" dirty="0"/>
+                  <a:t>DRL-GAN-</a:t>
+                </a:r>
+                <a:r>
+                  <a:rPr lang="en-US" altLang="zh-CN" sz="1100" dirty="0" err="1"/>
+                  <a:t>UNet</a:t>
+                </a:r>
+                <a:r>
+                  <a:rPr lang="zh-CN" altLang="en-US" sz="1100" dirty="0"/>
+                  <a:t>方法对基于</a:t>
+                </a:r>
+                <a:r>
+                  <a:rPr lang="en-US" altLang="zh-CN" sz="1100" dirty="0"/>
+                  <a:t>FCFD</a:t>
+                </a:r>
+                <a:r>
+                  <a:rPr lang="zh-CN" altLang="en-US" sz="1100" dirty="0"/>
+                  <a:t>数据集的无镜头传感器测量图像进行重建</a:t>
+                </a:r>
+                <a:r>
+                  <a:rPr lang="en-US" altLang="zh-CN" sz="1100" dirty="0"/>
+                  <a:t>,</a:t>
+                </a:r>
+                <a:r>
+                  <a:rPr lang="zh-CN" altLang="en-US" sz="1100" dirty="0"/>
+                  <a:t>生成了一个区别于</a:t>
+                </a:r>
+                <a:r>
+                  <a:rPr lang="en-US" altLang="zh-CN" sz="1100" dirty="0"/>
+                  <a:t>FCFD</a:t>
+                </a:r>
+                <a:r>
+                  <a:rPr lang="zh-CN" altLang="en-US" sz="1100" dirty="0"/>
+                  <a:t>数据集的新人脸图像数据集</a:t>
+                </a:r>
+                <a:r>
+                  <a:rPr lang="en-US" altLang="zh-CN" sz="1100" dirty="0"/>
+                  <a:t>,</a:t>
+                </a:r>
+                <a:r>
+                  <a:rPr lang="zh-CN" altLang="en-US" sz="1100" dirty="0"/>
+                  <a:t>将通过 </a:t>
+                </a:r>
+                <a:r>
+                  <a:rPr lang="en-US" altLang="zh-CN" sz="1100" dirty="0"/>
+                  <a:t>DRL-GAN-</a:t>
+                </a:r>
+                <a:r>
+                  <a:rPr lang="en-US" altLang="zh-CN" sz="1100" dirty="0" err="1"/>
+                  <a:t>UNet</a:t>
+                </a:r>
+                <a:r>
+                  <a:rPr lang="zh-CN" altLang="en-US" sz="1100" dirty="0"/>
+                  <a:t>方法重建后的图像数据集称为</a:t>
+                </a:r>
+                <a:r>
+                  <a:rPr lang="en-US" altLang="zh-CN" sz="1100" dirty="0"/>
+                  <a:t>FCFD-LR</a:t>
+                </a:r>
+                <a:r>
+                  <a:rPr lang="zh-CN" altLang="en-US" sz="1100" dirty="0"/>
+                  <a:t>。同时</a:t>
+                </a:r>
+                <a:r>
+                  <a:rPr lang="en-US" altLang="zh-CN" sz="1100" dirty="0"/>
+                  <a:t>,</a:t>
+                </a:r>
+                <a:r>
+                  <a:rPr lang="zh-CN" altLang="en-US" sz="1100" dirty="0"/>
+                  <a:t>将 </a:t>
+                </a:r>
+                <a:r>
+                  <a:rPr lang="en-US" altLang="zh-CN" sz="1100" dirty="0"/>
+                  <a:t>FCFD </a:t>
+                </a:r>
+                <a:r>
+                  <a:rPr lang="zh-CN" altLang="en-US" sz="1100" dirty="0"/>
+                  <a:t>数据集中最初在图像重建任务中作为真值图像使用的传统相机拍摄的原始图像作为另一个独立  的数据集进行对照实验</a:t>
+                </a:r>
+                <a:r>
+                  <a:rPr lang="en-US" altLang="zh-CN" sz="1100" dirty="0"/>
+                  <a:t>,</a:t>
+                </a:r>
+                <a:r>
+                  <a:rPr lang="zh-CN" altLang="en-US" sz="1100" dirty="0"/>
+                  <a:t>将这些传统相机拍摄的图像称为</a:t>
+                </a:r>
+                <a:r>
+                  <a:rPr lang="en-US" altLang="zh-CN" sz="1100" dirty="0"/>
+                  <a:t>FCFD-TC</a:t>
+                </a:r>
+                <a:r>
+                  <a:rPr lang="zh-CN" altLang="en-US" sz="1100" dirty="0"/>
+                  <a:t>。</a:t>
+                </a:r>
+                <a:endParaRPr lang="en-US" altLang="zh-CN" sz="1100" dirty="0"/>
+              </a:p>
+              <a:p>
+                <a:pPr>
+                  <a:lnSpc>
+                    <a:spcPct val="125000"/>
+                  </a:lnSpc>
+                </a:pPr>
+                <a:r>
+                  <a:rPr lang="zh-CN" altLang="en-US" sz="1100" dirty="0"/>
+                  <a:t>评价指标：</a:t>
+                </a:r>
+                <a14:m>
+                  <m:oMath xmlns:m="http://schemas.openxmlformats.org/officeDocument/2006/math">
+                    <m:r>
+                      <m:rPr>
+                        <m:sty m:val="p"/>
+                      </m:rPr>
+                      <a:rPr lang="en-US" altLang="zh-CN" sz="1100" i="1" dirty="0">
+                        <a:latin typeface="Cambria Math" panose="02040503050406030204" pitchFamily="18" charset="0"/>
+                      </a:rPr>
+                      <m:t>Acc</m:t>
+                    </m:r>
+                    <m:r>
+                      <a:rPr lang="en-US" altLang="zh-CN" sz="1100" b="0" i="1" dirty="0" smtClean="0">
+                        <a:latin typeface="Cambria Math" panose="02040503050406030204" pitchFamily="18" charset="0"/>
+                      </a:rPr>
+                      <m:t>𝑢𝑟𝑎𝑐𝑦</m:t>
+                    </m:r>
+                    <m:r>
+                      <a:rPr lang="en-US" altLang="zh-CN" sz="1100" b="0" i="1" dirty="0" smtClean="0">
+                        <a:latin typeface="Cambria Math" panose="02040503050406030204" pitchFamily="18" charset="0"/>
+                      </a:rPr>
+                      <m:t>=</m:t>
+                    </m:r>
+                    <m:f>
+                      <m:fPr>
+                        <m:ctrlPr>
+                          <a:rPr lang="en-US" altLang="zh-CN" sz="1100" b="0" i="1" dirty="0" smtClean="0">
+                            <a:latin typeface="Cambria Math" panose="02040503050406030204" pitchFamily="18" charset="0"/>
+                          </a:rPr>
+                        </m:ctrlPr>
+                      </m:fPr>
+                      <m:num>
+                        <m:r>
+                          <a:rPr lang="en-US" altLang="zh-CN" sz="1100" b="0" i="1" dirty="0" smtClean="0">
+                            <a:latin typeface="Cambria Math" panose="02040503050406030204" pitchFamily="18" charset="0"/>
+                          </a:rPr>
+                          <m:t>𝑇𝑃</m:t>
+                        </m:r>
+                        <m:r>
+                          <a:rPr lang="en-US" altLang="zh-CN" sz="1100" b="0" i="1" dirty="0" smtClean="0">
+                            <a:latin typeface="Cambria Math" panose="02040503050406030204" pitchFamily="18" charset="0"/>
+                          </a:rPr>
+                          <m:t>+</m:t>
+                        </m:r>
+                        <m:r>
+                          <a:rPr lang="en-US" altLang="zh-CN" sz="1100" b="0" i="1" dirty="0" smtClean="0">
+                            <a:latin typeface="Cambria Math" panose="02040503050406030204" pitchFamily="18" charset="0"/>
+                          </a:rPr>
+                          <m:t>𝑇𝑁</m:t>
+                        </m:r>
+                      </m:num>
+                      <m:den>
+                        <m:r>
+                          <a:rPr lang="en-US" altLang="zh-CN" sz="1100" b="0" i="1" dirty="0" smtClean="0">
+                            <a:latin typeface="Cambria Math" panose="02040503050406030204" pitchFamily="18" charset="0"/>
+                          </a:rPr>
+                          <m:t>𝑇𝑃</m:t>
+                        </m:r>
+                        <m:r>
+                          <a:rPr lang="en-US" altLang="zh-CN" sz="1100" b="0" i="1" dirty="0" smtClean="0">
+                            <a:latin typeface="Cambria Math" panose="02040503050406030204" pitchFamily="18" charset="0"/>
+                          </a:rPr>
+                          <m:t>+</m:t>
+                        </m:r>
+                        <m:r>
+                          <a:rPr lang="en-US" altLang="zh-CN" sz="1100" b="0" i="1" dirty="0" smtClean="0">
+                            <a:latin typeface="Cambria Math" panose="02040503050406030204" pitchFamily="18" charset="0"/>
+                          </a:rPr>
+                          <m:t>𝑇𝑁</m:t>
+                        </m:r>
+                        <m:r>
+                          <a:rPr lang="en-US" altLang="zh-CN" sz="1100" b="0" i="1" dirty="0" smtClean="0">
+                            <a:latin typeface="Cambria Math" panose="02040503050406030204" pitchFamily="18" charset="0"/>
+                          </a:rPr>
+                          <m:t>+</m:t>
+                        </m:r>
+                        <m:r>
+                          <a:rPr lang="en-US" altLang="zh-CN" sz="1100" b="0" i="1" dirty="0" smtClean="0">
+                            <a:latin typeface="Cambria Math" panose="02040503050406030204" pitchFamily="18" charset="0"/>
+                          </a:rPr>
+                          <m:t>𝐹𝑇</m:t>
+                        </m:r>
+                        <m:r>
+                          <a:rPr lang="en-US" altLang="zh-CN" sz="1100" b="0" i="1" dirty="0" smtClean="0">
+                            <a:latin typeface="Cambria Math" panose="02040503050406030204" pitchFamily="18" charset="0"/>
+                          </a:rPr>
+                          <m:t>+</m:t>
+                        </m:r>
+                        <m:r>
+                          <a:rPr lang="en-US" altLang="zh-CN" sz="1100" b="0" i="1" dirty="0" smtClean="0">
+                            <a:latin typeface="Cambria Math" panose="02040503050406030204" pitchFamily="18" charset="0"/>
+                          </a:rPr>
+                          <m:t>𝐹𝑁</m:t>
+                        </m:r>
+                      </m:den>
+                    </m:f>
+                  </m:oMath>
+                </a14:m>
+                <a:r>
+                  <a:rPr lang="en-US" altLang="zh-CN" sz="1200" dirty="0"/>
+                  <a:t>,</a:t>
+                </a:r>
+                <a:r>
+                  <a:rPr lang="zh-CN" altLang="en-US" sz="1200" dirty="0"/>
+                  <a:t>其中真阳性</a:t>
+                </a:r>
+                <a:r>
+                  <a:rPr lang="en-US" altLang="zh-CN" sz="1200" dirty="0"/>
+                  <a:t>(True Positive,TP)</a:t>
+                </a:r>
+                <a:r>
+                  <a:rPr lang="zh-CN" altLang="en-US" sz="1200" dirty="0"/>
+                  <a:t>指真实为同一人</a:t>
+                </a:r>
+                <a:r>
+                  <a:rPr lang="en-US" altLang="zh-CN" sz="1200" dirty="0"/>
+                  <a:t>,</a:t>
+                </a:r>
+                <a:r>
+                  <a:rPr lang="zh-CN" altLang="en-US" sz="1200" dirty="0"/>
+                  <a:t>且模型正确判断为同一人的样本数</a:t>
+                </a:r>
+                <a:r>
+                  <a:rPr lang="en-US" altLang="zh-CN" sz="1200" dirty="0"/>
+                  <a:t>,</a:t>
+                </a:r>
+                <a:r>
+                  <a:rPr lang="zh-CN" altLang="en-US" sz="1200" dirty="0"/>
+                  <a:t>真阴性</a:t>
+                </a:r>
+                <a:r>
+                  <a:rPr lang="en-US" altLang="zh-CN" sz="1200" dirty="0"/>
+                  <a:t>(True Negative,TN)</a:t>
+                </a:r>
+                <a:r>
+                  <a:rPr lang="zh-CN" altLang="en-US" sz="1200" dirty="0"/>
+                  <a:t>指真实为不同人</a:t>
+                </a:r>
+                <a:r>
+                  <a:rPr lang="en-US" altLang="zh-CN" sz="1200" dirty="0"/>
+                  <a:t>,</a:t>
+                </a:r>
+                <a:r>
+                  <a:rPr lang="zh-CN" altLang="en-US" sz="1200" dirty="0"/>
+                  <a:t>且模型正确判断为不同人的样本数</a:t>
+                </a:r>
+                <a:r>
+                  <a:rPr lang="en-US" altLang="zh-CN" sz="1200" dirty="0"/>
+                  <a:t>,</a:t>
+                </a:r>
+                <a:r>
+                  <a:rPr lang="zh-CN" altLang="en-US" sz="1200" dirty="0"/>
+                  <a:t>假阳性</a:t>
+                </a:r>
+                <a:r>
+                  <a:rPr lang="en-US" altLang="zh-CN" sz="1200" dirty="0"/>
+                  <a:t>(False Positive,FP)</a:t>
+                </a:r>
+                <a:r>
+                  <a:rPr lang="zh-CN" altLang="en-US" sz="1200" dirty="0"/>
+                  <a:t>指真实为不同人</a:t>
+                </a:r>
+                <a:r>
+                  <a:rPr lang="en-US" altLang="zh-CN" sz="1200" dirty="0"/>
+                  <a:t>,</a:t>
+                </a:r>
+                <a:r>
+                  <a:rPr lang="zh-CN" altLang="en-US" sz="1200" dirty="0"/>
+                  <a:t>但模型错误判断为同一人的样本数</a:t>
+                </a:r>
+                <a:r>
+                  <a:rPr lang="en-US" altLang="zh-CN" sz="1200" dirty="0"/>
+                  <a:t>,</a:t>
+                </a:r>
+                <a:r>
+                  <a:rPr lang="zh-CN" altLang="en-US" sz="1200" dirty="0"/>
+                  <a:t>假阴性</a:t>
+                </a:r>
+                <a:r>
+                  <a:rPr lang="en-US" altLang="zh-CN" sz="1200" dirty="0"/>
+                  <a:t>(False Negative,FN)</a:t>
+                </a:r>
+                <a:r>
+                  <a:rPr lang="zh-CN" altLang="en-US" sz="1200" dirty="0"/>
+                  <a:t>指真实为同一人</a:t>
+                </a:r>
+                <a:r>
+                  <a:rPr lang="en-US" altLang="zh-CN" sz="1200" dirty="0"/>
+                  <a:t>,</a:t>
+                </a:r>
+                <a:r>
+                  <a:rPr lang="zh-CN" altLang="en-US" sz="1200" dirty="0"/>
+                  <a:t>但模型判断为不同人的样本数。</a:t>
+                </a:r>
+                <a:endParaRPr lang="en-US" altLang="zh-CN" sz="1200" dirty="0"/>
+              </a:p>
+              <a:p>
+                <a:pPr>
+                  <a:lnSpc>
+                    <a:spcPct val="125000"/>
+                  </a:lnSpc>
+                </a:pPr>
+                <a:endParaRPr lang="zh-CN" altLang="en-US" sz="1200" dirty="0"/>
+              </a:p>
+            </p:txBody>
+          </p:sp>
+        </mc:Choice>
+        <mc:Fallback xmlns="">
+          <p:sp>
+            <p:nvSpPr>
+              <p:cNvPr id="3" name="内容占位符 2">
+                <a:extLst>
+                  <a:ext uri="{FF2B5EF4-FFF2-40B4-BE49-F238E27FC236}">
+                    <a16:creationId xmlns:a16="http://schemas.microsoft.com/office/drawing/2014/main" id="{F6DB2813-BE69-40E7-AC1A-F210908269D2}"/>
+                  </a:ext>
+                </a:extLst>
+              </p:cNvPr>
+              <p:cNvSpPr>
+                <a:spLocks noGrp="1" noRot="1" noChangeAspect="1" noMove="1" noResize="1" noEditPoints="1" noAdjustHandles="1" noChangeArrowheads="1" noChangeShapeType="1" noTextEdit="1"/>
+              </p:cNvSpPr>
+              <p:nvPr>
+                <p:ph idx="1"/>
+              </p:nvPr>
+            </p:nvSpPr>
+            <p:spPr>
+              <a:xfrm>
+                <a:off x="838200" y="1390389"/>
+                <a:ext cx="10515600" cy="2574099"/>
+              </a:xfrm>
+              <a:blipFill>
+                <a:blip r:embed="rId2"/>
+                <a:stretch>
+                  <a:fillRect/>
+                </a:stretch>
+              </a:blipFill>
+            </p:spPr>
+            <p:txBody>
+              <a:bodyPr/>
+              <a:lstStyle/>
+              <a:p>
+                <a:r>
+                  <a:rPr lang="zh-CN" altLang="en-US">
+                    <a:noFill/>
+                  </a:rPr>
+                  <a:t> </a:t>
+                </a:r>
+              </a:p>
+            </p:txBody>
+          </p:sp>
+        </mc:Fallback>
+      </mc:AlternateContent>
+      <p:pic>
+        <p:nvPicPr>
+          <p:cNvPr id="5" name="图片 4">
+            <a:extLst>
+              <a:ext uri="{FF2B5EF4-FFF2-40B4-BE49-F238E27FC236}">
+                <a16:creationId xmlns:a16="http://schemas.microsoft.com/office/drawing/2014/main" id="{B996F349-29CC-4F97-9A65-7645CD5AF836}"/>
+              </a:ext>
+            </a:extLst>
+          </p:cNvPr>
+          <p:cNvPicPr>
+            <a:picLocks noChangeAspect="1"/>
+          </p:cNvPicPr>
+          <p:nvPr/>
+        </p:nvPicPr>
+        <p:blipFill>
+          <a:blip r:embed="rId3"/>
+          <a:stretch>
+            <a:fillRect/>
+          </a:stretch>
+        </p:blipFill>
+        <p:spPr>
+          <a:xfrm>
+            <a:off x="5792087" y="4113785"/>
+            <a:ext cx="5016987" cy="2255700"/>
+          </a:xfrm>
+          <a:prstGeom prst="rect">
+            <a:avLst/>
+          </a:prstGeom>
+        </p:spPr>
+      </p:pic>
+      <p:sp>
+        <p:nvSpPr>
+          <p:cNvPr id="7" name="文本框 6">
+            <a:extLst>
+              <a:ext uri="{FF2B5EF4-FFF2-40B4-BE49-F238E27FC236}">
+                <a16:creationId xmlns:a16="http://schemas.microsoft.com/office/drawing/2014/main" id="{04D32DC5-BDBB-4884-9F49-C6640500478C}"/>
+              </a:ext>
+            </a:extLst>
+          </p:cNvPr>
+          <p:cNvSpPr txBox="1"/>
+          <p:nvPr/>
+        </p:nvSpPr>
+        <p:spPr>
+          <a:xfrm>
+            <a:off x="838200" y="3927629"/>
+            <a:ext cx="4128370" cy="923458"/>
+          </a:xfrm>
+          <a:prstGeom prst="rect">
+            <a:avLst/>
+          </a:prstGeom>
+          <a:noFill/>
+        </p:spPr>
+        <p:txBody>
+          <a:bodyPr wrap="square">
+            <a:spAutoFit/>
+          </a:bodyPr>
+          <a:lstStyle/>
+          <a:p>
+            <a:pPr marL="171450" indent="-171450">
+              <a:lnSpc>
+                <a:spcPct val="125000"/>
+              </a:lnSpc>
+              <a:buFont typeface="Arial" panose="020B0604020202020204" pitchFamily="34" charset="0"/>
+              <a:buChar char="•"/>
+            </a:pPr>
+            <a:r>
+              <a:rPr lang="zh-CN" altLang="en-US" sz="1100" dirty="0"/>
+              <a:t>这表明,通过进一步优化重建方法和模型结构,DRL-GAN-UNet 仍有潜力进一步提升重建图像的质量和识别准确率。无镜头图像的重建质量理论上还存在提升空间,但其识别性能已经接近实际应用的需求,特别是在对隐私保护有较高要求的场景中。</a:t>
+            </a:r>
+          </a:p>
+        </p:txBody>
+      </p:sp>
+    </p:spTree>
+    <p:extLst>
+      <p:ext uri="{BB962C8B-B14F-4D97-AF65-F5344CB8AC3E}">
+        <p14:creationId xmlns:p14="http://schemas.microsoft.com/office/powerpoint/2010/main" val="1434075642"/>
+      </p:ext>
+    </p:extLst>
+  </p:cSld>
+  <p:clrMapOvr>
+    <a:masterClrMapping/>
+  </p:clrMapOvr>
+</p:sld>
+</file>
+
+<file path=ppt/slides/slide13.xml><?xml version="1.0" encoding="utf-8"?>
+<p:sld xmlns:a="http://schemas.openxmlformats.org/drawingml/2006/main" xmlns:r="http://schemas.openxmlformats.org/officeDocument/2006/relationships" xmlns:p="http://schemas.openxmlformats.org/presentationml/2006/main">
+  <p:cSld>
+    <p:spTree>
+      <p:nvGrpSpPr>
+        <p:cNvPr id="1" name=""/>
+        <p:cNvGrpSpPr/>
+        <p:nvPr/>
+      </p:nvGrpSpPr>
+      <p:grpSpPr>
+        <a:xfrm>
+          <a:off x="0" y="0"/>
+          <a:ext cx="0" cy="0"/>
+          <a:chOff x="0" y="0"/>
+          <a:chExt cx="0" cy="0"/>
+        </a:xfrm>
+      </p:grpSpPr>
+      <p:sp>
+        <p:nvSpPr>
+          <p:cNvPr id="2" name="标题 1">
+            <a:extLst>
+              <a:ext uri="{FF2B5EF4-FFF2-40B4-BE49-F238E27FC236}">
+                <a16:creationId xmlns:a16="http://schemas.microsoft.com/office/drawing/2014/main" id="{845C4118-208C-4335-A235-88C0D6735B59}"/>
+              </a:ext>
+            </a:extLst>
+          </p:cNvPr>
+          <p:cNvSpPr>
+            <a:spLocks noGrp="1"/>
+          </p:cNvSpPr>
+          <p:nvPr>
+            <p:ph type="title"/>
+          </p:nvPr>
+        </p:nvSpPr>
+        <p:spPr>
+          <a:xfrm>
+            <a:off x="838200" y="365125"/>
+            <a:ext cx="10515600" cy="724639"/>
+          </a:xfrm>
+        </p:spPr>
+        <p:txBody>
+          <a:bodyPr>
+            <a:normAutofit/>
+          </a:bodyPr>
+          <a:lstStyle/>
+          <a:p>
+            <a:r>
+              <a:rPr lang="zh-CN" altLang="en-US" sz="2400" dirty="0"/>
+              <a:t>基于改进 </a:t>
+            </a:r>
+            <a:r>
+              <a:rPr lang="en-US" altLang="zh-CN" sz="2400" dirty="0"/>
+              <a:t>YOLOv8 </a:t>
+            </a:r>
+            <a:r>
+              <a:rPr lang="zh-CN" altLang="en-US" sz="2400" dirty="0"/>
+              <a:t>网络的无镜头图像人脸识别方法</a:t>
             </a:r>
           </a:p>
         </p:txBody>
@@ -3654,7 +4571,7 @@
           <p:cNvPr id="3" name="内容占位符 2">
             <a:extLst>
               <a:ext uri="{FF2B5EF4-FFF2-40B4-BE49-F238E27FC236}">
-                <a16:creationId xmlns:a16="http://schemas.microsoft.com/office/drawing/2014/main" id="{5422B1DE-DC20-44B5-B190-848FAE657650}"/>
+                <a16:creationId xmlns:a16="http://schemas.microsoft.com/office/drawing/2014/main" id="{1E40901E-673D-4BE8-9B00-BD732DE4DEA4}"/>
               </a:ext>
             </a:extLst>
           </p:cNvPr>
@@ -3665,103 +4582,1479 @@
             <p:ph idx="1"/>
           </p:nvPr>
         </p:nvSpPr>
-        <p:spPr/>
+        <p:spPr>
+          <a:xfrm>
+            <a:off x="838200" y="1183710"/>
+            <a:ext cx="5969696" cy="3244241"/>
+          </a:xfrm>
+        </p:spPr>
         <p:txBody>
-          <a:bodyPr/>
+          <a:bodyPr>
+            <a:normAutofit/>
+          </a:bodyPr>
           <a:lstStyle/>
           <a:p>
-            <a:r>
-              <a:rPr lang="en-US" altLang="zh-CN"/>
-              <a:t>1. </a:t>
-            </a:r>
-            <a:r>
-              <a:rPr lang="zh-CN" altLang="en-US"/>
-              <a:t>全文总结：</a:t>
-            </a:r>
-          </a:p>
-          <a:p>
-            <a:r>
-              <a:rPr lang="zh-CN" altLang="en-US"/>
-              <a:t>   </a:t>
-            </a:r>
-            <a:r>
-              <a:rPr lang="en-US" altLang="zh-CN"/>
-              <a:t>? </a:t>
-            </a:r>
-            <a:r>
-              <a:rPr lang="zh-CN" altLang="en-US"/>
-              <a:t>实现了从底层物理模型到上层应用的全链路创新。</a:t>
-            </a:r>
-          </a:p>
-          <a:p>
-            <a:r>
-              <a:rPr lang="zh-CN" altLang="en-US"/>
-              <a:t>   </a:t>
-            </a:r>
-            <a:r>
-              <a:rPr lang="en-US" altLang="zh-CN"/>
-              <a:t>? </a:t>
-            </a:r>
-            <a:r>
-              <a:rPr lang="zh-CN" altLang="en-US"/>
-              <a:t>解决了速度（数学方法）与质量（深度学习）的矛盾。</a:t>
-            </a:r>
-          </a:p>
-          <a:p>
-            <a:endParaRPr lang="zh-CN" altLang="en-US"/>
-          </a:p>
-          <a:p>
-            <a:r>
-              <a:rPr lang="en-US" altLang="zh-CN"/>
-              <a:t>2. </a:t>
-            </a:r>
-            <a:r>
-              <a:rPr lang="zh-CN" altLang="en-US"/>
-              <a:t>科研启示：</a:t>
-            </a:r>
-          </a:p>
-          <a:p>
-            <a:r>
-              <a:rPr lang="zh-CN" altLang="en-US"/>
-              <a:t>   </a:t>
-            </a:r>
-            <a:r>
-              <a:rPr lang="en-US" altLang="zh-CN"/>
-              <a:t>? </a:t>
-            </a:r>
-            <a:r>
-              <a:rPr lang="zh-CN" altLang="en-US"/>
-              <a:t>物理先验 </a:t>
-            </a:r>
-            <a:r>
-              <a:rPr lang="en-US" altLang="zh-CN"/>
-              <a:t>+ </a:t>
-            </a:r>
-            <a:r>
-              <a:rPr lang="zh-CN" altLang="en-US"/>
-              <a:t>深度学习：利用物理模型初始化网络，比纯黑盒更有效。</a:t>
-            </a:r>
-          </a:p>
-          <a:p>
-            <a:r>
-              <a:rPr lang="zh-CN" altLang="en-US"/>
-              <a:t>   </a:t>
-            </a:r>
-            <a:r>
-              <a:rPr lang="en-US" altLang="zh-CN"/>
-              <a:t>? </a:t>
-            </a:r>
-            <a:r>
-              <a:rPr lang="zh-CN" altLang="en-US"/>
-              <a:t>任务导向设计：针对信号特性（如全局散斑）选择架构（如 </a:t>
-            </a:r>
-            <a:r>
-              <a:rPr lang="en-US" altLang="zh-CN"/>
-              <a:t>ViT/Attention</a:t>
-            </a:r>
-            <a:r>
-              <a:rPr lang="zh-CN" altLang="en-US"/>
-              <a:t>），而非盲目堆砌模块。</a:t>
+            <a:pPr>
+              <a:lnSpc>
+                <a:spcPct val="125000"/>
+              </a:lnSpc>
+            </a:pPr>
+            <a:r>
+              <a:rPr lang="zh-CN" altLang="en-US" sz="1100" dirty="0"/>
+              <a:t>文章提出的改进模块改良后的 </a:t>
+            </a:r>
+            <a:r>
+              <a:rPr lang="en-US" altLang="zh-CN" sz="1100" dirty="0"/>
+              <a:t>YOLOv8 </a:t>
+            </a:r>
+            <a:r>
+              <a:rPr lang="zh-CN" altLang="en-US" sz="1100" dirty="0"/>
+              <a:t>网络结构如图所示。首先</a:t>
+            </a:r>
+            <a:r>
+              <a:rPr lang="en-US" altLang="zh-CN" sz="1100" dirty="0"/>
+              <a:t>,</a:t>
+            </a:r>
+            <a:r>
+              <a:rPr lang="zh-CN" altLang="en-US" sz="1100" dirty="0"/>
+              <a:t>针对无镜头测量图像中人脸特征信息不显著的问题</a:t>
+            </a:r>
+            <a:r>
+              <a:rPr lang="en-US" altLang="zh-CN" sz="1100" dirty="0"/>
+              <a:t>,</a:t>
+            </a:r>
+            <a:r>
+              <a:rPr lang="zh-CN" altLang="en-US" sz="1100" dirty="0"/>
+              <a:t>引入</a:t>
+            </a:r>
+            <a:r>
+              <a:rPr lang="en-US" altLang="zh-CN" sz="1100" dirty="0"/>
+              <a:t>Bi-PAN</a:t>
+            </a:r>
+            <a:r>
+              <a:rPr lang="zh-CN" altLang="en-US" sz="1100" dirty="0"/>
+              <a:t>特征金字塔方法来改进</a:t>
+            </a:r>
+            <a:r>
+              <a:rPr lang="en-US" altLang="zh-CN" sz="1100" dirty="0"/>
+              <a:t>YOLOv8</a:t>
+            </a:r>
+            <a:r>
+              <a:rPr lang="zh-CN" altLang="en-US" sz="1100" dirty="0"/>
+              <a:t>网络的颈部</a:t>
+            </a:r>
+            <a:r>
+              <a:rPr lang="en-US" altLang="zh-CN" sz="1100" dirty="0"/>
+              <a:t>,</a:t>
+            </a:r>
+            <a:r>
+              <a:rPr lang="zh-CN" altLang="en-US" sz="1100" dirty="0"/>
+              <a:t>通过提取融合多尺度特征</a:t>
+            </a:r>
+            <a:r>
+              <a:rPr lang="en-US" altLang="zh-CN" sz="1100" dirty="0"/>
+              <a:t>,</a:t>
+            </a:r>
+            <a:r>
+              <a:rPr lang="zh-CN" altLang="en-US" sz="1100" dirty="0"/>
+              <a:t>提升了模型的特征提取能力。其次</a:t>
+            </a:r>
+            <a:r>
+              <a:rPr lang="en-US" altLang="zh-CN" sz="1100" dirty="0"/>
+              <a:t>,</a:t>
+            </a:r>
+            <a:r>
+              <a:rPr lang="zh-CN" altLang="en-US" sz="1100" dirty="0"/>
+              <a:t>提出一种多尺度特征感知模块以改进网络的</a:t>
+            </a:r>
+            <a:r>
+              <a:rPr lang="en-US" altLang="zh-CN" sz="1100" dirty="0"/>
+              <a:t>SPPF</a:t>
+            </a:r>
+            <a:r>
+              <a:rPr lang="zh-CN" altLang="en-US" sz="1100" dirty="0"/>
+              <a:t>结构</a:t>
+            </a:r>
+            <a:r>
+              <a:rPr lang="en-US" altLang="zh-CN" sz="1100" dirty="0"/>
+              <a:t>,</a:t>
+            </a:r>
+            <a:r>
+              <a:rPr lang="zh-CN" altLang="en-US" sz="1100" dirty="0"/>
+              <a:t>降低了模型过拟合的可能</a:t>
+            </a:r>
+            <a:r>
+              <a:rPr lang="en-US" altLang="zh-CN" sz="1100" dirty="0"/>
+              <a:t>,</a:t>
+            </a:r>
+            <a:r>
+              <a:rPr lang="zh-CN" altLang="en-US" sz="1100" dirty="0"/>
+              <a:t>同时减小模型对相似特征的依赖性。最后</a:t>
+            </a:r>
+            <a:r>
+              <a:rPr lang="en-US" altLang="zh-CN" sz="1100" dirty="0"/>
+              <a:t>,</a:t>
+            </a:r>
+            <a:r>
+              <a:rPr lang="zh-CN" altLang="en-US" sz="1100" dirty="0"/>
+              <a:t>与传统 </a:t>
+            </a:r>
+            <a:r>
+              <a:rPr lang="en-US" altLang="zh-CN" sz="1100" dirty="0"/>
+              <a:t>YOLOv8 </a:t>
+            </a:r>
+            <a:r>
+              <a:rPr lang="zh-CN" altLang="en-US" sz="1100" dirty="0"/>
+              <a:t>网络中使用的</a:t>
+            </a:r>
+            <a:r>
+              <a:rPr lang="en-US" altLang="zh-CN" sz="1100" dirty="0" err="1"/>
+              <a:t>CIoU</a:t>
+            </a:r>
+            <a:r>
+              <a:rPr lang="zh-CN" altLang="en-US" sz="1100" dirty="0"/>
+              <a:t>损失不同</a:t>
+            </a:r>
+            <a:r>
+              <a:rPr lang="en-US" altLang="zh-CN" sz="1100" dirty="0"/>
+              <a:t>,</a:t>
+            </a:r>
+            <a:r>
+              <a:rPr lang="zh-CN" altLang="en-US" sz="1100" dirty="0"/>
+              <a:t>本节使用</a:t>
+            </a:r>
+            <a:r>
+              <a:rPr lang="en-US" altLang="zh-CN" sz="1100" dirty="0" err="1"/>
+              <a:t>WiseIoU</a:t>
+            </a:r>
+            <a:r>
+              <a:rPr lang="zh-CN" altLang="en-US" sz="1100" dirty="0"/>
+              <a:t>损失函数为边界框回归损失</a:t>
+            </a:r>
+            <a:r>
+              <a:rPr lang="en-US" altLang="zh-CN" sz="1100" dirty="0"/>
+              <a:t>,</a:t>
+            </a:r>
+            <a:r>
+              <a:rPr lang="zh-CN" altLang="en-US" sz="1100" dirty="0"/>
+              <a:t>这是一种具有两层注意力机制和动态非单调聚焦机制的</a:t>
+            </a:r>
+            <a:r>
+              <a:rPr lang="en-US" altLang="zh-CN" sz="1100" dirty="0" err="1"/>
+              <a:t>WiseIoU</a:t>
+            </a:r>
+            <a:r>
+              <a:rPr lang="zh-CN" altLang="en-US" sz="1100" dirty="0"/>
+              <a:t>损失函数。</a:t>
+            </a:r>
+            <a:endParaRPr lang="en-US" altLang="zh-CN" sz="1100" dirty="0"/>
+          </a:p>
+          <a:p>
+            <a:pPr>
+              <a:lnSpc>
+                <a:spcPct val="125000"/>
+              </a:lnSpc>
+            </a:pPr>
+            <a:r>
+              <a:rPr lang="zh-CN" altLang="en-US" sz="1100" dirty="0"/>
+              <a:t>实验结果和分析</a:t>
+            </a:r>
+            <a:endParaRPr lang="en-US" altLang="zh-CN" sz="1100" dirty="0"/>
+          </a:p>
+          <a:p>
+            <a:pPr>
+              <a:lnSpc>
+                <a:spcPct val="125000"/>
+              </a:lnSpc>
+            </a:pPr>
+            <a:r>
+              <a:rPr lang="zh-CN" altLang="en-US" sz="1100" dirty="0"/>
+              <a:t>消融实验结果清楚地表明</a:t>
+            </a:r>
+            <a:r>
+              <a:rPr lang="en-US" altLang="zh-CN" sz="1100" dirty="0"/>
+              <a:t>,</a:t>
+            </a:r>
+            <a:r>
+              <a:rPr lang="zh-CN" altLang="en-US" sz="1100" dirty="0"/>
+              <a:t>每个改  进模块都对提升模型的准确率有不同程度的贡献</a:t>
+            </a:r>
+            <a:r>
+              <a:rPr lang="en-US" altLang="zh-CN" sz="1100" dirty="0"/>
+              <a:t>,</a:t>
+            </a:r>
+            <a:r>
+              <a:rPr lang="zh-CN" altLang="en-US" sz="1100" dirty="0"/>
+              <a:t>而它们的联合使用则可以使整  体改进模型达到最优的性能表现。</a:t>
+            </a:r>
+            <a:endParaRPr lang="en-US" altLang="zh-CN" sz="1100" dirty="0"/>
+          </a:p>
+          <a:p>
+            <a:pPr>
+              <a:lnSpc>
+                <a:spcPct val="125000"/>
+              </a:lnSpc>
+            </a:pPr>
+            <a:r>
+              <a:rPr lang="zh-CN" altLang="en-US" sz="1100" dirty="0"/>
+              <a:t>本节提出的改进</a:t>
+            </a:r>
+            <a:r>
+              <a:rPr lang="en-US" altLang="zh-CN" sz="1100" dirty="0"/>
+              <a:t>YOLOv8</a:t>
+            </a:r>
+            <a:r>
+              <a:rPr lang="zh-CN" altLang="en-US" sz="1100" dirty="0"/>
+              <a:t>方法在两个数据集上均展现了最优的性能</a:t>
+            </a:r>
+            <a:r>
+              <a:rPr lang="en-US" altLang="zh-CN" sz="1100" dirty="0"/>
+              <a:t>,</a:t>
+            </a:r>
+            <a:r>
+              <a:rPr lang="zh-CN" altLang="en-US" sz="1100" dirty="0"/>
+              <a:t>特别是在</a:t>
+            </a:r>
+            <a:r>
+              <a:rPr lang="en-US" altLang="zh-CN" sz="1100" dirty="0"/>
+              <a:t>FCFD-LR</a:t>
+            </a:r>
+            <a:r>
+              <a:rPr lang="zh-CN" altLang="en-US" sz="1100" dirty="0"/>
+              <a:t>数据集上达到了</a:t>
+            </a:r>
+            <a:r>
+              <a:rPr lang="en-US" altLang="zh-CN" sz="1100" dirty="0"/>
+              <a:t>97.4%</a:t>
+            </a:r>
+            <a:r>
+              <a:rPr lang="zh-CN" altLang="en-US" sz="1100" dirty="0"/>
+              <a:t>的准确率</a:t>
+            </a:r>
+            <a:r>
+              <a:rPr lang="en-US" altLang="zh-CN" sz="1100" dirty="0"/>
+              <a:t>,</a:t>
+            </a:r>
+            <a:r>
+              <a:rPr lang="zh-CN" altLang="en-US" sz="1100" dirty="0"/>
+              <a:t>显著超越了其他模型。这一结果表明</a:t>
+            </a:r>
+            <a:r>
+              <a:rPr lang="en-US" altLang="zh-CN" sz="1100" dirty="0"/>
+              <a:t>,</a:t>
+            </a:r>
+            <a:r>
+              <a:rPr lang="zh-CN" altLang="en-US" sz="1100" dirty="0"/>
+              <a:t>通过引入</a:t>
+            </a:r>
+            <a:r>
+              <a:rPr lang="en-US" altLang="zh-CN" sz="1100" dirty="0"/>
+              <a:t>Bi-FPN-PAN</a:t>
+            </a:r>
+            <a:r>
+              <a:rPr lang="zh-CN" altLang="en-US" sz="1100" dirty="0"/>
+              <a:t>、</a:t>
+            </a:r>
+            <a:r>
+              <a:rPr lang="en-US" altLang="zh-CN" sz="1100" dirty="0"/>
+              <a:t>MDP</a:t>
+            </a:r>
+            <a:r>
+              <a:rPr lang="zh-CN" altLang="en-US" sz="1100" dirty="0"/>
+              <a:t>、</a:t>
+            </a:r>
+            <a:r>
+              <a:rPr lang="en-US" altLang="zh-CN" sz="1100" dirty="0" err="1"/>
+              <a:t>WiseIoU</a:t>
+            </a:r>
+            <a:r>
+              <a:rPr lang="zh-CN" altLang="en-US" sz="1100" dirty="0"/>
+              <a:t>等改进模块</a:t>
+            </a:r>
+            <a:r>
+              <a:rPr lang="en-US" altLang="zh-CN" sz="1100" dirty="0"/>
+              <a:t>,</a:t>
+            </a:r>
+            <a:r>
+              <a:rPr lang="zh-CN" altLang="en-US" sz="1100" dirty="0"/>
+              <a:t>改进的</a:t>
+            </a:r>
+            <a:r>
+              <a:rPr lang="en-US" altLang="zh-CN" sz="1100" dirty="0"/>
+              <a:t>YOLOv8</a:t>
+            </a:r>
+            <a:r>
+              <a:rPr lang="zh-CN" altLang="en-US" sz="1100" dirty="0"/>
+              <a:t>网络大幅提升了对无镜头重建图像的特征捕捉能力和特  征匹配能力</a:t>
+            </a:r>
+            <a:r>
+              <a:rPr lang="en-US" altLang="zh-CN" sz="1100" dirty="0"/>
+              <a:t>,</a:t>
+            </a:r>
+            <a:r>
+              <a:rPr lang="zh-CN" altLang="en-US" sz="1100" dirty="0"/>
+              <a:t>从而在无镜头人脸验证任务中表现出更好的性能。</a:t>
+            </a:r>
+            <a:endParaRPr lang="en-US" altLang="zh-CN" sz="1100" dirty="0"/>
+          </a:p>
+        </p:txBody>
+      </p:sp>
+      <p:pic>
+        <p:nvPicPr>
+          <p:cNvPr id="5" name="图片 4">
+            <a:extLst>
+              <a:ext uri="{FF2B5EF4-FFF2-40B4-BE49-F238E27FC236}">
+                <a16:creationId xmlns:a16="http://schemas.microsoft.com/office/drawing/2014/main" id="{700E3D65-1DF5-45A0-AF92-8353E0ACEC95}"/>
+              </a:ext>
+            </a:extLst>
+          </p:cNvPr>
+          <p:cNvPicPr>
+            <a:picLocks noChangeAspect="1"/>
+          </p:cNvPicPr>
+          <p:nvPr/>
+        </p:nvPicPr>
+        <p:blipFill>
+          <a:blip r:embed="rId2"/>
+          <a:stretch>
+            <a:fillRect/>
+          </a:stretch>
+        </p:blipFill>
+        <p:spPr>
+          <a:xfrm>
+            <a:off x="7003035" y="945715"/>
+            <a:ext cx="5188965" cy="2692324"/>
+          </a:xfrm>
+          <a:prstGeom prst="rect">
+            <a:avLst/>
+          </a:prstGeom>
+        </p:spPr>
+      </p:pic>
+      <p:pic>
+        <p:nvPicPr>
+          <p:cNvPr id="9" name="图片 8">
+            <a:extLst>
+              <a:ext uri="{FF2B5EF4-FFF2-40B4-BE49-F238E27FC236}">
+                <a16:creationId xmlns:a16="http://schemas.microsoft.com/office/drawing/2014/main" id="{DCBED073-0425-4725-A7A1-36F7EE809D75}"/>
+              </a:ext>
+            </a:extLst>
+          </p:cNvPr>
+          <p:cNvPicPr>
+            <a:picLocks noChangeAspect="1"/>
+          </p:cNvPicPr>
+          <p:nvPr/>
+        </p:nvPicPr>
+        <p:blipFill>
+          <a:blip r:embed="rId3"/>
+          <a:stretch>
+            <a:fillRect/>
+          </a:stretch>
+        </p:blipFill>
+        <p:spPr>
+          <a:xfrm>
+            <a:off x="1411702" y="4603316"/>
+            <a:ext cx="3898843" cy="1889560"/>
+          </a:xfrm>
+          <a:prstGeom prst="rect">
+            <a:avLst/>
+          </a:prstGeom>
+        </p:spPr>
+      </p:pic>
+      <p:pic>
+        <p:nvPicPr>
+          <p:cNvPr id="11" name="图片 10">
+            <a:extLst>
+              <a:ext uri="{FF2B5EF4-FFF2-40B4-BE49-F238E27FC236}">
+                <a16:creationId xmlns:a16="http://schemas.microsoft.com/office/drawing/2014/main" id="{447DD081-3EED-4DFA-A7FC-2CDF60235164}"/>
+              </a:ext>
+            </a:extLst>
+          </p:cNvPr>
+          <p:cNvPicPr>
+            <a:picLocks noChangeAspect="1"/>
+          </p:cNvPicPr>
+          <p:nvPr/>
+        </p:nvPicPr>
+        <p:blipFill>
+          <a:blip r:embed="rId4"/>
+          <a:stretch>
+            <a:fillRect/>
+          </a:stretch>
+        </p:blipFill>
+        <p:spPr>
+          <a:xfrm>
+            <a:off x="6052159" y="4546737"/>
+            <a:ext cx="4296799" cy="875487"/>
+          </a:xfrm>
+          <a:prstGeom prst="rect">
+            <a:avLst/>
+          </a:prstGeom>
+        </p:spPr>
+      </p:pic>
+      <p:pic>
+        <p:nvPicPr>
+          <p:cNvPr id="13" name="图片 12">
+            <a:extLst>
+              <a:ext uri="{FF2B5EF4-FFF2-40B4-BE49-F238E27FC236}">
+                <a16:creationId xmlns:a16="http://schemas.microsoft.com/office/drawing/2014/main" id="{A2415D6D-6401-47B5-A5E5-2B6132B250A7}"/>
+              </a:ext>
+            </a:extLst>
+          </p:cNvPr>
+          <p:cNvPicPr>
+            <a:picLocks noChangeAspect="1"/>
+          </p:cNvPicPr>
+          <p:nvPr/>
+        </p:nvPicPr>
+        <p:blipFill>
+          <a:blip r:embed="rId5"/>
+          <a:stretch>
+            <a:fillRect/>
+          </a:stretch>
+        </p:blipFill>
+        <p:spPr>
+          <a:xfrm>
+            <a:off x="6510351" y="5281859"/>
+            <a:ext cx="3346775" cy="1260851"/>
+          </a:xfrm>
+          <a:prstGeom prst="rect">
+            <a:avLst/>
+          </a:prstGeom>
+        </p:spPr>
+      </p:pic>
+    </p:spTree>
+    <p:extLst>
+      <p:ext uri="{BB962C8B-B14F-4D97-AF65-F5344CB8AC3E}">
+        <p14:creationId xmlns:p14="http://schemas.microsoft.com/office/powerpoint/2010/main" val="1607691110"/>
+      </p:ext>
+    </p:extLst>
+  </p:cSld>
+  <p:clrMapOvr>
+    <a:masterClrMapping/>
+  </p:clrMapOvr>
+</p:sld>
+</file>
+
+<file path=ppt/slides/slide14.xml><?xml version="1.0" encoding="utf-8"?>
+<p:sld xmlns:a="http://schemas.openxmlformats.org/drawingml/2006/main" xmlns:r="http://schemas.openxmlformats.org/officeDocument/2006/relationships" xmlns:p="http://schemas.openxmlformats.org/presentationml/2006/main">
+  <p:cSld>
+    <p:spTree>
+      <p:nvGrpSpPr>
+        <p:cNvPr id="1" name=""/>
+        <p:cNvGrpSpPr/>
+        <p:nvPr/>
+      </p:nvGrpSpPr>
+      <p:grpSpPr>
+        <a:xfrm>
+          <a:off x="0" y="0"/>
+          <a:ext cx="0" cy="0"/>
+          <a:chOff x="0" y="0"/>
+          <a:chExt cx="0" cy="0"/>
+        </a:xfrm>
+      </p:grpSpPr>
+      <p:sp>
+        <p:nvSpPr>
+          <p:cNvPr id="2" name="标题 1">
+            <a:extLst>
+              <a:ext uri="{FF2B5EF4-FFF2-40B4-BE49-F238E27FC236}">
+                <a16:creationId xmlns:a16="http://schemas.microsoft.com/office/drawing/2014/main" id="{A389B2D1-DD06-49B1-9BD9-C2957C10A719}"/>
+              </a:ext>
+            </a:extLst>
+          </p:cNvPr>
+          <p:cNvSpPr>
+            <a:spLocks noGrp="1"/>
+          </p:cNvSpPr>
+          <p:nvPr>
+            <p:ph type="title"/>
+          </p:nvPr>
+        </p:nvSpPr>
+        <p:spPr>
+          <a:xfrm>
+            <a:off x="670142" y="365126"/>
+            <a:ext cx="10963228" cy="755954"/>
+          </a:xfrm>
+        </p:spPr>
+        <p:txBody>
+          <a:bodyPr>
+            <a:normAutofit/>
+          </a:bodyPr>
+          <a:lstStyle/>
+          <a:p>
+            <a:r>
+              <a:rPr lang="zh-CN" altLang="en-US" sz="2400" dirty="0"/>
+              <a:t>基于 </a:t>
+            </a:r>
+            <a:r>
+              <a:rPr lang="en-US" altLang="zh-CN" sz="2400" dirty="0" err="1"/>
+              <a:t>VGGNet</a:t>
+            </a:r>
+            <a:r>
+              <a:rPr lang="en-US" altLang="zh-CN" sz="2400" dirty="0"/>
+              <a:t> </a:t>
+            </a:r>
+            <a:r>
+              <a:rPr lang="zh-CN" altLang="en-US" sz="2400" dirty="0"/>
+              <a:t>与 </a:t>
+            </a:r>
+            <a:r>
+              <a:rPr lang="en-US" altLang="zh-CN" sz="2400" dirty="0"/>
+              <a:t>Visual Transformer </a:t>
+            </a:r>
+            <a:r>
+              <a:rPr lang="zh-CN" altLang="en-US" sz="2400" dirty="0"/>
+              <a:t>的 </a:t>
+            </a:r>
+            <a:r>
+              <a:rPr lang="en-US" altLang="zh-CN" sz="2400" dirty="0"/>
+              <a:t>Stacking </a:t>
+            </a:r>
+            <a:r>
+              <a:rPr lang="zh-CN" altLang="en-US" sz="2400" dirty="0"/>
+              <a:t>集成学习人脸识别方法（创新点</a:t>
+            </a:r>
+            <a:r>
+              <a:rPr lang="en-US" altLang="zh-CN" sz="2400" dirty="0"/>
+              <a:t>4</a:t>
+            </a:r>
+            <a:r>
+              <a:rPr lang="zh-CN" altLang="en-US" sz="2400" dirty="0"/>
+              <a:t>）</a:t>
+            </a:r>
+          </a:p>
+        </p:txBody>
+      </p:sp>
+      <p:pic>
+        <p:nvPicPr>
+          <p:cNvPr id="5" name="内容占位符 4">
+            <a:extLst>
+              <a:ext uri="{FF2B5EF4-FFF2-40B4-BE49-F238E27FC236}">
+                <a16:creationId xmlns:a16="http://schemas.microsoft.com/office/drawing/2014/main" id="{74EBFBBB-BEB0-497A-B554-1F13FEEE7B4C}"/>
+              </a:ext>
+            </a:extLst>
+          </p:cNvPr>
+          <p:cNvPicPr>
+            <a:picLocks noGrp="1" noChangeAspect="1"/>
+          </p:cNvPicPr>
+          <p:nvPr>
+            <p:ph idx="1"/>
+          </p:nvPr>
+        </p:nvPicPr>
+        <p:blipFill>
+          <a:blip r:embed="rId2"/>
+          <a:stretch>
+            <a:fillRect/>
+          </a:stretch>
+        </p:blipFill>
+        <p:spPr>
+          <a:xfrm>
+            <a:off x="7498557" y="1325320"/>
+            <a:ext cx="4637076" cy="2745637"/>
+          </a:xfrm>
+        </p:spPr>
+      </p:pic>
+      <p:sp>
+        <p:nvSpPr>
+          <p:cNvPr id="7" name="文本框 6">
+            <a:extLst>
+              <a:ext uri="{FF2B5EF4-FFF2-40B4-BE49-F238E27FC236}">
+                <a16:creationId xmlns:a16="http://schemas.microsoft.com/office/drawing/2014/main" id="{AEE70A5F-0E20-4B14-9310-68D8E10963AB}"/>
+              </a:ext>
+            </a:extLst>
+          </p:cNvPr>
+          <p:cNvSpPr txBox="1"/>
+          <p:nvPr/>
+        </p:nvSpPr>
+        <p:spPr>
+          <a:xfrm>
+            <a:off x="787574" y="1264354"/>
+            <a:ext cx="6097044" cy="3251018"/>
+          </a:xfrm>
+          <a:prstGeom prst="rect">
+            <a:avLst/>
+          </a:prstGeom>
+          <a:noFill/>
+        </p:spPr>
+        <p:txBody>
+          <a:bodyPr wrap="square">
+            <a:spAutoFit/>
+          </a:bodyPr>
+          <a:lstStyle/>
+          <a:p>
+            <a:pPr marL="171450" indent="-171450">
+              <a:lnSpc>
+                <a:spcPct val="125000"/>
+              </a:lnSpc>
+              <a:buFont typeface="Arial" panose="020B0604020202020204" pitchFamily="34" charset="0"/>
+              <a:buChar char="•"/>
+            </a:pPr>
+            <a:r>
+              <a:rPr lang="zh-CN" altLang="en-US" sz="1100" dirty="0"/>
+              <a:t>作者根据集成学习和</a:t>
+            </a:r>
+            <a:r>
+              <a:rPr lang="en-US" altLang="zh-CN" sz="1100" dirty="0"/>
+              <a:t>Visual Transformer</a:t>
+            </a:r>
+            <a:r>
+              <a:rPr lang="zh-CN" altLang="en-US" sz="1100" dirty="0"/>
+              <a:t>的现有理论提出了基于</a:t>
+            </a:r>
+            <a:r>
+              <a:rPr lang="en-US" altLang="zh-CN" sz="1100" dirty="0" err="1"/>
+              <a:t>VGGNet</a:t>
+            </a:r>
+            <a:r>
+              <a:rPr lang="zh-CN" altLang="en-US" sz="1100" dirty="0"/>
+              <a:t>与</a:t>
+            </a:r>
+            <a:r>
+              <a:rPr lang="en-US" altLang="zh-CN" sz="1100" dirty="0"/>
+              <a:t>Visual Transformer</a:t>
+            </a:r>
+            <a:r>
+              <a:rPr lang="zh-CN" altLang="en-US" sz="1100" dirty="0"/>
+              <a:t>的</a:t>
+            </a:r>
+            <a:r>
+              <a:rPr lang="en-US" altLang="zh-CN" sz="1100" dirty="0"/>
+              <a:t>Stacking</a:t>
+            </a:r>
+            <a:r>
+              <a:rPr lang="zh-CN" altLang="en-US" sz="1100" dirty="0"/>
+              <a:t>集成学习人脸识别方法。首先,将无镜头相机传感器测量图像作为输入,图像首先经过预处理以匹配模型的输入端。随后,待验证的图像被输入到VGG16网络中,通过多层卷积操作提取局部特征,再通过池化层降低特征图的维度,最后通过全连接层整合特征并输出一个特征向量。同时,图像也被输入到ViT模型中。ViT将图像划分为固定大小的块,然后将这些块进行嵌入,生成一系列的向量表示。接着,这些向量通过多层Transformer编码器,捕捉全局上下文信息,并输出一个特征向量。对于每个待验证的样本图像,VGG16和ViT模型各自输出的特征向量将被拼接,  形成一个新的包含更多特征的向量,即将两个模型的特征输出整合为一个特征向量。</a:t>
+            </a:r>
+            <a:endParaRPr lang="en-US" altLang="zh-CN" sz="1100" dirty="0"/>
+          </a:p>
+          <a:p>
+            <a:pPr marL="171450" indent="-171450">
+              <a:lnSpc>
+                <a:spcPct val="125000"/>
+              </a:lnSpc>
+              <a:buFont typeface="Arial" panose="020B0604020202020204" pitchFamily="34" charset="0"/>
+              <a:buChar char="•"/>
+            </a:pPr>
+            <a:r>
+              <a:rPr lang="zh-CN" altLang="en-US" sz="1100" dirty="0"/>
+              <a:t>数据集：本节实验所使用的数据集直接以无镜头相机的传感器测量图像作为输入</a:t>
+            </a:r>
+            <a:r>
+              <a:rPr lang="en-US" altLang="zh-CN" sz="1100" dirty="0"/>
+              <a:t>,</a:t>
+            </a:r>
+            <a:r>
+              <a:rPr lang="zh-CN" altLang="en-US" sz="1100" dirty="0"/>
+              <a:t>而  非无镜头重建图像</a:t>
+            </a:r>
+            <a:r>
+              <a:rPr lang="en-US" altLang="zh-CN" sz="1100" dirty="0"/>
+              <a:t>,</a:t>
+            </a:r>
+            <a:r>
+              <a:rPr lang="zh-CN" altLang="en-US" sz="1100" dirty="0"/>
+              <a:t>称为</a:t>
+            </a:r>
+            <a:r>
+              <a:rPr lang="en-US" altLang="zh-CN" sz="1100" dirty="0"/>
+              <a:t>FCFD-SI</a:t>
+            </a:r>
+            <a:r>
+              <a:rPr lang="zh-CN" altLang="en-US" sz="1100" dirty="0"/>
+              <a:t>。</a:t>
+            </a:r>
+            <a:endParaRPr lang="en-US" altLang="zh-CN" sz="1100" dirty="0"/>
+          </a:p>
+          <a:p>
+            <a:pPr marL="171450" indent="-171450">
+              <a:lnSpc>
+                <a:spcPct val="125000"/>
+              </a:lnSpc>
+              <a:buFont typeface="Arial" panose="020B0604020202020204" pitchFamily="34" charset="0"/>
+              <a:buChar char="•"/>
+            </a:pPr>
+            <a:r>
+              <a:rPr lang="zh-CN" altLang="en-US" sz="1100" dirty="0"/>
+              <a:t>实验结果与分析</a:t>
+            </a:r>
+            <a:endParaRPr lang="en-US" altLang="zh-CN" sz="1100" dirty="0"/>
+          </a:p>
+          <a:p>
+            <a:pPr marL="171450" indent="-171450">
+              <a:lnSpc>
+                <a:spcPct val="125000"/>
+              </a:lnSpc>
+              <a:buFont typeface="Arial" panose="020B0604020202020204" pitchFamily="34" charset="0"/>
+              <a:buChar char="•"/>
+            </a:pPr>
+            <a:r>
+              <a:rPr lang="zh-CN" altLang="en-US" sz="1100" dirty="0"/>
+              <a:t>实验结果表明，</a:t>
+            </a:r>
+            <a:r>
+              <a:rPr lang="en-US" altLang="zh-CN" sz="1100" dirty="0"/>
+              <a:t>1</a:t>
+            </a:r>
+            <a:r>
+              <a:rPr lang="zh-CN" altLang="en-US" sz="1100" dirty="0"/>
+              <a:t>）</a:t>
+            </a:r>
+            <a:r>
+              <a:rPr lang="en-US" altLang="zh-CN" sz="1100" dirty="0"/>
+              <a:t>VGG16</a:t>
+            </a:r>
+            <a:r>
+              <a:rPr lang="zh-CN" altLang="en-US" sz="1100" dirty="0"/>
+              <a:t>提供了细粒度的局部特征</a:t>
+            </a:r>
+            <a:r>
+              <a:rPr lang="en-US" altLang="zh-CN" sz="1100" dirty="0"/>
+              <a:t>,</a:t>
+            </a:r>
+            <a:r>
+              <a:rPr lang="en-US" altLang="zh-CN" sz="1100" dirty="0" err="1"/>
+              <a:t>ViT</a:t>
+            </a:r>
+            <a:r>
+              <a:rPr lang="en-US" altLang="zh-CN" sz="1100" dirty="0"/>
+              <a:t> </a:t>
+            </a:r>
+            <a:r>
+              <a:rPr lang="zh-CN" altLang="en-US" sz="1100" dirty="0"/>
+              <a:t>贡献了全局特征的有效表达</a:t>
+            </a:r>
+            <a:r>
+              <a:rPr lang="en-US" altLang="zh-CN" sz="1100" dirty="0"/>
+              <a:t>,</a:t>
+            </a:r>
+            <a:r>
+              <a:rPr lang="zh-CN" altLang="en-US" sz="1100" dirty="0"/>
+              <a:t>二者的结合使得模型能够更全面地理解图像</a:t>
+            </a:r>
+            <a:r>
+              <a:rPr lang="en-US" altLang="zh-CN" sz="1100" dirty="0"/>
+              <a:t>,</a:t>
+            </a:r>
+            <a:r>
+              <a:rPr lang="zh-CN" altLang="en-US" sz="1100" dirty="0"/>
+              <a:t>从而大幅提高了分类的准确性。</a:t>
+            </a:r>
+            <a:r>
+              <a:rPr lang="en-US" altLang="zh-CN" sz="1100" dirty="0"/>
+              <a:t>2</a:t>
+            </a:r>
+            <a:r>
+              <a:rPr lang="zh-CN" altLang="en-US" sz="1100" dirty="0"/>
+              <a:t>）</a:t>
+            </a:r>
+            <a:r>
+              <a:rPr lang="en-US" altLang="zh-CN" sz="1100" dirty="0"/>
+              <a:t>Stacking </a:t>
+            </a:r>
+            <a:r>
+              <a:rPr lang="zh-CN" altLang="en-US" sz="1100" dirty="0"/>
+              <a:t>集成方法在综合利用不同模型特长方面表现最为出色</a:t>
+            </a:r>
+            <a:r>
+              <a:rPr lang="en-US" altLang="zh-CN" sz="1100" dirty="0"/>
+              <a:t>,</a:t>
+            </a:r>
+            <a:r>
+              <a:rPr lang="zh-CN" altLang="en-US" sz="1100" dirty="0"/>
+              <a:t>是在这一任务中最有效的集成学习策略。</a:t>
+            </a:r>
+            <a:r>
+              <a:rPr lang="en-US" altLang="zh-CN" sz="1100" dirty="0"/>
+              <a:t>3</a:t>
+            </a:r>
+            <a:r>
+              <a:rPr lang="zh-CN" altLang="en-US" sz="1100" dirty="0"/>
+              <a:t>）直接使用未重建的无镜头相机传感器测量图像进行人脸识别的几种方法在准确率上表现出明显的差异。</a:t>
+            </a:r>
+          </a:p>
+        </p:txBody>
+      </p:sp>
+      <p:pic>
+        <p:nvPicPr>
+          <p:cNvPr id="9" name="图片 8">
+            <a:extLst>
+              <a:ext uri="{FF2B5EF4-FFF2-40B4-BE49-F238E27FC236}">
+                <a16:creationId xmlns:a16="http://schemas.microsoft.com/office/drawing/2014/main" id="{153BFDD5-9567-44AC-A58A-E623C2E99F76}"/>
+              </a:ext>
+            </a:extLst>
+          </p:cNvPr>
+          <p:cNvPicPr>
+            <a:picLocks noChangeAspect="1"/>
+          </p:cNvPicPr>
+          <p:nvPr/>
+        </p:nvPicPr>
+        <p:blipFill>
+          <a:blip r:embed="rId3"/>
+          <a:stretch>
+            <a:fillRect/>
+          </a:stretch>
+        </p:blipFill>
+        <p:spPr>
+          <a:xfrm>
+            <a:off x="403914" y="5008703"/>
+            <a:ext cx="3421085" cy="1246667"/>
+          </a:xfrm>
+          <a:prstGeom prst="rect">
+            <a:avLst/>
+          </a:prstGeom>
+        </p:spPr>
+      </p:pic>
+      <p:pic>
+        <p:nvPicPr>
+          <p:cNvPr id="11" name="图片 10">
+            <a:extLst>
+              <a:ext uri="{FF2B5EF4-FFF2-40B4-BE49-F238E27FC236}">
+                <a16:creationId xmlns:a16="http://schemas.microsoft.com/office/drawing/2014/main" id="{14E6DD09-466B-41A1-B691-4F60EC10545D}"/>
+              </a:ext>
+            </a:extLst>
+          </p:cNvPr>
+          <p:cNvPicPr>
+            <a:picLocks noChangeAspect="1"/>
+          </p:cNvPicPr>
+          <p:nvPr/>
+        </p:nvPicPr>
+        <p:blipFill>
+          <a:blip r:embed="rId4"/>
+          <a:stretch>
+            <a:fillRect/>
+          </a:stretch>
+        </p:blipFill>
+        <p:spPr>
+          <a:xfrm>
+            <a:off x="8898048" y="4988777"/>
+            <a:ext cx="2735322" cy="1343129"/>
+          </a:xfrm>
+          <a:prstGeom prst="rect">
+            <a:avLst/>
+          </a:prstGeom>
+        </p:spPr>
+      </p:pic>
+      <p:pic>
+        <p:nvPicPr>
+          <p:cNvPr id="13" name="图片 12">
+            <a:extLst>
+              <a:ext uri="{FF2B5EF4-FFF2-40B4-BE49-F238E27FC236}">
+                <a16:creationId xmlns:a16="http://schemas.microsoft.com/office/drawing/2014/main" id="{2C33CD93-FCA4-4570-8297-DE0B415EDB8F}"/>
+              </a:ext>
+            </a:extLst>
+          </p:cNvPr>
+          <p:cNvPicPr>
+            <a:picLocks noChangeAspect="1"/>
+          </p:cNvPicPr>
+          <p:nvPr/>
+        </p:nvPicPr>
+        <p:blipFill>
+          <a:blip r:embed="rId5"/>
+          <a:stretch>
+            <a:fillRect/>
+          </a:stretch>
+        </p:blipFill>
+        <p:spPr>
+          <a:xfrm>
+            <a:off x="4179320" y="5008704"/>
+            <a:ext cx="4043820" cy="1246667"/>
+          </a:xfrm>
+          <a:prstGeom prst="rect">
+            <a:avLst/>
+          </a:prstGeom>
+        </p:spPr>
+      </p:pic>
+    </p:spTree>
+    <p:extLst>
+      <p:ext uri="{BB962C8B-B14F-4D97-AF65-F5344CB8AC3E}">
+        <p14:creationId xmlns:p14="http://schemas.microsoft.com/office/powerpoint/2010/main" val="270738848"/>
+      </p:ext>
+    </p:extLst>
+  </p:cSld>
+  <p:clrMapOvr>
+    <a:masterClrMapping/>
+  </p:clrMapOvr>
+</p:sld>
+</file>
+
+<file path=ppt/slides/slide15.xml><?xml version="1.0" encoding="utf-8"?>
+<p:sld xmlns:a="http://schemas.openxmlformats.org/drawingml/2006/main" xmlns:r="http://schemas.openxmlformats.org/officeDocument/2006/relationships" xmlns:p="http://schemas.openxmlformats.org/presentationml/2006/main">
+  <p:cSld>
+    <p:spTree>
+      <p:nvGrpSpPr>
+        <p:cNvPr id="1" name=""/>
+        <p:cNvGrpSpPr/>
+        <p:nvPr/>
+      </p:nvGrpSpPr>
+      <p:grpSpPr>
+        <a:xfrm>
+          <a:off x="0" y="0"/>
+          <a:ext cx="0" cy="0"/>
+          <a:chOff x="0" y="0"/>
+          <a:chExt cx="0" cy="0"/>
+        </a:xfrm>
+      </p:grpSpPr>
+      <p:sp>
+        <p:nvSpPr>
+          <p:cNvPr id="2" name="标题 1">
+            <a:extLst>
+              <a:ext uri="{FF2B5EF4-FFF2-40B4-BE49-F238E27FC236}">
+                <a16:creationId xmlns:a16="http://schemas.microsoft.com/office/drawing/2014/main" id="{C5F52F4A-8954-43A1-A8A0-83230E257D23}"/>
+              </a:ext>
+            </a:extLst>
+          </p:cNvPr>
+          <p:cNvSpPr>
+            <a:spLocks noGrp="1"/>
+          </p:cNvSpPr>
+          <p:nvPr>
+            <p:ph type="title"/>
+          </p:nvPr>
+        </p:nvSpPr>
+        <p:spPr>
+          <a:xfrm>
+            <a:off x="838200" y="365126"/>
+            <a:ext cx="10515600" cy="787270"/>
+          </a:xfrm>
+        </p:spPr>
+        <p:txBody>
+          <a:bodyPr>
+            <a:normAutofit/>
+          </a:bodyPr>
+          <a:lstStyle/>
+          <a:p>
+            <a:r>
+              <a:rPr lang="zh-CN" altLang="en-US" sz="2400" dirty="0"/>
+              <a:t>总结</a:t>
+            </a:r>
+          </a:p>
+        </p:txBody>
+      </p:sp>
+      <p:sp>
+        <p:nvSpPr>
+          <p:cNvPr id="3" name="内容占位符 2">
+            <a:extLst>
+              <a:ext uri="{FF2B5EF4-FFF2-40B4-BE49-F238E27FC236}">
+                <a16:creationId xmlns:a16="http://schemas.microsoft.com/office/drawing/2014/main" id="{5422B1DE-DC20-44B5-B190-848FAE657650}"/>
+              </a:ext>
+            </a:extLst>
+          </p:cNvPr>
+          <p:cNvSpPr>
+            <a:spLocks noGrp="1"/>
+          </p:cNvSpPr>
+          <p:nvPr>
+            <p:ph idx="1"/>
+          </p:nvPr>
+        </p:nvSpPr>
+        <p:spPr>
+          <a:xfrm>
+            <a:off x="838200" y="1503123"/>
+            <a:ext cx="10515600" cy="4673840"/>
+          </a:xfrm>
+        </p:spPr>
+        <p:txBody>
+          <a:bodyPr>
+            <a:normAutofit/>
+          </a:bodyPr>
+          <a:lstStyle/>
+          <a:p>
+            <a:pPr>
+              <a:lnSpc>
+                <a:spcPct val="125000"/>
+              </a:lnSpc>
+            </a:pPr>
+            <a:r>
+              <a:rPr lang="zh-CN" altLang="en-US" sz="1200" dirty="0"/>
+              <a:t>本文的创新之处在于</a:t>
+            </a:r>
+            <a:r>
+              <a:rPr lang="en-US" altLang="zh-CN" sz="1200" dirty="0"/>
+              <a:t>: </a:t>
+            </a:r>
+          </a:p>
+          <a:p>
+            <a:pPr>
+              <a:lnSpc>
+                <a:spcPct val="125000"/>
+              </a:lnSpc>
+            </a:pPr>
+            <a:r>
+              <a:rPr lang="zh-CN" altLang="en-US" sz="1200" dirty="0"/>
+              <a:t>提出了一种基于可分离编码掩模的学习截断奇异值分解算法</a:t>
+            </a:r>
+            <a:r>
+              <a:rPr lang="en-US" altLang="zh-CN" sz="1200" dirty="0"/>
+              <a:t>(</a:t>
+            </a:r>
+            <a:r>
+              <a:rPr lang="en-US" altLang="zh-CN" sz="1200" dirty="0" err="1"/>
+              <a:t>LeTSVD</a:t>
+            </a:r>
+            <a:r>
+              <a:rPr lang="en-US" altLang="zh-CN" sz="1200" dirty="0"/>
+              <a:t>),</a:t>
+            </a:r>
+            <a:r>
+              <a:rPr lang="zh-CN" altLang="en-US" sz="1200" dirty="0"/>
+              <a:t>通过可分离系统参数的学习优化和基于正则化方法的图像重建</a:t>
+            </a:r>
+            <a:r>
+              <a:rPr lang="en-US" altLang="zh-CN" sz="1200" dirty="0"/>
+              <a:t>,</a:t>
+            </a:r>
+            <a:r>
+              <a:rPr lang="zh-CN" altLang="en-US" sz="1200" dirty="0"/>
+              <a:t>使得重建图像质量更高、重建速度更快。基于本文搭建的无镜头成像系统的实验结果表明</a:t>
+            </a:r>
+            <a:r>
+              <a:rPr lang="en-US" altLang="zh-CN" sz="1200" dirty="0"/>
+              <a:t>,Le-TSVD</a:t>
+            </a:r>
+            <a:r>
+              <a:rPr lang="zh-CN" altLang="en-US" sz="1200" dirty="0"/>
+              <a:t>算法的重建图像的质量良好</a:t>
+            </a:r>
+            <a:r>
+              <a:rPr lang="en-US" altLang="zh-CN" sz="1200" dirty="0"/>
+              <a:t>,</a:t>
+            </a:r>
+            <a:r>
+              <a:rPr lang="zh-CN" altLang="en-US" sz="1200" dirty="0"/>
+              <a:t>并且在较大景深范围内都可以实现较高质量的无镜头成像。该算法重建图像</a:t>
+            </a:r>
+            <a:r>
+              <a:rPr lang="en-US" altLang="zh-CN" sz="1200" dirty="0"/>
+              <a:t>PSNR</a:t>
+            </a:r>
+            <a:r>
+              <a:rPr lang="zh-CN" altLang="en-US" sz="1200" dirty="0"/>
+              <a:t>达到</a:t>
+            </a:r>
+            <a:r>
+              <a:rPr lang="en-US" altLang="zh-CN" sz="1200" dirty="0"/>
+              <a:t>23.07dB,</a:t>
+            </a:r>
+            <a:r>
+              <a:rPr lang="zh-CN" altLang="en-US" sz="1200" dirty="0"/>
+              <a:t>比</a:t>
+            </a:r>
+            <a:r>
+              <a:rPr lang="en-US" altLang="zh-CN" sz="1200" dirty="0" err="1"/>
+              <a:t>UNet</a:t>
+            </a:r>
+            <a:r>
+              <a:rPr lang="en-US" altLang="zh-CN" sz="1200" dirty="0"/>
+              <a:t>-FC</a:t>
+            </a:r>
+            <a:r>
+              <a:rPr lang="zh-CN" altLang="en-US" sz="1200" dirty="0"/>
+              <a:t>方法提高了</a:t>
+            </a:r>
+            <a:r>
+              <a:rPr lang="en-US" altLang="zh-CN" sz="1200" dirty="0"/>
+              <a:t>0.84dB,</a:t>
+            </a:r>
+            <a:r>
+              <a:rPr lang="zh-CN" altLang="en-US" sz="1200" dirty="0"/>
+              <a:t>在实现</a:t>
+            </a:r>
+            <a:r>
+              <a:rPr lang="en-US" altLang="zh-CN" sz="1200" dirty="0"/>
+              <a:t>512×512</a:t>
+            </a:r>
+            <a:r>
+              <a:rPr lang="zh-CN" altLang="en-US" sz="1200" dirty="0"/>
+              <a:t>分辨率图像的重建时</a:t>
+            </a:r>
+            <a:r>
+              <a:rPr lang="en-US" altLang="zh-CN" sz="1200" dirty="0"/>
+              <a:t>,</a:t>
+            </a:r>
+            <a:r>
+              <a:rPr lang="zh-CN" altLang="en-US" sz="1200" dirty="0"/>
+              <a:t>运行时间只需要</a:t>
+            </a:r>
+            <a:r>
+              <a:rPr lang="en-US" altLang="zh-CN" sz="1200" dirty="0"/>
+              <a:t>3.7ms, </a:t>
+            </a:r>
+            <a:r>
+              <a:rPr lang="zh-CN" altLang="en-US" sz="1200" dirty="0"/>
+              <a:t>比</a:t>
+            </a:r>
+            <a:r>
+              <a:rPr lang="en-US" altLang="zh-CN" sz="1200" dirty="0" err="1"/>
+              <a:t>UNet</a:t>
+            </a:r>
+            <a:r>
+              <a:rPr lang="en-US" altLang="zh-CN" sz="1200" dirty="0"/>
+              <a:t>-FC</a:t>
+            </a:r>
+            <a:r>
+              <a:rPr lang="zh-CN" altLang="en-US" sz="1200" dirty="0"/>
+              <a:t>减少了</a:t>
+            </a:r>
+            <a:r>
+              <a:rPr lang="en-US" altLang="zh-CN" sz="1200" dirty="0"/>
+              <a:t>52.1ms</a:t>
+            </a:r>
+            <a:r>
+              <a:rPr lang="zh-CN" altLang="en-US" sz="1200" dirty="0"/>
+              <a:t>。 </a:t>
+            </a:r>
+            <a:endParaRPr lang="en-US" altLang="zh-CN" sz="1200" dirty="0"/>
+          </a:p>
+          <a:p>
+            <a:pPr>
+              <a:lnSpc>
+                <a:spcPct val="125000"/>
+              </a:lnSpc>
+            </a:pPr>
+            <a:r>
+              <a:rPr lang="zh-CN" altLang="en-US" sz="1200" dirty="0"/>
+              <a:t>提出了一种基于混合注意力</a:t>
+            </a:r>
+            <a:r>
+              <a:rPr lang="en-US" altLang="zh-CN" sz="1200" dirty="0"/>
+              <a:t>U-Net</a:t>
+            </a:r>
+            <a:r>
+              <a:rPr lang="zh-CN" altLang="en-US" sz="1200" dirty="0"/>
+              <a:t>和生成对抗网络架构的无镜头图像重建方法</a:t>
+            </a:r>
+            <a:r>
+              <a:rPr lang="en-US" altLang="zh-CN" sz="1200" dirty="0"/>
+              <a:t>(Pix2pix-UNet),</a:t>
+            </a:r>
+            <a:r>
+              <a:rPr lang="zh-CN" altLang="en-US" sz="1200" dirty="0"/>
+              <a:t>通过对</a:t>
+            </a:r>
+            <a:r>
+              <a:rPr lang="en-US" altLang="zh-CN" sz="1200" dirty="0"/>
+              <a:t>U-Net</a:t>
+            </a:r>
+            <a:r>
+              <a:rPr lang="zh-CN" altLang="en-US" sz="1200" dirty="0"/>
+              <a:t>网络的注意力机制进行改进并结合条件生成对抗网络架构</a:t>
+            </a:r>
+            <a:r>
+              <a:rPr lang="en-US" altLang="zh-CN" sz="1200" dirty="0"/>
+              <a:t>,</a:t>
+            </a:r>
+            <a:r>
+              <a:rPr lang="zh-CN" altLang="en-US" sz="1200" dirty="0"/>
+              <a:t>使得其相较其他端到端成像方法重建图像质量更高、细节更为准确。实验结果表明</a:t>
+            </a:r>
+            <a:r>
+              <a:rPr lang="en-US" altLang="zh-CN" sz="1200" dirty="0"/>
+              <a:t>,</a:t>
+            </a:r>
+            <a:r>
+              <a:rPr lang="zh-CN" altLang="en-US" sz="1200" dirty="0"/>
+              <a:t>通过在本文搭建的无镜头成像系统和</a:t>
+            </a:r>
+            <a:r>
+              <a:rPr lang="en-US" altLang="zh-CN" sz="1200" dirty="0"/>
+              <a:t>FCFD</a:t>
+            </a:r>
+            <a:r>
+              <a:rPr lang="zh-CN" altLang="en-US" sz="1200" dirty="0"/>
+              <a:t>数据集上进行成像实验</a:t>
+            </a:r>
+            <a:r>
+              <a:rPr lang="en-US" altLang="zh-CN" sz="1200" dirty="0"/>
+              <a:t>,</a:t>
+            </a:r>
+            <a:r>
+              <a:rPr lang="zh-CN" altLang="en-US" sz="1200" dirty="0"/>
+              <a:t>该方法在图像细节、背景噪声等方面的视觉效果均明显优于其他方法</a:t>
+            </a:r>
+            <a:r>
+              <a:rPr lang="en-US" altLang="zh-CN" sz="1200" dirty="0"/>
+              <a:t>,</a:t>
+            </a:r>
+            <a:r>
+              <a:rPr lang="zh-CN" altLang="en-US" sz="1200" dirty="0"/>
+              <a:t>其重建图像峰值信噪比和结构相似度分别达到</a:t>
+            </a:r>
+            <a:r>
+              <a:rPr lang="en-US" altLang="zh-CN" sz="1200" dirty="0"/>
+              <a:t>27.49dB</a:t>
+            </a:r>
+            <a:r>
+              <a:rPr lang="zh-CN" altLang="en-US" sz="1200" dirty="0"/>
+              <a:t>和</a:t>
+            </a:r>
+            <a:r>
+              <a:rPr lang="en-US" altLang="zh-CN" sz="1200" dirty="0"/>
+              <a:t>0.98,</a:t>
+            </a:r>
+            <a:r>
+              <a:rPr lang="zh-CN" altLang="en-US" sz="1200" dirty="0"/>
+              <a:t>比</a:t>
+            </a:r>
+            <a:r>
+              <a:rPr lang="en-US" altLang="zh-CN" sz="1200" dirty="0" err="1"/>
+              <a:t>Unet</a:t>
+            </a:r>
+            <a:r>
+              <a:rPr lang="en-US" altLang="zh-CN" sz="1200" dirty="0"/>
+              <a:t>-FC </a:t>
+            </a:r>
+            <a:r>
+              <a:rPr lang="zh-CN" altLang="en-US" sz="1200" dirty="0"/>
+              <a:t>提升了</a:t>
+            </a:r>
+            <a:r>
+              <a:rPr lang="en-US" altLang="zh-CN" sz="1200" dirty="0"/>
+              <a:t>3.41dB</a:t>
+            </a:r>
+            <a:r>
+              <a:rPr lang="zh-CN" altLang="en-US" sz="1200" dirty="0"/>
+              <a:t>和</a:t>
+            </a:r>
+            <a:r>
+              <a:rPr lang="en-US" altLang="zh-CN" sz="1200" dirty="0"/>
+              <a:t>0.06</a:t>
+            </a:r>
+            <a:r>
+              <a:rPr lang="zh-CN" altLang="en-US" sz="1200" dirty="0"/>
+              <a:t>。 </a:t>
+            </a:r>
+            <a:endParaRPr lang="en-US" altLang="zh-CN" sz="1200" dirty="0"/>
+          </a:p>
+          <a:p>
+            <a:pPr>
+              <a:lnSpc>
+                <a:spcPct val="125000"/>
+              </a:lnSpc>
+            </a:pPr>
+            <a:r>
+              <a:rPr lang="zh-CN" altLang="en-US" sz="1200" dirty="0"/>
+              <a:t>提出了基于深度强化学习的无镜头图像重建模型优化方法</a:t>
+            </a:r>
+            <a:r>
+              <a:rPr lang="en-US" altLang="zh-CN" sz="1200" dirty="0"/>
+              <a:t>(DRL-</a:t>
+            </a:r>
+            <a:r>
+              <a:rPr lang="en-US" altLang="zh-CN" sz="1200" dirty="0" err="1"/>
+              <a:t>GANUNet</a:t>
+            </a:r>
+            <a:r>
+              <a:rPr lang="en-US" altLang="zh-CN" sz="1200" dirty="0"/>
+              <a:t>),</a:t>
+            </a:r>
+            <a:r>
+              <a:rPr lang="zh-CN" altLang="en-US" sz="1200" dirty="0"/>
+              <a:t>通过构建基于深度强化学习方法的图像重建模型、定义动作空间并通过</a:t>
+            </a:r>
+            <a:r>
+              <a:rPr lang="en-US" altLang="zh-CN" sz="1200" dirty="0"/>
+              <a:t>DQN</a:t>
+            </a:r>
+            <a:r>
+              <a:rPr lang="zh-CN" altLang="en-US" sz="1200" dirty="0"/>
+              <a:t>算法优化网络结构</a:t>
+            </a:r>
+            <a:r>
+              <a:rPr lang="en-US" altLang="zh-CN" sz="1200" dirty="0"/>
+              <a:t>,</a:t>
+            </a:r>
+            <a:r>
+              <a:rPr lang="zh-CN" altLang="en-US" sz="1200" dirty="0"/>
+              <a:t>使得其重建图像清晰度显著提高</a:t>
+            </a:r>
+            <a:r>
+              <a:rPr lang="en-US" altLang="zh-CN" sz="1200" dirty="0"/>
+              <a:t>,</a:t>
+            </a:r>
+            <a:r>
+              <a:rPr lang="zh-CN" altLang="en-US" sz="1200" dirty="0"/>
+              <a:t>并且结构信息得到了更好的保留。实验结果表明</a:t>
+            </a:r>
+            <a:r>
+              <a:rPr lang="en-US" altLang="zh-CN" sz="1200" dirty="0"/>
+              <a:t>,</a:t>
+            </a:r>
+            <a:r>
+              <a:rPr lang="zh-CN" altLang="en-US" sz="1200" dirty="0"/>
+              <a:t>通过在本文搭建的无镜头成像系统和</a:t>
+            </a:r>
+            <a:r>
+              <a:rPr lang="en-US" altLang="zh-CN" sz="1200" dirty="0"/>
+              <a:t>FCFD</a:t>
+            </a:r>
+            <a:r>
+              <a:rPr lang="zh-CN" altLang="en-US" sz="1200" dirty="0"/>
+              <a:t>数据集上进行成像实验</a:t>
+            </a:r>
+            <a:r>
+              <a:rPr lang="en-US" altLang="zh-CN" sz="1200" dirty="0"/>
+              <a:t>,</a:t>
+            </a:r>
+            <a:r>
+              <a:rPr lang="zh-CN" altLang="en-US" sz="1200" dirty="0"/>
+              <a:t>通过该方法优化的重建图像视觉效果更加接近真实场景</a:t>
+            </a:r>
+            <a:r>
+              <a:rPr lang="en-US" altLang="zh-CN" sz="1200" dirty="0"/>
+              <a:t>,</a:t>
+            </a:r>
+            <a:r>
+              <a:rPr lang="zh-CN" altLang="en-US" sz="1200" dirty="0"/>
+              <a:t>峰值信噪比达到</a:t>
+            </a:r>
+            <a:r>
+              <a:rPr lang="en-US" altLang="zh-CN" sz="1200" dirty="0"/>
+              <a:t>28.12dB,</a:t>
+            </a:r>
+            <a:r>
+              <a:rPr lang="zh-CN" altLang="en-US" sz="1200" dirty="0"/>
+              <a:t>对比</a:t>
+            </a:r>
+            <a:r>
+              <a:rPr lang="en-US" altLang="zh-CN" sz="1200" dirty="0"/>
+              <a:t>Pix2pix-UNet</a:t>
+            </a:r>
+            <a:r>
+              <a:rPr lang="zh-CN" altLang="en-US" sz="1200" dirty="0"/>
+              <a:t>方法提升了</a:t>
+            </a:r>
+            <a:r>
+              <a:rPr lang="en-US" altLang="zh-CN" sz="1200" dirty="0"/>
+              <a:t>0.63dB</a:t>
+            </a:r>
+            <a:r>
+              <a:rPr lang="zh-CN" altLang="en-US" sz="1200" dirty="0"/>
+              <a:t>。  </a:t>
+            </a:r>
+            <a:endParaRPr lang="en-US" altLang="zh-CN" sz="1200" dirty="0"/>
+          </a:p>
+          <a:p>
+            <a:pPr>
+              <a:lnSpc>
+                <a:spcPct val="125000"/>
+              </a:lnSpc>
+            </a:pPr>
+            <a:r>
+              <a:rPr lang="zh-CN" altLang="en-US" sz="1200" dirty="0"/>
+              <a:t>提出了一种基于</a:t>
+            </a:r>
+            <a:r>
+              <a:rPr lang="en-US" altLang="zh-CN" sz="1200" dirty="0" err="1"/>
+              <a:t>VGGNet</a:t>
+            </a:r>
+            <a:r>
+              <a:rPr lang="zh-CN" altLang="en-US" sz="1200" dirty="0"/>
+              <a:t>与</a:t>
+            </a:r>
+            <a:r>
+              <a:rPr lang="en-US" altLang="zh-CN" sz="1200" dirty="0"/>
+              <a:t>Visual Transformer </a:t>
+            </a:r>
+            <a:r>
+              <a:rPr lang="zh-CN" altLang="en-US" sz="1200" dirty="0"/>
+              <a:t>的 </a:t>
+            </a:r>
+            <a:r>
+              <a:rPr lang="en-US" altLang="zh-CN" sz="1200" dirty="0"/>
+              <a:t>Stacking</a:t>
+            </a:r>
+            <a:r>
+              <a:rPr lang="zh-CN" altLang="en-US" sz="1200" dirty="0"/>
+              <a:t>集成学习人脸识别方法</a:t>
+            </a:r>
+            <a:r>
+              <a:rPr lang="en-US" altLang="zh-CN" sz="1200" dirty="0"/>
+              <a:t>(St-VGG-</a:t>
+            </a:r>
+            <a:r>
+              <a:rPr lang="en-US" altLang="zh-CN" sz="1200" dirty="0" err="1"/>
+              <a:t>ViT</a:t>
+            </a:r>
+            <a:r>
+              <a:rPr lang="en-US" altLang="zh-CN" sz="1200" dirty="0"/>
+              <a:t>),</a:t>
+            </a:r>
+            <a:r>
+              <a:rPr lang="zh-CN" altLang="en-US" sz="1200" dirty="0"/>
+              <a:t>通过</a:t>
+            </a:r>
+            <a:r>
+              <a:rPr lang="en-US" altLang="zh-CN" sz="1200" dirty="0"/>
+              <a:t>Stacking</a:t>
+            </a:r>
+            <a:r>
+              <a:rPr lang="zh-CN" altLang="en-US" sz="1200" dirty="0"/>
+              <a:t>算法结合了</a:t>
+            </a:r>
+            <a:r>
+              <a:rPr lang="en-US" altLang="zh-CN" sz="1200" dirty="0"/>
+              <a:t>VGG16</a:t>
+            </a:r>
+            <a:r>
+              <a:rPr lang="zh-CN" altLang="en-US" sz="1200" dirty="0"/>
+              <a:t>和</a:t>
+            </a:r>
+            <a:r>
+              <a:rPr lang="en-US" altLang="zh-CN" sz="1200" dirty="0" err="1"/>
+              <a:t>ViT</a:t>
+            </a:r>
+            <a:r>
+              <a:rPr lang="zh-CN" altLang="en-US" sz="1200" dirty="0"/>
+              <a:t>模型</a:t>
+            </a:r>
+            <a:r>
+              <a:rPr lang="en-US" altLang="zh-CN" sz="1200" dirty="0"/>
+              <a:t>,</a:t>
+            </a:r>
+            <a:r>
+              <a:rPr lang="zh-CN" altLang="en-US" sz="1200" dirty="0"/>
+              <a:t>显著提升了识别准确率。实验结果表明</a:t>
+            </a:r>
+            <a:r>
+              <a:rPr lang="en-US" altLang="zh-CN" sz="1200" dirty="0"/>
+              <a:t>,</a:t>
+            </a:r>
+            <a:r>
+              <a:rPr lang="zh-CN" altLang="en-US" sz="1200" dirty="0"/>
+              <a:t>该方法在识别未重建的无镜头图像时准确率达到 </a:t>
+            </a:r>
+            <a:r>
+              <a:rPr lang="en-US" altLang="zh-CN" sz="1200" dirty="0"/>
+              <a:t>83.1%,</a:t>
+            </a:r>
+            <a:r>
+              <a:rPr lang="zh-CN" altLang="en-US" sz="1200" dirty="0"/>
+              <a:t>对比</a:t>
+            </a:r>
+            <a:r>
+              <a:rPr lang="en-US" altLang="zh-CN" sz="1200" dirty="0" err="1"/>
+              <a:t>FlatVer</a:t>
+            </a:r>
+            <a:r>
+              <a:rPr lang="zh-CN" altLang="en-US" sz="1200" dirty="0"/>
+              <a:t>方法和</a:t>
+            </a:r>
+            <a:r>
+              <a:rPr lang="en-US" altLang="zh-CN" sz="1200" dirty="0" err="1"/>
+              <a:t>FlatDCT</a:t>
+            </a:r>
+            <a:r>
+              <a:rPr lang="zh-CN" altLang="en-US" sz="1200" dirty="0"/>
+              <a:t>方法分别提升了</a:t>
+            </a:r>
+            <a:r>
+              <a:rPr lang="en-US" altLang="zh-CN" sz="1200" dirty="0"/>
+              <a:t>25.8%</a:t>
+            </a:r>
+            <a:r>
+              <a:rPr lang="zh-CN" altLang="en-US" sz="1200" dirty="0"/>
+              <a:t>和 </a:t>
+            </a:r>
+            <a:r>
+              <a:rPr lang="en-US" altLang="zh-CN" sz="1200" dirty="0"/>
+              <a:t>5.3%</a:t>
+            </a:r>
+            <a:r>
+              <a:rPr lang="zh-CN" altLang="en-US" sz="1200" dirty="0"/>
+              <a:t>。</a:t>
             </a:r>
           </a:p>
         </p:txBody>
@@ -5020,8 +7313,8 @@
         </p:blipFill>
         <p:spPr>
           <a:xfrm>
-            <a:off x="7511404" y="4080916"/>
-            <a:ext cx="3641980" cy="2254559"/>
+            <a:off x="7379880" y="3838966"/>
+            <a:ext cx="4509662" cy="2791695"/>
           </a:xfrm>
           <a:prstGeom prst="rect">
             <a:avLst/>
@@ -5042,7 +7335,7 @@
         </p:nvSpPr>
         <p:spPr>
           <a:xfrm>
-            <a:off x="838200" y="4080916"/>
+            <a:off x="838200" y="3949393"/>
             <a:ext cx="6097044" cy="2032223"/>
           </a:xfrm>
           <a:prstGeom prst="rect">
@@ -5484,16 +7777,12 @@
               <a:t>为了评估 </a:t>
             </a:r>
             <a:r>
-              <a:rPr lang="en-US" altLang="zh-CN" sz="1100"/>
+              <a:rPr lang="en-US" altLang="zh-CN" sz="1100" dirty="0"/>
               <a:t>Le-TSVD</a:t>
             </a:r>
             <a:r>
-              <a:rPr lang="zh-CN" altLang="en-US" sz="1100"/>
-              <a:t>算法</a:t>
-            </a:r>
-            <a:r>
-              <a:rPr lang="zh-CN" altLang="en-US" sz="1100" dirty="0"/>
-              <a:t>在不同成像距离下的通用性和适应性</a:t>
+              <a:rPr lang="zh-CN" altLang="en-US" sz="1100" dirty="0"/>
+              <a:t>算法在不同成像距离下的通用性和适应性</a:t>
             </a:r>
             <a:r>
               <a:rPr lang="en-US" altLang="zh-CN" sz="1100" dirty="0"/>
@@ -5646,6 +7935,41 @@
           </a:prstGeom>
         </p:spPr>
       </p:pic>
+      <p:sp>
+        <p:nvSpPr>
+          <p:cNvPr id="7" name="文本框 6">
+            <a:extLst>
+              <a:ext uri="{FF2B5EF4-FFF2-40B4-BE49-F238E27FC236}">
+                <a16:creationId xmlns:a16="http://schemas.microsoft.com/office/drawing/2014/main" id="{5BEE3D4F-3949-4FC9-AA97-3437380D14B3}"/>
+              </a:ext>
+            </a:extLst>
+          </p:cNvPr>
+          <p:cNvSpPr txBox="1"/>
+          <p:nvPr/>
+        </p:nvSpPr>
+        <p:spPr>
+          <a:xfrm>
+            <a:off x="1832104" y="5595222"/>
+            <a:ext cx="3560351" cy="261610"/>
+          </a:xfrm>
+          <a:prstGeom prst="rect">
+            <a:avLst/>
+          </a:prstGeom>
+          <a:noFill/>
+        </p:spPr>
+        <p:txBody>
+          <a:bodyPr wrap="square">
+            <a:spAutoFit/>
+          </a:bodyPr>
+          <a:lstStyle/>
+          <a:p>
+            <a:r>
+              <a:rPr lang="zh-CN" altLang="en-US" sz="1100" dirty="0"/>
+              <a:t>无镜头成像系统上不同方法的重建图像评价指标对比</a:t>
+            </a:r>
+          </a:p>
+        </p:txBody>
+      </p:sp>
     </p:spTree>
     <p:extLst>
       <p:ext uri="{BB962C8B-B14F-4D97-AF65-F5344CB8AC3E}">
@@ -5719,231 +8043,648 @@
           </a:p>
         </p:txBody>
       </p:sp>
-      <p:sp>
-        <p:nvSpPr>
-          <p:cNvPr id="3" name="内容占位符 2">
-            <a:extLst>
-              <a:ext uri="{FF2B5EF4-FFF2-40B4-BE49-F238E27FC236}">
-                <a16:creationId xmlns:a16="http://schemas.microsoft.com/office/drawing/2014/main" id="{58777DAF-0243-4071-9707-F99001EE84FF}"/>
-              </a:ext>
-            </a:extLst>
-          </p:cNvPr>
-          <p:cNvSpPr>
-            <a:spLocks noGrp="1"/>
-          </p:cNvSpPr>
-          <p:nvPr>
-            <p:ph idx="1"/>
-          </p:nvPr>
-        </p:nvSpPr>
-        <p:spPr/>
-        <p:txBody>
-          <a:bodyPr>
-            <a:normAutofit/>
-          </a:bodyPr>
-          <a:lstStyle/>
-          <a:p>
-            <a:r>
-              <a:rPr lang="zh-CN" altLang="en-US" sz="1100" dirty="0"/>
-              <a:t>线性模型存在局限性：</a:t>
-            </a:r>
-            <a:r>
-              <a:rPr lang="en-US" altLang="zh-CN" sz="1100" dirty="0"/>
-              <a:t>Le-TSVD</a:t>
-            </a:r>
-            <a:r>
-              <a:rPr lang="zh-CN" altLang="en-US" sz="1100" dirty="0"/>
-              <a:t>虽然重建速度快，但无法恢复高频纹理，存在伪影。</a:t>
-            </a:r>
-          </a:p>
-          <a:p>
-            <a:r>
-              <a:rPr lang="zh-CN" altLang="en-US" sz="1100" dirty="0"/>
-              <a:t>为了应对未经任何后处理手段的直接输出图像往往质量较低，会出现细节模糊、噪声较多和结构失真等问题，文章对目前最常用于无镜头图像重建任务的深度学习模型 </a:t>
-            </a:r>
-            <a:r>
-              <a:rPr lang="en-US" altLang="zh-CN" sz="1100" dirty="0"/>
-              <a:t>U-Net </a:t>
-            </a:r>
-            <a:r>
-              <a:rPr lang="zh-CN" altLang="en-US" sz="1100" dirty="0"/>
-              <a:t>进行了系统性的模块化改进：为了增强网络的表征能力</a:t>
-            </a:r>
-            <a:r>
-              <a:rPr lang="en-US" altLang="zh-CN" sz="1100" dirty="0"/>
-              <a:t>,</a:t>
-            </a:r>
-            <a:r>
-              <a:rPr lang="zh-CN" altLang="en-US" sz="1100" dirty="0"/>
-              <a:t>引入了卷积块注意力模块</a:t>
-            </a:r>
-            <a:r>
-              <a:rPr lang="en-US" altLang="zh-CN" sz="1100" dirty="0"/>
-              <a:t>,</a:t>
-            </a:r>
-            <a:r>
-              <a:rPr lang="zh-CN" altLang="en-US" sz="1100" dirty="0"/>
-              <a:t>从而更有效地捕捉并突出图像中的关键细节。加入残差连接不仅提升了网络的训练稳定性</a:t>
-            </a:r>
-            <a:r>
-              <a:rPr lang="en-US" altLang="zh-CN" sz="1100" dirty="0"/>
-              <a:t>,</a:t>
-            </a:r>
-            <a:r>
-              <a:rPr lang="zh-CN" altLang="en-US" sz="1100" dirty="0"/>
-              <a:t>还显著改善了图像的重建质量</a:t>
-            </a:r>
-            <a:r>
-              <a:rPr lang="en-US" altLang="zh-CN" sz="1100" dirty="0"/>
-              <a:t>,</a:t>
-            </a:r>
-            <a:r>
-              <a:rPr lang="zh-CN" altLang="en-US" sz="1100" dirty="0"/>
-              <a:t>尤其是在保留图像细节和减少训练过程中梯度消失问题方面表现优异。进一步地</a:t>
-            </a:r>
-            <a:r>
-              <a:rPr lang="en-US" altLang="zh-CN" sz="1100" dirty="0"/>
-              <a:t>,</a:t>
-            </a:r>
-            <a:r>
-              <a:rPr lang="zh-CN" altLang="en-US" sz="1100" dirty="0"/>
-              <a:t>为了增强网络对图像局部和全局信息的理解能力</a:t>
-            </a:r>
-            <a:r>
-              <a:rPr lang="en-US" altLang="zh-CN" sz="1100" dirty="0"/>
-              <a:t>,</a:t>
-            </a:r>
-            <a:r>
-              <a:rPr lang="zh-CN" altLang="en-US" sz="1100" dirty="0"/>
-              <a:t>在网络结构中引入了金字塔池化模块。</a:t>
-            </a:r>
-            <a:endParaRPr lang="en-US" altLang="zh-CN" sz="1100" dirty="0"/>
-          </a:p>
-          <a:p>
-            <a:r>
-              <a:rPr lang="zh-CN" altLang="en-US" sz="1100" dirty="0"/>
-              <a:t>卷积块注意力模块（</a:t>
-            </a:r>
-            <a:r>
-              <a:rPr lang="en-US" altLang="zh-CN" sz="1100" dirty="0"/>
-              <a:t>CBAM</a:t>
-            </a:r>
-            <a:r>
-              <a:rPr lang="zh-CN" altLang="en-US" sz="1100" dirty="0"/>
-              <a:t>）</a:t>
-            </a:r>
-            <a:endParaRPr lang="en-US" altLang="zh-CN" sz="1100" dirty="0"/>
-          </a:p>
-          <a:p>
-            <a:r>
-              <a:rPr lang="zh-CN" altLang="en-US" sz="1100" dirty="0"/>
-              <a:t>残差连接</a:t>
-            </a:r>
-            <a:endParaRPr lang="en-US" altLang="zh-CN" sz="1100" dirty="0"/>
-          </a:p>
-          <a:p>
-            <a:r>
-              <a:rPr lang="zh-CN" altLang="en-US" sz="1100" dirty="0"/>
-              <a:t>金字塔池化模块</a:t>
-            </a:r>
-            <a:endParaRPr lang="en-US" altLang="zh-CN" sz="1100" dirty="0"/>
-          </a:p>
-          <a:p>
-            <a:r>
-              <a:rPr lang="zh-CN" altLang="en-US" sz="1100" dirty="0"/>
-              <a:t>最终得到</a:t>
-            </a:r>
-            <a:r>
-              <a:rPr lang="en-US" altLang="zh-CN" sz="1100" dirty="0"/>
-              <a:t>HA-</a:t>
-            </a:r>
-            <a:r>
-              <a:rPr lang="en-US" altLang="zh-CN" sz="1100" dirty="0" err="1"/>
-              <a:t>Unet</a:t>
-            </a:r>
-            <a:r>
-              <a:rPr lang="zh-CN" altLang="en-US" sz="1100" dirty="0"/>
-              <a:t>模型</a:t>
-            </a:r>
-          </a:p>
-          <a:p>
-            <a:r>
-              <a:rPr lang="zh-CN" altLang="en-US" sz="1100" dirty="0"/>
-              <a:t>另一方面</a:t>
-            </a:r>
-            <a:r>
-              <a:rPr lang="en-US" altLang="zh-CN" sz="1100" dirty="0"/>
-              <a:t>,</a:t>
-            </a:r>
-            <a:r>
-              <a:rPr lang="zh-CN" altLang="en-US" sz="1100" dirty="0"/>
-              <a:t>文章将改进后的卷积神经网络模型与生成对抗网络架构的</a:t>
-            </a:r>
-            <a:r>
-              <a:rPr lang="en-US" altLang="zh-CN" sz="1100" dirty="0"/>
-              <a:t>Pix2pix</a:t>
-            </a:r>
-            <a:r>
-              <a:rPr lang="zh-CN" altLang="en-US" sz="1100" dirty="0"/>
-              <a:t>模型相结合</a:t>
-            </a:r>
-            <a:r>
-              <a:rPr lang="en-US" altLang="zh-CN" sz="1100" dirty="0"/>
-              <a:t>,</a:t>
-            </a:r>
-            <a:r>
-              <a:rPr lang="zh-CN" altLang="en-US" sz="1100" dirty="0"/>
-              <a:t>探索通过对抗学习机制进一步提升重建图像的真实感和细节表现。在这一框架中</a:t>
-            </a:r>
-            <a:r>
-              <a:rPr lang="en-US" altLang="zh-CN" sz="1100" dirty="0"/>
-              <a:t>,</a:t>
-            </a:r>
-            <a:r>
-              <a:rPr lang="zh-CN" altLang="en-US" sz="1100" dirty="0"/>
-              <a:t>改进的卷积神经网络作为生成器</a:t>
-            </a:r>
-            <a:r>
-              <a:rPr lang="en-US" altLang="zh-CN" sz="1100" dirty="0"/>
-              <a:t>,</a:t>
-            </a:r>
-            <a:r>
-              <a:rPr lang="zh-CN" altLang="en-US" sz="1100" dirty="0"/>
-              <a:t>通过与判别器的对抗学习</a:t>
-            </a:r>
-            <a:r>
-              <a:rPr lang="en-US" altLang="zh-CN" sz="1100" dirty="0"/>
-              <a:t>,</a:t>
-            </a:r>
-            <a:r>
-              <a:rPr lang="zh-CN" altLang="en-US" sz="1100" dirty="0"/>
-              <a:t>使得重建图像在视觉质量上得到了显著提升</a:t>
-            </a:r>
-            <a:r>
-              <a:rPr lang="en-US" altLang="zh-CN" sz="1100" dirty="0"/>
-              <a:t>,  </a:t>
-            </a:r>
-            <a:r>
-              <a:rPr lang="zh-CN" altLang="en-US" sz="1100" dirty="0"/>
-              <a:t>无论是主观评价还是客观评价指标都表现出更优的结果。</a:t>
-            </a:r>
-            <a:endParaRPr lang="en-US" altLang="zh-CN" sz="1100" dirty="0"/>
-          </a:p>
-          <a:p>
-            <a:r>
-              <a:rPr lang="en-US" altLang="zh-CN" sz="1100" dirty="0"/>
-              <a:t>Pix2pix</a:t>
-            </a:r>
-            <a:r>
-              <a:rPr lang="zh-CN" altLang="en-US" sz="1100" dirty="0"/>
-              <a:t>模型</a:t>
-            </a:r>
-            <a:endParaRPr lang="en-US" altLang="zh-CN" sz="1100" dirty="0"/>
-          </a:p>
-          <a:p>
-            <a:endParaRPr lang="zh-CN" altLang="en-US" sz="1100" dirty="0"/>
-          </a:p>
-        </p:txBody>
-      </p:sp>
+      <mc:AlternateContent xmlns:mc="http://schemas.openxmlformats.org/markup-compatibility/2006" xmlns:a14="http://schemas.microsoft.com/office/drawing/2010/main">
+        <mc:Choice Requires="a14">
+          <p:sp>
+            <p:nvSpPr>
+              <p:cNvPr id="3" name="内容占位符 2">
+                <a:extLst>
+                  <a:ext uri="{FF2B5EF4-FFF2-40B4-BE49-F238E27FC236}">
+                    <a16:creationId xmlns:a16="http://schemas.microsoft.com/office/drawing/2014/main" id="{58777DAF-0243-4071-9707-F99001EE84FF}"/>
+                  </a:ext>
+                </a:extLst>
+              </p:cNvPr>
+              <p:cNvSpPr>
+                <a:spLocks noGrp="1"/>
+              </p:cNvSpPr>
+              <p:nvPr>
+                <p:ph idx="1"/>
+              </p:nvPr>
+            </p:nvSpPr>
+            <p:spPr>
+              <a:xfrm>
+                <a:off x="838199" y="1215026"/>
+                <a:ext cx="6272785" cy="4961937"/>
+              </a:xfrm>
+            </p:spPr>
+            <p:txBody>
+              <a:bodyPr>
+                <a:noAutofit/>
+              </a:bodyPr>
+              <a:lstStyle/>
+              <a:p>
+                <a:pPr>
+                  <a:lnSpc>
+                    <a:spcPct val="125000"/>
+                  </a:lnSpc>
+                </a:pPr>
+                <a:r>
+                  <a:rPr lang="zh-CN" altLang="en-US" sz="1100" dirty="0"/>
+                  <a:t>线性模型存在局限性：</a:t>
+                </a:r>
+                <a:r>
+                  <a:rPr lang="en-US" altLang="zh-CN" sz="1100" dirty="0"/>
+                  <a:t>Le-TSVD</a:t>
+                </a:r>
+                <a:r>
+                  <a:rPr lang="zh-CN" altLang="en-US" sz="1100" dirty="0"/>
+                  <a:t>虽然重建速度快，但无法恢复高频纹理，存在伪影。</a:t>
+                </a:r>
+              </a:p>
+              <a:p>
+                <a:pPr>
+                  <a:lnSpc>
+                    <a:spcPct val="125000"/>
+                  </a:lnSpc>
+                </a:pPr>
+                <a:r>
+                  <a:rPr lang="zh-CN" altLang="en-US" sz="1100" dirty="0"/>
+                  <a:t>为了应对未经任何后处理手段的直接输出图像往往质量较低，会出现细节模糊、噪声较多和结构失真等问题，文章对目前最常用于无镜头图像重建任务的深度学习模型 </a:t>
+                </a:r>
+                <a:r>
+                  <a:rPr lang="en-US" altLang="zh-CN" sz="1100" dirty="0"/>
+                  <a:t>U-Net </a:t>
+                </a:r>
+                <a:r>
+                  <a:rPr lang="zh-CN" altLang="en-US" sz="1100" dirty="0"/>
+                  <a:t>进行了系统性的模块化改进：为了增强网络的表征能力</a:t>
+                </a:r>
+                <a:r>
+                  <a:rPr lang="en-US" altLang="zh-CN" sz="1100" dirty="0"/>
+                  <a:t>,</a:t>
+                </a:r>
+                <a:r>
+                  <a:rPr lang="zh-CN" altLang="en-US" sz="1100" dirty="0"/>
+                  <a:t>引入了卷积块注意力模块</a:t>
+                </a:r>
+                <a:r>
+                  <a:rPr lang="en-US" altLang="zh-CN" sz="1100" dirty="0"/>
+                  <a:t>,</a:t>
+                </a:r>
+                <a:r>
+                  <a:rPr lang="zh-CN" altLang="en-US" sz="1100" dirty="0"/>
+                  <a:t>从而更有效地捕捉并突出图像中的关键细节。加入残差连接不仅提升了网络的训练稳定性</a:t>
+                </a:r>
+                <a:r>
+                  <a:rPr lang="en-US" altLang="zh-CN" sz="1100" dirty="0"/>
+                  <a:t>,</a:t>
+                </a:r>
+                <a:r>
+                  <a:rPr lang="zh-CN" altLang="en-US" sz="1100" dirty="0"/>
+                  <a:t>还显著改善了图像的重建质量</a:t>
+                </a:r>
+                <a:r>
+                  <a:rPr lang="en-US" altLang="zh-CN" sz="1100" dirty="0"/>
+                  <a:t>,</a:t>
+                </a:r>
+                <a:r>
+                  <a:rPr lang="zh-CN" altLang="en-US" sz="1100" dirty="0"/>
+                  <a:t>尤其是在保留图像细节和减少训练过程中梯度消失问题方面表现优异。进一步地</a:t>
+                </a:r>
+                <a:r>
+                  <a:rPr lang="en-US" altLang="zh-CN" sz="1100" dirty="0"/>
+                  <a:t>,</a:t>
+                </a:r>
+                <a:r>
+                  <a:rPr lang="zh-CN" altLang="en-US" sz="1100" dirty="0"/>
+                  <a:t>为了增强网络对图像局部和全局信息的理解能力</a:t>
+                </a:r>
+                <a:r>
+                  <a:rPr lang="en-US" altLang="zh-CN" sz="1100" dirty="0"/>
+                  <a:t>,</a:t>
+                </a:r>
+                <a:r>
+                  <a:rPr lang="zh-CN" altLang="en-US" sz="1100" dirty="0"/>
+                  <a:t>在网络结构中引入了金字塔池化模块。</a:t>
+                </a:r>
+                <a:endParaRPr lang="en-US" altLang="zh-CN" sz="1100" dirty="0"/>
+              </a:p>
+              <a:p>
+                <a:pPr>
+                  <a:lnSpc>
+                    <a:spcPct val="125000"/>
+                  </a:lnSpc>
+                </a:pPr>
+                <a:r>
+                  <a:rPr lang="zh-CN" altLang="en-US" sz="1100" dirty="0"/>
+                  <a:t>卷积块注意力模块</a:t>
+                </a:r>
+                <a:r>
+                  <a:rPr lang="en-US" altLang="zh-CN" sz="1100" dirty="0"/>
+                  <a:t>(CBAM):CBAM </a:t>
+                </a:r>
+                <a:r>
+                  <a:rPr lang="zh-CN" altLang="en-US" sz="1100" dirty="0"/>
+                  <a:t>模块的主要功能是能够自动学习不同通道和空间维度上的注意力分布</a:t>
+                </a:r>
+                <a:r>
+                  <a:rPr lang="en-US" altLang="zh-CN" sz="1100" dirty="0"/>
+                  <a:t>,  </a:t>
+                </a:r>
+                <a:r>
+                  <a:rPr lang="zh-CN" altLang="en-US" sz="1100" dirty="0"/>
+                  <a:t>以提高特征图的质量和重要性。</a:t>
+                </a:r>
+                <a:r>
+                  <a:rPr lang="en-US" altLang="zh-CN" sz="1100" dirty="0"/>
+                  <a:t>CBAM </a:t>
+                </a:r>
+                <a:r>
+                  <a:rPr lang="zh-CN" altLang="en-US" sz="1100" dirty="0"/>
+                  <a:t>主要由两个部分构成</a:t>
+                </a:r>
+                <a:r>
+                  <a:rPr lang="en-US" altLang="zh-CN" sz="1100" dirty="0"/>
+                  <a:t>:</a:t>
+                </a:r>
+                <a:r>
+                  <a:rPr lang="zh-CN" altLang="en-US" sz="1100" dirty="0"/>
+                  <a:t>通道注意力和空间注意力。通道注意力旨在为每个通道分配权重</a:t>
+                </a:r>
+                <a:r>
+                  <a:rPr lang="en-US" altLang="zh-CN" sz="1100" dirty="0"/>
+                  <a:t>,</a:t>
+                </a:r>
+                <a:r>
+                  <a:rPr lang="zh-CN" altLang="en-US" sz="1100" dirty="0"/>
+                  <a:t>其中常见的方法包括全局平均池化</a:t>
+                </a:r>
+                <a:r>
+                  <a:rPr lang="en-US" altLang="zh-CN" sz="1100" dirty="0"/>
+                  <a:t>(GAP)</a:t>
+                </a:r>
+                <a:r>
+                  <a:rPr lang="zh-CN" altLang="en-US" sz="1100" dirty="0"/>
+                  <a:t>和全局最大池化</a:t>
+                </a:r>
+                <a:r>
+                  <a:rPr lang="en-US" altLang="zh-CN" sz="1100" dirty="0"/>
+                  <a:t>(GMP)</a:t>
+                </a:r>
+                <a:r>
+                  <a:rPr lang="zh-CN" altLang="en-US" sz="1100" dirty="0"/>
+                  <a:t>。而空间注意力的目标则在于为特征图的每个位置分配一个权重</a:t>
+                </a:r>
+                <a:r>
+                  <a:rPr lang="en-US" altLang="zh-CN" sz="1100" dirty="0"/>
+                  <a:t>,</a:t>
+                </a:r>
+                <a:r>
+                  <a:rPr lang="zh-CN" altLang="en-US" sz="1100" dirty="0"/>
+                  <a:t>通常通过使用小型卷积核</a:t>
+                </a:r>
+                <a:r>
+                  <a:rPr lang="en-US" altLang="zh-CN" sz="1100" dirty="0"/>
+                  <a:t>(</a:t>
+                </a:r>
+                <a:r>
+                  <a:rPr lang="zh-CN" altLang="en-US" sz="1100" dirty="0"/>
+                  <a:t>例如 </a:t>
+                </a:r>
+                <a:r>
+                  <a:rPr lang="en-US" altLang="zh-CN" sz="1100" dirty="0"/>
+                  <a:t>1×1 </a:t>
+                </a:r>
+                <a:r>
+                  <a:rPr lang="zh-CN" altLang="en-US" sz="1100" dirty="0"/>
+                  <a:t>卷积</a:t>
+                </a:r>
+                <a:r>
+                  <a:rPr lang="en-US" altLang="zh-CN" sz="1100" dirty="0"/>
+                  <a:t>)</a:t>
+                </a:r>
+                <a:r>
+                  <a:rPr lang="zh-CN" altLang="en-US" sz="1100" dirty="0"/>
+                  <a:t>来实现。</a:t>
+                </a:r>
+                <a:endParaRPr lang="en-US" altLang="zh-CN" sz="1100" dirty="0"/>
+              </a:p>
+              <a:p>
+                <a:pPr>
+                  <a:lnSpc>
+                    <a:spcPct val="125000"/>
+                  </a:lnSpc>
+                </a:pPr>
+                <a:r>
+                  <a:rPr lang="zh-CN" altLang="en-US" sz="1100" dirty="0"/>
+                  <a:t>残差连接</a:t>
+                </a:r>
+                <a:r>
+                  <a:rPr lang="en-US" altLang="zh-CN" sz="1100" dirty="0"/>
+                  <a:t>:</a:t>
+                </a:r>
+                <a:r>
+                  <a:rPr lang="zh-CN" altLang="en-US" sz="1100" dirty="0"/>
+                  <a:t>残差连接通过引入跨层的直接连接</a:t>
+                </a:r>
+                <a:r>
+                  <a:rPr lang="en-US" altLang="zh-CN" sz="1100" dirty="0"/>
+                  <a:t>,</a:t>
+                </a:r>
+                <a:r>
+                  <a:rPr lang="zh-CN" altLang="en-US" sz="1100" dirty="0"/>
+                  <a:t>允许梯度更直接地传播</a:t>
+                </a:r>
+                <a:r>
+                  <a:rPr lang="en-US" altLang="zh-CN" sz="1100" dirty="0"/>
+                  <a:t>,</a:t>
+                </a:r>
+                <a:r>
+                  <a:rPr lang="zh-CN" altLang="en-US" sz="1100" dirty="0"/>
+                  <a:t>从而缓解了训练过程中梯度消失和梯度爆炸的问题。实现方式是将前一层的输出</a:t>
+                </a:r>
+                <a:r>
+                  <a:rPr lang="en-US" altLang="zh-CN" sz="1100" dirty="0"/>
+                  <a:t>(</a:t>
+                </a:r>
+                <a:r>
+                  <a:rPr lang="zh-CN" altLang="en-US" sz="1100" dirty="0"/>
+                  <a:t>即输入</a:t>
+                </a:r>
+                <a:r>
+                  <a:rPr lang="en-US" altLang="zh-CN" sz="1100" dirty="0"/>
+                  <a:t>)</a:t>
+                </a:r>
+                <a:r>
+                  <a:rPr lang="zh-CN" altLang="en-US" sz="1100" dirty="0"/>
+                  <a:t>直接加到后一层的输出上</a:t>
+                </a:r>
+                <a:r>
+                  <a:rPr lang="en-US" altLang="zh-CN" sz="1100" dirty="0"/>
+                  <a:t>,  </a:t>
+                </a:r>
+                <a:r>
+                  <a:rPr lang="zh-CN" altLang="en-US" sz="1100" dirty="0"/>
+                  <a:t>然后再通过激活函数进行处理。这种连接方式可以表示为</a:t>
+                </a:r>
+                <a:r>
+                  <a:rPr lang="en-US" altLang="zh-CN" sz="1100" dirty="0"/>
+                  <a:t>:</a:t>
+                </a:r>
+                <a14:m>
+                  <m:oMath xmlns:m="http://schemas.openxmlformats.org/officeDocument/2006/math">
+                    <m:r>
+                      <a:rPr lang="en-US" altLang="zh-CN" sz="1100" b="0" i="1" smtClean="0">
+                        <a:latin typeface="Cambria Math" panose="02040503050406030204" pitchFamily="18" charset="0"/>
+                      </a:rPr>
+                      <m:t>𝑂𝑢𝑡𝑝𝑢𝑡</m:t>
+                    </m:r>
+                    <m:r>
+                      <a:rPr lang="en-US" altLang="zh-CN" sz="1100" b="0" i="1" smtClean="0">
+                        <a:latin typeface="Cambria Math" panose="02040503050406030204" pitchFamily="18" charset="0"/>
+                      </a:rPr>
+                      <m:t>=</m:t>
+                    </m:r>
+                    <m:r>
+                      <a:rPr lang="en-US" altLang="zh-CN" sz="1100" b="0" i="1" smtClean="0">
+                        <a:latin typeface="Cambria Math" panose="02040503050406030204" pitchFamily="18" charset="0"/>
+                      </a:rPr>
+                      <m:t>𝑅𝑒𝐿𝑈</m:t>
+                    </m:r>
+                    <m:r>
+                      <a:rPr lang="en-US" altLang="zh-CN" sz="1100" b="0" i="1" smtClean="0">
+                        <a:latin typeface="Cambria Math" panose="02040503050406030204" pitchFamily="18" charset="0"/>
+                      </a:rPr>
+                      <m:t>(</m:t>
+                    </m:r>
+                    <m:r>
+                      <a:rPr lang="en-US" altLang="zh-CN" sz="1100" b="0" i="1" smtClean="0">
+                        <a:latin typeface="Cambria Math" panose="02040503050406030204" pitchFamily="18" charset="0"/>
+                      </a:rPr>
+                      <m:t>𝐹</m:t>
+                    </m:r>
+                    <m:d>
+                      <m:dPr>
+                        <m:ctrlPr>
+                          <a:rPr lang="en-US" altLang="zh-CN" sz="1100" b="0" i="1" smtClean="0">
+                            <a:latin typeface="Cambria Math" panose="02040503050406030204" pitchFamily="18" charset="0"/>
+                          </a:rPr>
+                        </m:ctrlPr>
+                      </m:dPr>
+                      <m:e>
+                        <m:r>
+                          <a:rPr lang="en-US" altLang="zh-CN" sz="1100" b="0" i="1" smtClean="0">
+                            <a:latin typeface="Cambria Math" panose="02040503050406030204" pitchFamily="18" charset="0"/>
+                          </a:rPr>
+                          <m:t>𝑋</m:t>
+                        </m:r>
+                      </m:e>
+                    </m:d>
+                    <m:r>
+                      <a:rPr lang="en-US" altLang="zh-CN" sz="1100" b="0" i="1" smtClean="0">
+                        <a:latin typeface="Cambria Math" panose="02040503050406030204" pitchFamily="18" charset="0"/>
+                      </a:rPr>
+                      <m:t>+</m:t>
+                    </m:r>
+                    <m:r>
+                      <a:rPr lang="en-US" altLang="zh-CN" sz="1100" b="0" i="1" smtClean="0">
+                        <a:latin typeface="Cambria Math" panose="02040503050406030204" pitchFamily="18" charset="0"/>
+                      </a:rPr>
+                      <m:t>𝑋</m:t>
+                    </m:r>
+                    <m:r>
+                      <a:rPr lang="en-US" altLang="zh-CN" sz="1100" b="0" i="1" smtClean="0">
+                        <a:latin typeface="Cambria Math" panose="02040503050406030204" pitchFamily="18" charset="0"/>
+                      </a:rPr>
+                      <m:t>)</m:t>
+                    </m:r>
+                  </m:oMath>
+                </a14:m>
+                <a:r>
+                  <a:rPr lang="en-US" altLang="zh-CN" sz="1100" dirty="0"/>
+                  <a:t>,</a:t>
+                </a:r>
+                <a:r>
+                  <a:rPr lang="zh-CN" altLang="en-US" sz="1100" dirty="0"/>
+                  <a:t> </a:t>
+                </a:r>
+                <a:r>
+                  <a:rPr lang="en-US" altLang="zh-CN" sz="1100" dirty="0"/>
+                  <a:t>X </a:t>
+                </a:r>
+                <a:r>
+                  <a:rPr lang="zh-CN" altLang="en-US" sz="1100" dirty="0"/>
+                  <a:t>表示前一层的输出</a:t>
+                </a:r>
+                <a:r>
+                  <a:rPr lang="en-US" altLang="zh-CN" sz="1100" dirty="0"/>
+                  <a:t>,F(X)</a:t>
+                </a:r>
+                <a:r>
+                  <a:rPr lang="zh-CN" altLang="en-US" sz="1100" dirty="0"/>
+                  <a:t>表示网络层的非线性运算</a:t>
+                </a:r>
+                <a:r>
+                  <a:rPr lang="en-US" altLang="zh-CN" sz="1100" dirty="0"/>
+                  <a:t>,Output </a:t>
+                </a:r>
+                <a:r>
+                  <a:rPr lang="zh-CN" altLang="en-US" sz="1100" dirty="0"/>
+                  <a:t>表示当前层  的输出。式中的激活函数 </a:t>
+                </a:r>
+                <a:r>
+                  <a:rPr lang="en-US" altLang="zh-CN" sz="1100" dirty="0"/>
+                  <a:t>ReLU </a:t>
+                </a:r>
+                <a:r>
+                  <a:rPr lang="zh-CN" altLang="en-US" sz="1100" dirty="0"/>
+                  <a:t>也可以使用其他常用的非线性激活函数。</a:t>
+                </a:r>
+                <a:endParaRPr lang="en-US" altLang="zh-CN" sz="1100" dirty="0"/>
+              </a:p>
+              <a:p>
+                <a:pPr>
+                  <a:lnSpc>
+                    <a:spcPct val="125000"/>
+                  </a:lnSpc>
+                </a:pPr>
+                <a:r>
+                  <a:rPr lang="zh-CN" altLang="en-US" sz="1100" dirty="0"/>
+                  <a:t>金字塔池化模块</a:t>
+                </a:r>
+                <a:r>
+                  <a:rPr lang="en-US" altLang="zh-CN" sz="1100" dirty="0"/>
+                  <a:t>:</a:t>
+                </a:r>
+                <a:r>
+                  <a:rPr lang="zh-CN" altLang="en-US" sz="1100" dirty="0"/>
+                  <a:t>金字塔池化模块旨在增强深度卷积神经网络对图像中多尺度信息的感知能力。首先</a:t>
+                </a:r>
+                <a:r>
+                  <a:rPr lang="en-US" altLang="zh-CN" sz="1100" dirty="0"/>
+                  <a:t>,</a:t>
+                </a:r>
+                <a:r>
+                  <a:rPr lang="zh-CN" altLang="en-US" sz="1100" dirty="0"/>
+                  <a:t>金字塔池化模块在若干固定尺度上进行池化</a:t>
+                </a:r>
+                <a:r>
+                  <a:rPr lang="en-US" altLang="zh-CN" sz="1100" dirty="0"/>
+                  <a:t>,</a:t>
+                </a:r>
+                <a:r>
+                  <a:rPr lang="zh-CN" altLang="en-US" sz="1100" dirty="0"/>
+                  <a:t> 通过这些不同尺度的池化核</a:t>
+                </a:r>
+                <a:r>
+                  <a:rPr lang="en-US" altLang="zh-CN" sz="1100" dirty="0"/>
+                  <a:t>,</a:t>
+                </a:r>
+                <a:r>
+                  <a:rPr lang="zh-CN" altLang="en-US" sz="1100" dirty="0"/>
+                  <a:t>网络能够获取在不同分辨率下的特征表示</a:t>
+                </a:r>
+                <a:r>
+                  <a:rPr lang="en-US" altLang="zh-CN" sz="1100" dirty="0"/>
+                  <a:t>,</a:t>
+                </a:r>
+                <a:r>
+                  <a:rPr lang="zh-CN" altLang="en-US" sz="1100" dirty="0"/>
+                  <a:t>捕捉到图像中的多尺度信息。随后</a:t>
+                </a:r>
+                <a:r>
+                  <a:rPr lang="en-US" altLang="zh-CN" sz="1100" dirty="0"/>
+                  <a:t>,</a:t>
+                </a:r>
+                <a:r>
+                  <a:rPr lang="zh-CN" altLang="en-US" sz="1100" dirty="0"/>
+                  <a:t>对各个池化后的特征图使用 </a:t>
+                </a:r>
+                <a:r>
+                  <a:rPr lang="en-US" altLang="zh-CN" sz="1100" dirty="0"/>
+                  <a:t>1×1 </a:t>
+                </a:r>
+                <a:r>
+                  <a:rPr lang="zh-CN" altLang="en-US" sz="1100" dirty="0"/>
+                  <a:t>卷积核进行通道数调整</a:t>
+                </a:r>
+                <a:r>
+                  <a:rPr lang="en-US" altLang="zh-CN" sz="1100" dirty="0"/>
+                  <a:t>,</a:t>
+                </a:r>
+                <a:r>
+                  <a:rPr lang="zh-CN" altLang="en-US" sz="1100" dirty="0"/>
+                  <a:t>以确保特征图的通道数一致。这些调整后的特征图通过二次线性插值进行上采样</a:t>
+                </a:r>
+                <a:r>
+                  <a:rPr lang="en-US" altLang="zh-CN" sz="1100" dirty="0"/>
+                  <a:t>,</a:t>
+                </a:r>
+                <a:r>
+                  <a:rPr lang="zh-CN" altLang="en-US" sz="1100" dirty="0"/>
+                  <a:t>恢复到与输入特征图相同的间尺寸。最后</a:t>
+                </a:r>
+                <a:r>
+                  <a:rPr lang="en-US" altLang="zh-CN" sz="1100" dirty="0"/>
+                  <a:t>,</a:t>
+                </a:r>
+                <a:r>
+                  <a:rPr lang="zh-CN" altLang="en-US" sz="1100" dirty="0"/>
+                  <a:t>将获得的多尺度特征图与原始输入特征图进行堆叠</a:t>
+                </a:r>
+                <a:r>
+                  <a:rPr lang="en-US" altLang="zh-CN" sz="1100" dirty="0"/>
+                  <a:t>,</a:t>
+                </a:r>
+                <a:r>
+                  <a:rPr lang="zh-CN" altLang="en-US" sz="1100" dirty="0"/>
+                  <a:t>并通过卷积层进一步处理</a:t>
+                </a:r>
+                <a:r>
+                  <a:rPr lang="en-US" altLang="zh-CN" sz="1100" dirty="0"/>
+                  <a:t>,</a:t>
+                </a:r>
+                <a:r>
+                  <a:rPr lang="zh-CN" altLang="en-US" sz="1100" dirty="0"/>
+                  <a:t>以完成通道数的最终调整和整合。</a:t>
+                </a:r>
+                <a:endParaRPr lang="en-US" altLang="zh-CN" sz="1100" dirty="0"/>
+              </a:p>
+              <a:p>
+                <a:pPr>
+                  <a:lnSpc>
+                    <a:spcPct val="125000"/>
+                  </a:lnSpc>
+                </a:pPr>
+                <a:endParaRPr lang="zh-CN" altLang="en-US" sz="1100" dirty="0"/>
+              </a:p>
+            </p:txBody>
+          </p:sp>
+        </mc:Choice>
+        <mc:Fallback xmlns="">
+          <p:sp>
+            <p:nvSpPr>
+              <p:cNvPr id="3" name="内容占位符 2">
+                <a:extLst>
+                  <a:ext uri="{FF2B5EF4-FFF2-40B4-BE49-F238E27FC236}">
+                    <a16:creationId xmlns:a16="http://schemas.microsoft.com/office/drawing/2014/main" id="{58777DAF-0243-4071-9707-F99001EE84FF}"/>
+                  </a:ext>
+                </a:extLst>
+              </p:cNvPr>
+              <p:cNvSpPr>
+                <a:spLocks noGrp="1" noRot="1" noChangeAspect="1" noMove="1" noResize="1" noEditPoints="1" noAdjustHandles="1" noChangeArrowheads="1" noChangeShapeType="1" noTextEdit="1"/>
+              </p:cNvSpPr>
+              <p:nvPr>
+                <p:ph idx="1"/>
+              </p:nvPr>
+            </p:nvSpPr>
+            <p:spPr>
+              <a:xfrm>
+                <a:off x="838199" y="1215026"/>
+                <a:ext cx="6272785" cy="4961937"/>
+              </a:xfrm>
+              <a:blipFill>
+                <a:blip r:embed="rId2"/>
+                <a:stretch>
+                  <a:fillRect b="-9705"/>
+                </a:stretch>
+              </a:blipFill>
+            </p:spPr>
+            <p:txBody>
+              <a:bodyPr/>
+              <a:lstStyle/>
+              <a:p>
+                <a:r>
+                  <a:rPr lang="zh-CN" altLang="en-US">
+                    <a:noFill/>
+                  </a:rPr>
+                  <a:t> </a:t>
+                </a:r>
+              </a:p>
+            </p:txBody>
+          </p:sp>
+        </mc:Fallback>
+      </mc:AlternateContent>
+      <p:pic>
+        <p:nvPicPr>
+          <p:cNvPr id="4" name="图片 3">
+            <a:extLst>
+              <a:ext uri="{FF2B5EF4-FFF2-40B4-BE49-F238E27FC236}">
+                <a16:creationId xmlns:a16="http://schemas.microsoft.com/office/drawing/2014/main" id="{5E212C59-186E-4156-A3F7-FF913E4A390D}"/>
+              </a:ext>
+            </a:extLst>
+          </p:cNvPr>
+          <p:cNvPicPr>
+            <a:picLocks noChangeAspect="1"/>
+          </p:cNvPicPr>
+          <p:nvPr/>
+        </p:nvPicPr>
+        <p:blipFill>
+          <a:blip r:embed="rId3"/>
+          <a:stretch>
+            <a:fillRect/>
+          </a:stretch>
+        </p:blipFill>
+        <p:spPr>
+          <a:xfrm>
+            <a:off x="7110985" y="933190"/>
+            <a:ext cx="2822154" cy="3091945"/>
+          </a:xfrm>
+          <a:prstGeom prst="rect">
+            <a:avLst/>
+          </a:prstGeom>
+        </p:spPr>
+      </p:pic>
+      <p:pic>
+        <p:nvPicPr>
+          <p:cNvPr id="6" name="图片 5">
+            <a:extLst>
+              <a:ext uri="{FF2B5EF4-FFF2-40B4-BE49-F238E27FC236}">
+                <a16:creationId xmlns:a16="http://schemas.microsoft.com/office/drawing/2014/main" id="{FA4C6474-78D1-4B44-B0E7-37AD9E8B2FE4}"/>
+              </a:ext>
+            </a:extLst>
+          </p:cNvPr>
+          <p:cNvPicPr>
+            <a:picLocks noChangeAspect="1"/>
+          </p:cNvPicPr>
+          <p:nvPr/>
+        </p:nvPicPr>
+        <p:blipFill>
+          <a:blip r:embed="rId4"/>
+          <a:stretch>
+            <a:fillRect/>
+          </a:stretch>
+        </p:blipFill>
+        <p:spPr>
+          <a:xfrm>
+            <a:off x="10090031" y="1373473"/>
+            <a:ext cx="2050073" cy="1965771"/>
+          </a:xfrm>
+          <a:prstGeom prst="rect">
+            <a:avLst/>
+          </a:prstGeom>
+        </p:spPr>
+      </p:pic>
+      <p:pic>
+        <p:nvPicPr>
+          <p:cNvPr id="8" name="图片 7">
+            <a:extLst>
+              <a:ext uri="{FF2B5EF4-FFF2-40B4-BE49-F238E27FC236}">
+                <a16:creationId xmlns:a16="http://schemas.microsoft.com/office/drawing/2014/main" id="{CD2E8B91-D43D-499C-AD8F-001E2EDF7BC4}"/>
+              </a:ext>
+            </a:extLst>
+          </p:cNvPr>
+          <p:cNvPicPr>
+            <a:picLocks noChangeAspect="1"/>
+          </p:cNvPicPr>
+          <p:nvPr/>
+        </p:nvPicPr>
+        <p:blipFill>
+          <a:blip r:embed="rId5"/>
+          <a:stretch>
+            <a:fillRect/>
+          </a:stretch>
+        </p:blipFill>
+        <p:spPr>
+          <a:xfrm>
+            <a:off x="7604957" y="4101242"/>
+            <a:ext cx="4125667" cy="2730755"/>
+          </a:xfrm>
+          <a:prstGeom prst="rect">
+            <a:avLst/>
+          </a:prstGeom>
+        </p:spPr>
+      </p:pic>
     </p:spTree>
     <p:extLst>
       <p:ext uri="{BB962C8B-B14F-4D97-AF65-F5344CB8AC3E}">
@@ -5976,10 +8717,10 @@
       </p:grpSpPr>
       <p:sp>
         <p:nvSpPr>
-          <p:cNvPr id="2" name="标题 1">
-            <a:extLst>
-              <a:ext uri="{FF2B5EF4-FFF2-40B4-BE49-F238E27FC236}">
-                <a16:creationId xmlns:a16="http://schemas.microsoft.com/office/drawing/2014/main" id="{4DF5468F-1031-4F81-957F-469410FE0833}"/>
+          <p:cNvPr id="3" name="内容占位符 2">
+            <a:extLst>
+              <a:ext uri="{FF2B5EF4-FFF2-40B4-BE49-F238E27FC236}">
+                <a16:creationId xmlns:a16="http://schemas.microsoft.com/office/drawing/2014/main" id="{04F9F5F4-8425-4DFD-94D9-A56234B31633}"/>
               </a:ext>
             </a:extLst>
           </p:cNvPr>
@@ -5987,13 +8728,13 @@
             <a:spLocks noGrp="1"/>
           </p:cNvSpPr>
           <p:nvPr>
-            <p:ph type="title"/>
+            <p:ph idx="1"/>
           </p:nvPr>
         </p:nvSpPr>
         <p:spPr>
           <a:xfrm>
-            <a:off x="838200" y="365125"/>
-            <a:ext cx="10515600" cy="831111"/>
+            <a:off x="844463" y="1334023"/>
+            <a:ext cx="10178441" cy="2521336"/>
           </a:xfrm>
         </p:spPr>
         <p:txBody>
@@ -6003,83 +8744,359 @@
           <a:lstStyle/>
           <a:p>
             <a:r>
-              <a:rPr lang="zh-CN" altLang="en-US" sz="2400" dirty="0"/>
-              <a:t>基于 </a:t>
-            </a:r>
-            <a:r>
-              <a:rPr lang="en-US" altLang="zh-CN" sz="2400" dirty="0"/>
+              <a:rPr lang="en-US" altLang="zh-CN" sz="1100" dirty="0"/>
+              <a:t>HA-</a:t>
+            </a:r>
+            <a:r>
+              <a:rPr lang="en-US" altLang="zh-CN" sz="1100" dirty="0" err="1"/>
+              <a:t>Unet</a:t>
+            </a:r>
+            <a:r>
+              <a:rPr lang="zh-CN" altLang="en-US" sz="1100" dirty="0"/>
+              <a:t>模型</a:t>
+            </a:r>
+            <a:r>
+              <a:rPr lang="en-US" altLang="zh-CN" sz="1100" dirty="0"/>
+              <a:t>:</a:t>
+            </a:r>
+            <a:r>
+              <a:rPr lang="zh-CN" altLang="en-US" sz="1100" dirty="0"/>
+              <a:t>在</a:t>
+            </a:r>
+            <a:r>
+              <a:rPr lang="en-US" altLang="zh-CN" sz="1100" dirty="0" err="1"/>
+              <a:t>UNet</a:t>
+            </a:r>
+            <a:r>
+              <a:rPr lang="zh-CN" altLang="en-US" sz="1100" dirty="0"/>
+              <a:t>网络模型的基础上进行了改进优化</a:t>
+            </a:r>
+            <a:r>
+              <a:rPr lang="en-US" altLang="zh-CN" sz="1100" dirty="0"/>
+              <a:t>,</a:t>
+            </a:r>
+            <a:r>
+              <a:rPr lang="zh-CN" altLang="en-US" sz="1100" dirty="0"/>
+              <a:t>得到 </a:t>
+            </a:r>
+            <a:r>
+              <a:rPr lang="en-US" altLang="zh-CN" sz="1100" dirty="0"/>
+              <a:t>Hybrid Attention U-Net(HA-</a:t>
+            </a:r>
+            <a:r>
+              <a:rPr lang="en-US" altLang="zh-CN" sz="1100" dirty="0" err="1"/>
+              <a:t>UNet</a:t>
+            </a:r>
+            <a:r>
+              <a:rPr lang="en-US" altLang="zh-CN" sz="1100" dirty="0"/>
+              <a:t>),</a:t>
+            </a:r>
+            <a:r>
+              <a:rPr lang="zh-CN" altLang="en-US" sz="1100" dirty="0"/>
+              <a:t>。对</a:t>
+            </a:r>
+            <a:r>
+              <a:rPr lang="en-US" altLang="zh-CN" sz="1100" dirty="0"/>
+              <a:t>U-Net</a:t>
+            </a:r>
+            <a:r>
+              <a:rPr lang="zh-CN" altLang="en-US" sz="1100" dirty="0"/>
+              <a:t>的改进主要通过引入卷积块注意力模块、残差连接、以及金字塔池化模块这三种模块来实现。这些改进旨在增强网络的特征提取能力、提高训练的稳定性</a:t>
+            </a:r>
+            <a:r>
+              <a:rPr lang="en-US" altLang="zh-CN" sz="1100" dirty="0"/>
+              <a:t>,</a:t>
+            </a:r>
+            <a:r>
+              <a:rPr lang="zh-CN" altLang="en-US" sz="1100" dirty="0"/>
+              <a:t>并提升对多尺度信息的捕捉能力</a:t>
+            </a:r>
+            <a:r>
+              <a:rPr lang="en-US" altLang="zh-CN" sz="1100" dirty="0"/>
+              <a:t>,</a:t>
+            </a:r>
+            <a:r>
+              <a:rPr lang="zh-CN" altLang="en-US" sz="1100" dirty="0"/>
+              <a:t>从而提升</a:t>
+            </a:r>
+            <a:r>
+              <a:rPr lang="en-US" altLang="zh-CN" sz="1100" dirty="0" err="1"/>
+              <a:t>UNet</a:t>
+            </a:r>
+            <a:r>
+              <a:rPr lang="zh-CN" altLang="en-US" sz="1100" dirty="0"/>
+              <a:t>在无镜头图像重建任务中的整体表现。卷积块注意力模块被嵌入到了</a:t>
+            </a:r>
+            <a:r>
+              <a:rPr lang="en-US" altLang="zh-CN" sz="1100" dirty="0"/>
+              <a:t>U-Net</a:t>
+            </a:r>
+            <a:r>
+              <a:rPr lang="zh-CN" altLang="en-US" sz="1100" dirty="0"/>
+              <a:t>的跳跃连接路径中</a:t>
+            </a:r>
+            <a:r>
+              <a:rPr lang="en-US" altLang="zh-CN" sz="1100" dirty="0"/>
+              <a:t>,</a:t>
+            </a:r>
+            <a:r>
+              <a:rPr lang="zh-CN" altLang="en-US" sz="1100" dirty="0"/>
+              <a:t>使得网络能够更加聚焦于图像中的重要特征区域。残差连接被引入到</a:t>
+            </a:r>
+            <a:r>
+              <a:rPr lang="en-US" altLang="zh-CN" sz="1100" dirty="0"/>
+              <a:t>U-Net</a:t>
+            </a:r>
+            <a:r>
+              <a:rPr lang="zh-CN" altLang="en-US" sz="1100" dirty="0"/>
+              <a:t>的编码器和解码器模块中</a:t>
+            </a:r>
+            <a:r>
+              <a:rPr lang="en-US" altLang="zh-CN" sz="1100" dirty="0"/>
+              <a:t>,</a:t>
+            </a:r>
+            <a:r>
+              <a:rPr lang="zh-CN" altLang="en-US" sz="1100" dirty="0"/>
+              <a:t>以增强梯度的传播能力。最后</a:t>
+            </a:r>
+            <a:r>
+              <a:rPr lang="en-US" altLang="zh-CN" sz="1100" dirty="0"/>
+              <a:t>,</a:t>
+            </a:r>
+            <a:r>
+              <a:rPr lang="zh-CN" altLang="en-US" sz="1100" dirty="0"/>
+              <a:t>金字塔池化模块被集成到</a:t>
+            </a:r>
+            <a:r>
+              <a:rPr lang="en-US" altLang="zh-CN" sz="1100" dirty="0"/>
+              <a:t>U-Net</a:t>
+            </a:r>
+            <a:r>
+              <a:rPr lang="zh-CN" altLang="en-US" sz="1100" dirty="0"/>
+              <a:t>的编码器与解码器之间的桥接层中</a:t>
+            </a:r>
+            <a:r>
+              <a:rPr lang="en-US" altLang="zh-CN" sz="1100" dirty="0"/>
+              <a:t>,  </a:t>
+            </a:r>
+            <a:r>
+              <a:rPr lang="zh-CN" altLang="en-US" sz="1100" dirty="0"/>
+              <a:t>用以增强网络对多尺度信息的捕捉能力。</a:t>
+            </a:r>
+          </a:p>
+          <a:p>
+            <a:r>
+              <a:rPr lang="zh-CN" altLang="en-US" sz="1100" dirty="0"/>
+              <a:t>另一方面</a:t>
+            </a:r>
+            <a:r>
+              <a:rPr lang="en-US" altLang="zh-CN" sz="1100" dirty="0"/>
+              <a:t>,</a:t>
+            </a:r>
+            <a:r>
+              <a:rPr lang="zh-CN" altLang="en-US" sz="1100" dirty="0"/>
+              <a:t>文章将改进后的卷积神经网络模型与生成对抗网络架构的</a:t>
+            </a:r>
+            <a:r>
+              <a:rPr lang="en-US" altLang="zh-CN" sz="1100" dirty="0"/>
+              <a:t>Pix2pix</a:t>
+            </a:r>
+            <a:r>
+              <a:rPr lang="zh-CN" altLang="en-US" sz="1100" dirty="0"/>
+              <a:t>模型相结合</a:t>
+            </a:r>
+            <a:r>
+              <a:rPr lang="en-US" altLang="zh-CN" sz="1100" dirty="0"/>
+              <a:t>,</a:t>
+            </a:r>
+            <a:r>
+              <a:rPr lang="zh-CN" altLang="en-US" sz="1100" dirty="0"/>
+              <a:t>探索通过对抗学习机制进一步提升重建图像的真实感和细节表现。在这一框架中</a:t>
+            </a:r>
+            <a:r>
+              <a:rPr lang="en-US" altLang="zh-CN" sz="1100" dirty="0"/>
+              <a:t>,</a:t>
+            </a:r>
+            <a:r>
+              <a:rPr lang="zh-CN" altLang="en-US" sz="1100" dirty="0"/>
+              <a:t>改进的卷积神经网络作为生成器</a:t>
+            </a:r>
+            <a:r>
+              <a:rPr lang="en-US" altLang="zh-CN" sz="1100" dirty="0"/>
+              <a:t>,</a:t>
+            </a:r>
+            <a:r>
+              <a:rPr lang="zh-CN" altLang="en-US" sz="1100" dirty="0"/>
+              <a:t>通过与判别器的对抗学习</a:t>
+            </a:r>
+            <a:r>
+              <a:rPr lang="en-US" altLang="zh-CN" sz="1100" dirty="0"/>
+              <a:t>,</a:t>
+            </a:r>
+            <a:r>
+              <a:rPr lang="zh-CN" altLang="en-US" sz="1100" dirty="0"/>
+              <a:t>使得重建图像在视觉质量上得到了显著提升</a:t>
+            </a:r>
+            <a:r>
+              <a:rPr lang="en-US" altLang="zh-CN" sz="1100" dirty="0"/>
+              <a:t>,  </a:t>
+            </a:r>
+            <a:r>
+              <a:rPr lang="zh-CN" altLang="en-US" sz="1100" dirty="0"/>
+              <a:t>无论是主观评价还是客观评价指标都表现出更优的结果。</a:t>
+            </a:r>
+            <a:endParaRPr lang="en-US" altLang="zh-CN" sz="1100" dirty="0"/>
+          </a:p>
+          <a:p>
+            <a:r>
+              <a:rPr lang="en-US" altLang="zh-CN" sz="1100" dirty="0"/>
+              <a:t>Pix2pix</a:t>
+            </a:r>
+            <a:r>
+              <a:rPr lang="zh-CN" altLang="en-US" sz="1100" dirty="0"/>
+              <a:t>模型</a:t>
+            </a:r>
+            <a:r>
+              <a:rPr lang="en-US" altLang="zh-CN" sz="1100" dirty="0"/>
+              <a:t>:Pix2pix</a:t>
+            </a:r>
+            <a:r>
+              <a:rPr lang="zh-CN" altLang="en-US" sz="1100" dirty="0"/>
+              <a:t>是一种基于生成对抗网络</a:t>
+            </a:r>
+            <a:r>
+              <a:rPr lang="en-US" altLang="zh-CN" sz="1100" dirty="0"/>
+              <a:t>(GAN)</a:t>
+            </a:r>
+            <a:r>
+              <a:rPr lang="zh-CN" altLang="en-US" sz="1100" dirty="0"/>
+              <a:t>的图像转换模型</a:t>
+            </a:r>
+            <a:r>
+              <a:rPr lang="en-US" altLang="zh-CN" sz="1100" dirty="0"/>
+              <a:t>,</a:t>
+            </a:r>
+            <a:r>
+              <a:rPr lang="zh-CN" altLang="en-US" sz="1100" dirty="0"/>
+              <a:t>由 </a:t>
+            </a:r>
+            <a:r>
+              <a:rPr lang="en-US" altLang="zh-CN" sz="1100" dirty="0"/>
+              <a:t>Phillip Isola </a:t>
+            </a:r>
+            <a:r>
+              <a:rPr lang="zh-CN" altLang="en-US" sz="1100" dirty="0"/>
+              <a:t>等于</a:t>
+            </a:r>
+            <a:r>
+              <a:rPr lang="en-US" altLang="zh-CN" sz="1100" dirty="0"/>
+              <a:t>2016</a:t>
+            </a:r>
+            <a:r>
+              <a:rPr lang="zh-CN" altLang="en-US" sz="1100" dirty="0"/>
+              <a:t>年提出</a:t>
+            </a:r>
+            <a:r>
+              <a:rPr lang="en-US" altLang="zh-CN" sz="1100" dirty="0"/>
+              <a:t>,</a:t>
+            </a:r>
+            <a:r>
+              <a:rPr lang="zh-CN" altLang="en-US" sz="1100" dirty="0"/>
+              <a:t>主要用于将输入图像端到端的转换为相应的输出图像。与传统的 </a:t>
+            </a:r>
+            <a:r>
+              <a:rPr lang="en-US" altLang="zh-CN" sz="1100" dirty="0"/>
+              <a:t>GAN </a:t>
+            </a:r>
+            <a:r>
+              <a:rPr lang="zh-CN" altLang="en-US" sz="1100" dirty="0"/>
+              <a:t>不同</a:t>
+            </a:r>
+            <a:r>
+              <a:rPr lang="en-US" altLang="zh-CN" sz="1100" dirty="0"/>
+              <a:t>,Pix2pix </a:t>
+            </a:r>
+            <a:r>
+              <a:rPr lang="zh-CN" altLang="en-US" sz="1100" dirty="0"/>
+              <a:t>在生成器和判别器之间加入了条件信息</a:t>
+            </a:r>
+            <a:r>
+              <a:rPr lang="en-US" altLang="zh-CN" sz="1100" dirty="0"/>
+              <a:t>,</a:t>
+            </a:r>
+            <a:r>
+              <a:rPr lang="zh-CN" altLang="en-US" sz="1100" dirty="0"/>
+              <a:t>使得生成器能够根据输入图像生成相应的输出图像。</a:t>
+            </a:r>
+            <a:r>
+              <a:rPr lang="en-US" altLang="zh-CN" sz="1100" dirty="0"/>
               <a:t>Pix2pix </a:t>
             </a:r>
             <a:r>
-              <a:rPr lang="zh-CN" altLang="en-US" sz="2400" dirty="0"/>
-              <a:t>模型和改进 </a:t>
-            </a:r>
-            <a:r>
-              <a:rPr lang="en-US" altLang="zh-CN" sz="2400" dirty="0"/>
-              <a:t>U-Net </a:t>
-            </a:r>
-            <a:r>
-              <a:rPr lang="zh-CN" altLang="en-US" sz="2400" dirty="0"/>
-              <a:t>的无镜头图像重建实验</a:t>
-            </a:r>
-            <a:br>
-              <a:rPr lang="en-US" altLang="zh-CN" sz="2400" dirty="0"/>
-            </a:br>
-            <a:endParaRPr lang="zh-CN" altLang="en-US" sz="2400" dirty="0"/>
-          </a:p>
-        </p:txBody>
-      </p:sp>
-      <p:sp>
-        <p:nvSpPr>
-          <p:cNvPr id="3" name="内容占位符 2">
-            <a:extLst>
-              <a:ext uri="{FF2B5EF4-FFF2-40B4-BE49-F238E27FC236}">
-                <a16:creationId xmlns:a16="http://schemas.microsoft.com/office/drawing/2014/main" id="{919ED9E9-EC83-4982-9D62-55A1B0AEBA41}"/>
-              </a:ext>
-            </a:extLst>
-          </p:cNvPr>
-          <p:cNvSpPr>
-            <a:spLocks noGrp="1"/>
-          </p:cNvSpPr>
-          <p:nvPr>
-            <p:ph idx="1"/>
-          </p:nvPr>
-        </p:nvSpPr>
-        <p:spPr/>
-        <p:txBody>
-          <a:bodyPr>
-            <a:normAutofit/>
-          </a:bodyPr>
-          <a:lstStyle/>
-          <a:p>
-            <a:r>
-              <a:rPr lang="zh-CN" altLang="en-US" dirty="0"/>
-              <a:t>实验数据集</a:t>
-            </a:r>
-            <a:endParaRPr lang="en-US" altLang="zh-CN" dirty="0"/>
-          </a:p>
-          <a:p>
-            <a:r>
-              <a:rPr lang="zh-CN" altLang="en-US" dirty="0"/>
-              <a:t>消融实验结果和分析</a:t>
-            </a:r>
-            <a:endParaRPr lang="en-US" altLang="zh-CN" dirty="0"/>
-          </a:p>
-          <a:p>
-            <a:r>
-              <a:rPr lang="zh-CN" altLang="en-US" dirty="0"/>
-              <a:t>对比实验结果和分析</a:t>
-            </a:r>
-            <a:endParaRPr lang="en-US" altLang="zh-CN" dirty="0"/>
+              <a:rPr lang="zh-CN" altLang="en-US" sz="1100" dirty="0"/>
+              <a:t>的训练过程同样也是一个交替的优化过程</a:t>
+            </a:r>
+            <a:r>
+              <a:rPr lang="en-US" altLang="zh-CN" sz="1100" dirty="0"/>
+              <a:t>,</a:t>
+            </a:r>
+            <a:r>
+              <a:rPr lang="zh-CN" altLang="en-US" sz="1100" dirty="0"/>
+              <a:t>每一轮中</a:t>
+            </a:r>
+            <a:r>
+              <a:rPr lang="en-US" altLang="zh-CN" sz="1100" dirty="0"/>
+              <a:t>,</a:t>
+            </a:r>
+            <a:r>
+              <a:rPr lang="zh-CN" altLang="en-US" sz="1100" dirty="0"/>
+              <a:t>首先训练判别器</a:t>
+            </a:r>
+            <a:r>
+              <a:rPr lang="en-US" altLang="zh-CN" sz="1100" dirty="0"/>
+              <a:t>,</a:t>
+            </a:r>
+            <a:r>
+              <a:rPr lang="zh-CN" altLang="en-US" sz="1100" dirty="0"/>
+              <a:t>然后将其参数固定</a:t>
+            </a:r>
+            <a:r>
+              <a:rPr lang="en-US" altLang="zh-CN" sz="1100" dirty="0"/>
+              <a:t>,</a:t>
+            </a:r>
+            <a:r>
+              <a:rPr lang="zh-CN" altLang="en-US" sz="1100" dirty="0"/>
+              <a:t>再进行生成器的训练。通过这种交替训练的方式</a:t>
+            </a:r>
+            <a:r>
+              <a:rPr lang="en-US" altLang="zh-CN" sz="1100" dirty="0"/>
+              <a:t>,</a:t>
+            </a:r>
+            <a:r>
+              <a:rPr lang="zh-CN" altLang="en-US" sz="1100" dirty="0"/>
+              <a:t>生成器和判别器的性能可以不断提升</a:t>
+            </a:r>
+            <a:r>
+              <a:rPr lang="en-US" altLang="zh-CN" sz="1100" dirty="0"/>
+              <a:t>,</a:t>
+            </a:r>
+            <a:r>
+              <a:rPr lang="zh-CN" altLang="en-US" sz="1100" dirty="0"/>
+              <a:t>最终达到一种平衡状态。</a:t>
+            </a:r>
+            <a:endParaRPr lang="en-US" altLang="zh-CN" sz="1100" dirty="0"/>
+          </a:p>
+          <a:p>
+            <a:endParaRPr lang="zh-CN" altLang="en-US" sz="1100" dirty="0"/>
           </a:p>
         </p:txBody>
       </p:sp>
       <p:pic>
         <p:nvPicPr>
-          <p:cNvPr id="4" name="图片 3">
-            <a:extLst>
-              <a:ext uri="{FF2B5EF4-FFF2-40B4-BE49-F238E27FC236}">
-                <a16:creationId xmlns:a16="http://schemas.microsoft.com/office/drawing/2014/main" id="{2F83744C-BD61-4CE7-9D5A-29CF9BAF3A7B}"/>
+          <p:cNvPr id="5" name="图片 4">
+            <a:extLst>
+              <a:ext uri="{FF2B5EF4-FFF2-40B4-BE49-F238E27FC236}">
+                <a16:creationId xmlns:a16="http://schemas.microsoft.com/office/drawing/2014/main" id="{397AD2DD-DCED-44D8-973A-4EE628EEE33A}"/>
               </a:ext>
             </a:extLst>
           </p:cNvPr>
@@ -6096,20 +9113,58 @@
         </p:blipFill>
         <p:spPr>
           <a:xfrm>
-            <a:off x="8487329" y="3181611"/>
-            <a:ext cx="3664295" cy="4014592"/>
+            <a:off x="6807896" y="3855358"/>
+            <a:ext cx="4545904" cy="2388868"/>
           </a:xfrm>
           <a:prstGeom prst="rect">
             <a:avLst/>
           </a:prstGeom>
         </p:spPr>
       </p:pic>
+      <p:sp>
+        <p:nvSpPr>
+          <p:cNvPr id="7" name="文本框 6">
+            <a:extLst>
+              <a:ext uri="{FF2B5EF4-FFF2-40B4-BE49-F238E27FC236}">
+                <a16:creationId xmlns:a16="http://schemas.microsoft.com/office/drawing/2014/main" id="{D7C9119B-4ED6-4B76-865F-4585F7596A25}"/>
+              </a:ext>
+            </a:extLst>
+          </p:cNvPr>
+          <p:cNvSpPr txBox="1"/>
+          <p:nvPr/>
+        </p:nvSpPr>
+        <p:spPr>
+          <a:xfrm>
+            <a:off x="1006779" y="557501"/>
+            <a:ext cx="6097044" cy="461665"/>
+          </a:xfrm>
+          <a:prstGeom prst="rect">
+            <a:avLst/>
+          </a:prstGeom>
+          <a:noFill/>
+        </p:spPr>
+        <p:txBody>
+          <a:bodyPr wrap="square">
+            <a:spAutoFit/>
+          </a:bodyPr>
+          <a:lstStyle/>
+          <a:p>
+            <a:r>
+              <a:rPr lang="zh-CN" altLang="en-US" sz="2400" dirty="0">
+                <a:latin typeface="+mj-ea"/>
+                <a:ea typeface="+mj-ea"/>
+              </a:rPr>
+              <a:t>基于生成对抗网络的无镜头图像重建方法</a:t>
+            </a:r>
+          </a:p>
+        </p:txBody>
+      </p:sp>
       <p:pic>
         <p:nvPicPr>
-          <p:cNvPr id="5" name="图片 4">
-            <a:extLst>
-              <a:ext uri="{FF2B5EF4-FFF2-40B4-BE49-F238E27FC236}">
-                <a16:creationId xmlns:a16="http://schemas.microsoft.com/office/drawing/2014/main" id="{1D17D8D4-BFFF-40D3-847B-99EA089E84AB}"/>
+          <p:cNvPr id="9" name="图片 8">
+            <a:extLst>
+              <a:ext uri="{FF2B5EF4-FFF2-40B4-BE49-F238E27FC236}">
+                <a16:creationId xmlns:a16="http://schemas.microsoft.com/office/drawing/2014/main" id="{26CF20A8-D9DB-4C99-B35B-1B54CE5FB8E8}"/>
               </a:ext>
             </a:extLst>
           </p:cNvPr>
@@ -6126,38 +9181,8 @@
         </p:blipFill>
         <p:spPr>
           <a:xfrm>
-            <a:off x="5008392" y="2972920"/>
-            <a:ext cx="3322649" cy="2979519"/>
-          </a:xfrm>
-          <a:prstGeom prst="rect">
-            <a:avLst/>
-          </a:prstGeom>
-        </p:spPr>
-      </p:pic>
-      <p:pic>
-        <p:nvPicPr>
-          <p:cNvPr id="6" name="图片 5">
-            <a:extLst>
-              <a:ext uri="{FF2B5EF4-FFF2-40B4-BE49-F238E27FC236}">
-                <a16:creationId xmlns:a16="http://schemas.microsoft.com/office/drawing/2014/main" id="{E786EA53-802D-400F-B9BF-055D6605C4F5}"/>
-              </a:ext>
-            </a:extLst>
-          </p:cNvPr>
-          <p:cNvPicPr>
-            <a:picLocks noChangeAspect="1"/>
-          </p:cNvPicPr>
-          <p:nvPr/>
-        </p:nvPicPr>
-        <p:blipFill>
-          <a:blip r:embed="rId4"/>
-          <a:stretch>
-            <a:fillRect/>
-          </a:stretch>
-        </p:blipFill>
-        <p:spPr>
-          <a:xfrm>
-            <a:off x="489644" y="3503296"/>
-            <a:ext cx="3992911" cy="2673667"/>
+            <a:off x="1391538" y="4026884"/>
+            <a:ext cx="4063546" cy="2110869"/>
           </a:xfrm>
           <a:prstGeom prst="rect">
             <a:avLst/>
@@ -6167,7 +9192,7 @@
     </p:spTree>
     <p:extLst>
       <p:ext uri="{BB962C8B-B14F-4D97-AF65-F5344CB8AC3E}">
-        <p14:creationId xmlns:p14="http://schemas.microsoft.com/office/powerpoint/2010/main" val="2097598288"/>
+        <p14:creationId xmlns:p14="http://schemas.microsoft.com/office/powerpoint/2010/main" val="551011375"/>
       </p:ext>
     </p:extLst>
   </p:cSld>
@@ -6199,7 +9224,7 @@
           <p:cNvPr id="2" name="标题 1">
             <a:extLst>
               <a:ext uri="{FF2B5EF4-FFF2-40B4-BE49-F238E27FC236}">
-                <a16:creationId xmlns:a16="http://schemas.microsoft.com/office/drawing/2014/main" id="{71870F31-3DD1-4333-B5BA-B3C36E091DAF}"/>
+                <a16:creationId xmlns:a16="http://schemas.microsoft.com/office/drawing/2014/main" id="{4DF5468F-1031-4F81-957F-469410FE0833}"/>
               </a:ext>
             </a:extLst>
           </p:cNvPr>
@@ -6213,7 +9238,7 @@
         <p:spPr>
           <a:xfrm>
             <a:off x="838200" y="365125"/>
-            <a:ext cx="10515600" cy="806059"/>
+            <a:ext cx="10515600" cy="831111"/>
           </a:xfrm>
         </p:spPr>
         <p:txBody>
@@ -6224,15 +9249,23 @@
           <a:p>
             <a:r>
               <a:rPr lang="zh-CN" altLang="en-US" sz="2400" dirty="0"/>
-              <a:t>创新点</a:t>
+              <a:t>基于</a:t>
             </a:r>
             <a:r>
               <a:rPr lang="en-US" altLang="zh-CN" sz="2400" dirty="0"/>
-              <a:t>3</a:t>
+              <a:t>Pix2pix</a:t>
             </a:r>
             <a:r>
               <a:rPr lang="zh-CN" altLang="en-US" sz="2400" dirty="0"/>
-              <a:t>：基于深度强化学习的无镜头图像重建模型优化方法</a:t>
+              <a:t>模型和改进</a:t>
+            </a:r>
+            <a:r>
+              <a:rPr lang="en-US" altLang="zh-CN" sz="2400" dirty="0"/>
+              <a:t>U-Net</a:t>
+            </a:r>
+            <a:r>
+              <a:rPr lang="zh-CN" altLang="en-US" sz="2400" dirty="0"/>
+              <a:t>的无镜头图像重建实验</a:t>
             </a:r>
           </a:p>
         </p:txBody>
@@ -6242,7 +9275,7 @@
           <p:cNvPr id="3" name="内容占位符 2">
             <a:extLst>
               <a:ext uri="{FF2B5EF4-FFF2-40B4-BE49-F238E27FC236}">
-                <a16:creationId xmlns:a16="http://schemas.microsoft.com/office/drawing/2014/main" id="{2E1BC2AD-89AD-448C-98B5-3785619574F8}"/>
+                <a16:creationId xmlns:a16="http://schemas.microsoft.com/office/drawing/2014/main" id="{919ED9E9-EC83-4982-9D62-55A1B0AEBA41}"/>
               </a:ext>
             </a:extLst>
           </p:cNvPr>
@@ -6253,68 +9286,333 @@
             <p:ph idx="1"/>
           </p:nvPr>
         </p:nvSpPr>
-        <p:spPr/>
+        <p:spPr>
+          <a:xfrm>
+            <a:off x="838200" y="1196236"/>
+            <a:ext cx="10515600" cy="4980727"/>
+          </a:xfrm>
+        </p:spPr>
         <p:txBody>
           <a:bodyPr>
             <a:normAutofit/>
           </a:bodyPr>
           <a:lstStyle/>
           <a:p>
-            <a:r>
-              <a:rPr lang="zh-CN" altLang="en-US" sz="1100" dirty="0"/>
-              <a:t>问题</a:t>
+            <a:pPr>
+              <a:lnSpc>
+                <a:spcPct val="125000"/>
+              </a:lnSpc>
+            </a:pPr>
+            <a:r>
+              <a:rPr lang="zh-CN" altLang="en-US" sz="1100" dirty="0"/>
+              <a:t>实验数据集：实验所用数据集包括基于本文搭建的无镜头成像系统拍摄的数据集以及来自美国莱斯大学的公开的无镜头人脸图像数据集</a:t>
+            </a:r>
+            <a:r>
+              <a:rPr lang="en-US" altLang="zh-CN" sz="1100" dirty="0"/>
+              <a:t>FCFD</a:t>
+            </a:r>
+            <a:r>
+              <a:rPr lang="zh-CN" altLang="en-US" sz="1100" dirty="0"/>
+              <a:t>，也是首个专门为无镜头成像技术拍摄的人脸数据集。</a:t>
             </a:r>
             <a:endParaRPr lang="en-US" altLang="zh-CN" sz="1100" dirty="0"/>
           </a:p>
           <a:p>
-            <a:r>
-              <a:rPr lang="zh-CN" altLang="en-US" sz="1100" dirty="0"/>
-              <a:t>引言</a:t>
+            <a:pPr>
+              <a:lnSpc>
+                <a:spcPct val="125000"/>
+              </a:lnSpc>
+            </a:pPr>
+            <a:r>
+              <a:rPr lang="zh-CN" altLang="en-US" sz="1100" dirty="0"/>
+              <a:t>实验结果和分析：</a:t>
             </a:r>
             <a:endParaRPr lang="en-US" altLang="zh-CN" sz="1100" dirty="0"/>
           </a:p>
           <a:p>
-            <a:r>
-              <a:rPr lang="zh-CN" altLang="en-US" sz="1100" dirty="0"/>
-              <a:t>马尔科夫决策模型（</a:t>
-            </a:r>
-            <a:r>
-              <a:rPr lang="en-US" altLang="zh-CN" sz="1100" dirty="0"/>
-              <a:t>MDP</a:t>
-            </a:r>
-            <a:r>
-              <a:rPr lang="zh-CN" altLang="en-US" sz="1100" dirty="0"/>
-              <a:t>）</a:t>
+            <a:pPr>
+              <a:lnSpc>
+                <a:spcPct val="125000"/>
+              </a:lnSpc>
+            </a:pPr>
+            <a:r>
+              <a:rPr lang="zh-CN" altLang="en-US" sz="1100" dirty="0"/>
+              <a:t>消融实验结果清晰地展示了各个模块对整体重建方法性能的贡献</a:t>
+            </a:r>
+            <a:r>
+              <a:rPr lang="en-US" altLang="zh-CN" sz="1100" dirty="0"/>
+              <a:t>,  </a:t>
+            </a:r>
+            <a:r>
+              <a:rPr lang="zh-CN" altLang="en-US" sz="1100" dirty="0"/>
+              <a:t>验证了本文提出的改进方法的有效性。</a:t>
             </a:r>
             <a:endParaRPr lang="en-US" altLang="zh-CN" sz="1100" dirty="0"/>
           </a:p>
           <a:p>
-            <a:r>
-              <a:rPr lang="zh-CN" altLang="en-US" sz="1100" dirty="0"/>
-              <a:t>强化学习方法</a:t>
+            <a:pPr>
+              <a:lnSpc>
+                <a:spcPct val="125000"/>
+              </a:lnSpc>
+            </a:pPr>
+            <a:r>
+              <a:rPr lang="zh-CN" altLang="en-US" sz="1100" dirty="0"/>
+              <a:t>对比实验在相同数据集和硬件环境下与无镜头领域流行的多种图像重建方法进行对比，对比方法包括</a:t>
+            </a:r>
+            <a:r>
+              <a:rPr lang="en-US" altLang="zh-CN" sz="1100" dirty="0"/>
+              <a:t>Tikhonov </a:t>
+            </a:r>
+            <a:r>
+              <a:rPr lang="zh-CN" altLang="en-US" sz="1100" dirty="0"/>
+              <a:t>正则化、</a:t>
+            </a:r>
+            <a:r>
+              <a:rPr lang="en-US" altLang="zh-CN" sz="1100" dirty="0" err="1"/>
+              <a:t>FlatNet</a:t>
+            </a:r>
+            <a:r>
+              <a:rPr lang="zh-CN" altLang="en-US" sz="1100" dirty="0"/>
+              <a:t>、</a:t>
+            </a:r>
+            <a:r>
+              <a:rPr lang="en-US" altLang="zh-CN" sz="1100" dirty="0" err="1"/>
+              <a:t>UNetFC</a:t>
+            </a:r>
+            <a:r>
+              <a:rPr lang="zh-CN" altLang="en-US" sz="1100" dirty="0"/>
+              <a:t>。</a:t>
             </a:r>
             <a:endParaRPr lang="en-US" altLang="zh-CN" sz="1100" dirty="0"/>
           </a:p>
           <a:p>
-            <a:r>
-              <a:rPr lang="zh-CN" altLang="en-US" sz="1100" dirty="0"/>
-              <a:t>策略优化算法</a:t>
+            <a:pPr>
+              <a:lnSpc>
+                <a:spcPct val="125000"/>
+              </a:lnSpc>
+            </a:pPr>
+            <a:r>
+              <a:rPr lang="zh-CN" altLang="en-US" sz="1100" dirty="0"/>
+              <a:t>对比实验展示了文章提出的</a:t>
+            </a:r>
+            <a:r>
+              <a:rPr lang="en-US" altLang="zh-CN" sz="1100" dirty="0"/>
+              <a:t>Pix2pix-UNet</a:t>
+            </a:r>
+            <a:r>
+              <a:rPr lang="zh-CN" altLang="en-US" sz="1100" dirty="0"/>
+              <a:t>方法与其他方法相比之下表现优秀</a:t>
+            </a:r>
+            <a:r>
+              <a:rPr lang="en-US" altLang="zh-CN" sz="1100" dirty="0"/>
+              <a:t>,</a:t>
+            </a:r>
+            <a:r>
+              <a:rPr lang="zh-CN" altLang="en-US" sz="1100" dirty="0"/>
+              <a:t>重建图像细节丰富</a:t>
+            </a:r>
+            <a:r>
+              <a:rPr lang="en-US" altLang="zh-CN" sz="1100" dirty="0"/>
+              <a:t>,</a:t>
+            </a:r>
+            <a:r>
+              <a:rPr lang="zh-CN" altLang="en-US" sz="1100" dirty="0"/>
+              <a:t>边缘清晰</a:t>
+            </a:r>
+            <a:r>
+              <a:rPr lang="en-US" altLang="zh-CN" sz="1100" dirty="0"/>
+              <a:t>,</a:t>
+            </a:r>
+            <a:r>
+              <a:rPr lang="zh-CN" altLang="en-US" sz="1100" dirty="0"/>
+              <a:t>整体视觉效果更加接近真实场景。</a:t>
+            </a:r>
+            <a:r>
+              <a:rPr lang="en-US" altLang="zh-CN" sz="1100" dirty="0"/>
+              <a:t>Pix2pix-UNet</a:t>
+            </a:r>
+            <a:r>
+              <a:rPr lang="zh-CN" altLang="en-US" sz="1100" dirty="0"/>
+              <a:t>方法的重建图像相较其他方法细节更加清晰</a:t>
+            </a:r>
+            <a:r>
+              <a:rPr lang="en-US" altLang="zh-CN" sz="1100" dirty="0"/>
+              <a:t>,</a:t>
+            </a:r>
+            <a:r>
+              <a:rPr lang="zh-CN" altLang="en-US" sz="1100" dirty="0"/>
+              <a:t>边缘更为锐利</a:t>
+            </a:r>
+            <a:r>
+              <a:rPr lang="en-US" altLang="zh-CN" sz="1100" dirty="0"/>
+              <a:t>,</a:t>
+            </a:r>
+            <a:r>
+              <a:rPr lang="zh-CN" altLang="en-US" sz="1100" dirty="0"/>
+              <a:t>且在复杂场景下也能有效保留原始图像中的细微特征。并且</a:t>
+            </a:r>
+            <a:r>
+              <a:rPr lang="en-US" altLang="zh-CN" sz="1100" dirty="0"/>
+              <a:t>Pix2pix-UNet</a:t>
+            </a:r>
+            <a:r>
+              <a:rPr lang="zh-CN" altLang="en-US" sz="1100" dirty="0"/>
+              <a:t>方法的重建图像在视觉感知上明显更接近真实场景</a:t>
+            </a:r>
+            <a:r>
+              <a:rPr lang="en-US" altLang="zh-CN" sz="1100" dirty="0"/>
+              <a:t>,</a:t>
+            </a:r>
+            <a:r>
+              <a:rPr lang="zh-CN" altLang="en-US" sz="1100" dirty="0"/>
+              <a:t>基本避免了传统方法容易出现的模糊和失真问题。同时</a:t>
+            </a:r>
+            <a:r>
+              <a:rPr lang="en-US" altLang="zh-CN" sz="1100" dirty="0"/>
+              <a:t>,Pix2pix-UNet </a:t>
+            </a:r>
+            <a:r>
+              <a:rPr lang="zh-CN" altLang="en-US" sz="1100" dirty="0"/>
+              <a:t>方法的重建图像能够在图像的纹理和全局一致性上取得更好的平衡。</a:t>
             </a:r>
             <a:endParaRPr lang="en-US" altLang="zh-CN" sz="1100" dirty="0"/>
           </a:p>
-          <a:p>
-            <a:r>
-              <a:rPr lang="en-US" altLang="zh-CN" sz="1100" dirty="0"/>
-              <a:t>DQN</a:t>
-            </a:r>
-            <a:endParaRPr lang="zh-CN" altLang="en-US" sz="1100" dirty="0"/>
+        </p:txBody>
+      </p:sp>
+      <p:pic>
+        <p:nvPicPr>
+          <p:cNvPr id="8" name="图片 7">
+            <a:extLst>
+              <a:ext uri="{FF2B5EF4-FFF2-40B4-BE49-F238E27FC236}">
+                <a16:creationId xmlns:a16="http://schemas.microsoft.com/office/drawing/2014/main" id="{B2E3E35D-39FF-4D3E-9815-C96F626549FD}"/>
+              </a:ext>
+            </a:extLst>
+          </p:cNvPr>
+          <p:cNvPicPr>
+            <a:picLocks noChangeAspect="1"/>
+          </p:cNvPicPr>
+          <p:nvPr/>
+        </p:nvPicPr>
+        <p:blipFill>
+          <a:blip r:embed="rId2"/>
+          <a:stretch>
+            <a:fillRect/>
+          </a:stretch>
+        </p:blipFill>
+        <p:spPr>
+          <a:xfrm>
+            <a:off x="923414" y="3735626"/>
+            <a:ext cx="4531672" cy="2310162"/>
+          </a:xfrm>
+          <a:prstGeom prst="rect">
+            <a:avLst/>
+          </a:prstGeom>
+        </p:spPr>
+      </p:pic>
+      <p:pic>
+        <p:nvPicPr>
+          <p:cNvPr id="10" name="图片 9">
+            <a:extLst>
+              <a:ext uri="{FF2B5EF4-FFF2-40B4-BE49-F238E27FC236}">
+                <a16:creationId xmlns:a16="http://schemas.microsoft.com/office/drawing/2014/main" id="{82900C04-A10A-4FAD-BC32-783C6FF23B4C}"/>
+              </a:ext>
+            </a:extLst>
+          </p:cNvPr>
+          <p:cNvPicPr>
+            <a:picLocks noChangeAspect="1"/>
+          </p:cNvPicPr>
+          <p:nvPr/>
+        </p:nvPicPr>
+        <p:blipFill>
+          <a:blip r:embed="rId3"/>
+          <a:stretch>
+            <a:fillRect/>
+          </a:stretch>
+        </p:blipFill>
+        <p:spPr>
+          <a:xfrm>
+            <a:off x="6169068" y="3735626"/>
+            <a:ext cx="4723737" cy="2257422"/>
+          </a:xfrm>
+          <a:prstGeom prst="rect">
+            <a:avLst/>
+          </a:prstGeom>
+        </p:spPr>
+      </p:pic>
+      <p:sp>
+        <p:nvSpPr>
+          <p:cNvPr id="12" name="文本框 11">
+            <a:extLst>
+              <a:ext uri="{FF2B5EF4-FFF2-40B4-BE49-F238E27FC236}">
+                <a16:creationId xmlns:a16="http://schemas.microsoft.com/office/drawing/2014/main" id="{0BADF9ED-BE97-4284-8F63-80AE8DFCFA13}"/>
+              </a:ext>
+            </a:extLst>
+          </p:cNvPr>
+          <p:cNvSpPr txBox="1"/>
+          <p:nvPr/>
+        </p:nvSpPr>
+        <p:spPr>
+          <a:xfrm>
+            <a:off x="2628900" y="6111746"/>
+            <a:ext cx="1247906" cy="261610"/>
+          </a:xfrm>
+          <a:prstGeom prst="rect">
+            <a:avLst/>
+          </a:prstGeom>
+          <a:noFill/>
+        </p:spPr>
+        <p:txBody>
+          <a:bodyPr wrap="square">
+            <a:spAutoFit/>
+          </a:bodyPr>
+          <a:lstStyle/>
+          <a:p>
+            <a:r>
+              <a:rPr lang="zh-CN" altLang="en-US" sz="1100" dirty="0"/>
+              <a:t>消融实验结果</a:t>
+            </a:r>
+          </a:p>
+        </p:txBody>
+      </p:sp>
+      <p:sp>
+        <p:nvSpPr>
+          <p:cNvPr id="14" name="文本框 13">
+            <a:extLst>
+              <a:ext uri="{FF2B5EF4-FFF2-40B4-BE49-F238E27FC236}">
+                <a16:creationId xmlns:a16="http://schemas.microsoft.com/office/drawing/2014/main" id="{D3EB10DA-7D0E-4A52-B329-93D659F79120}"/>
+              </a:ext>
+            </a:extLst>
+          </p:cNvPr>
+          <p:cNvSpPr txBox="1"/>
+          <p:nvPr/>
+        </p:nvSpPr>
+        <p:spPr>
+          <a:xfrm>
+            <a:off x="8044946" y="6111746"/>
+            <a:ext cx="1247906" cy="261610"/>
+          </a:xfrm>
+          <a:prstGeom prst="rect">
+            <a:avLst/>
+          </a:prstGeom>
+          <a:noFill/>
+        </p:spPr>
+        <p:txBody>
+          <a:bodyPr wrap="square">
+            <a:spAutoFit/>
+          </a:bodyPr>
+          <a:lstStyle/>
+          <a:p>
+            <a:r>
+              <a:rPr lang="zh-CN" altLang="en-US" sz="1100" dirty="0"/>
+              <a:t>对比实验结果</a:t>
+            </a:r>
           </a:p>
         </p:txBody>
       </p:sp>
     </p:spTree>
     <p:extLst>
       <p:ext uri="{BB962C8B-B14F-4D97-AF65-F5344CB8AC3E}">
-        <p14:creationId xmlns:p14="http://schemas.microsoft.com/office/powerpoint/2010/main" val="3419439747"/>
+        <p14:creationId xmlns:p14="http://schemas.microsoft.com/office/powerpoint/2010/main" val="2097598288"/>
       </p:ext>
     </p:extLst>
   </p:cSld>
@@ -6346,7 +9644,7 @@
           <p:cNvPr id="2" name="标题 1">
             <a:extLst>
               <a:ext uri="{FF2B5EF4-FFF2-40B4-BE49-F238E27FC236}">
-                <a16:creationId xmlns:a16="http://schemas.microsoft.com/office/drawing/2014/main" id="{47EDE99F-96BC-4557-BFC5-861166A17750}"/>
+                <a16:creationId xmlns:a16="http://schemas.microsoft.com/office/drawing/2014/main" id="{71870F31-3DD1-4333-B5BA-B3C36E091DAF}"/>
               </a:ext>
             </a:extLst>
           </p:cNvPr>
@@ -6359,8 +9657,8 @@
         </p:nvSpPr>
         <p:spPr>
           <a:xfrm>
-            <a:off x="838200" y="365126"/>
-            <a:ext cx="10515600" cy="837374"/>
+            <a:off x="838200" y="365125"/>
+            <a:ext cx="10515600" cy="806059"/>
           </a:xfrm>
         </p:spPr>
         <p:txBody>
@@ -6371,7 +9669,15 @@
           <a:p>
             <a:r>
               <a:rPr lang="zh-CN" altLang="en-US" sz="2400" dirty="0"/>
-              <a:t>基于深度强化学习的无镜头图像重建模型优化方法</a:t>
+              <a:t>创新点</a:t>
+            </a:r>
+            <a:r>
+              <a:rPr lang="en-US" altLang="zh-CN" sz="2400" dirty="0"/>
+              <a:t>3</a:t>
+            </a:r>
+            <a:r>
+              <a:rPr lang="zh-CN" altLang="en-US" sz="2400" dirty="0"/>
+              <a:t>：基于深度强化学习的无镜头图像重建模型优化方法</a:t>
             </a:r>
           </a:p>
         </p:txBody>
@@ -6381,7 +9687,7 @@
           <p:cNvPr id="3" name="内容占位符 2">
             <a:extLst>
               <a:ext uri="{FF2B5EF4-FFF2-40B4-BE49-F238E27FC236}">
-                <a16:creationId xmlns:a16="http://schemas.microsoft.com/office/drawing/2014/main" id="{8AAFB0D8-31F9-4FF6-9595-80D8583220A3}"/>
+                <a16:creationId xmlns:a16="http://schemas.microsoft.com/office/drawing/2014/main" id="{2E1BC2AD-89AD-448C-98B5-3785619574F8}"/>
               </a:ext>
             </a:extLst>
           </p:cNvPr>
@@ -6392,53 +9698,1134 @@
             <p:ph idx="1"/>
           </p:nvPr>
         </p:nvSpPr>
-        <p:spPr/>
+        <p:spPr>
+          <a:xfrm>
+            <a:off x="838200" y="1336916"/>
+            <a:ext cx="10515600" cy="4136871"/>
+          </a:xfrm>
+        </p:spPr>
         <p:txBody>
           <a:bodyPr>
-            <a:normAutofit/>
+            <a:noAutofit/>
           </a:bodyPr>
           <a:lstStyle/>
           <a:p>
-            <a:r>
-              <a:rPr lang="zh-CN" altLang="en-US" sz="1100" dirty="0"/>
-              <a:t>动作空间</a:t>
+            <a:pPr>
+              <a:lnSpc>
+                <a:spcPct val="125000"/>
+              </a:lnSpc>
+            </a:pPr>
+            <a:r>
+              <a:rPr lang="zh-CN" altLang="en-US" sz="1100" dirty="0"/>
+              <a:t>问题：实验结果表明</a:t>
+            </a:r>
+            <a:r>
+              <a:rPr lang="en-US" altLang="zh-CN" sz="1100" dirty="0"/>
+              <a:t>,</a:t>
+            </a:r>
+            <a:r>
+              <a:rPr lang="zh-CN" altLang="en-US" sz="1100" dirty="0"/>
+              <a:t>前面的改进确实在一定程度上增强了网络的特征提取能力和学习效果</a:t>
+            </a:r>
+            <a:r>
+              <a:rPr lang="en-US" altLang="zh-CN" sz="1100" dirty="0"/>
+              <a:t>,</a:t>
+            </a:r>
+            <a:r>
+              <a:rPr lang="zh-CN" altLang="en-US" sz="1100" dirty="0"/>
+              <a:t>显著提升了重建图像的质量。然而</a:t>
+            </a:r>
+            <a:r>
+              <a:rPr lang="en-US" altLang="zh-CN" sz="1100" dirty="0"/>
+              <a:t>,</a:t>
+            </a:r>
+            <a:r>
+              <a:rPr lang="zh-CN" altLang="en-US" sz="1100" dirty="0"/>
+              <a:t>尽管这些改进在解决网络学习能力不足方面取得了一定的成功</a:t>
+            </a:r>
+            <a:r>
+              <a:rPr lang="en-US" altLang="zh-CN" sz="1100" dirty="0"/>
+              <a:t>,  </a:t>
+            </a:r>
+            <a:r>
+              <a:rPr lang="zh-CN" altLang="en-US" sz="1100" dirty="0"/>
+              <a:t>但仍然存在进一步优化的空间。特别是在处理更加复杂和多变的无镜头成像任务时</a:t>
+            </a:r>
+            <a:r>
+              <a:rPr lang="en-US" altLang="zh-CN" sz="1100" dirty="0"/>
+              <a:t>,</a:t>
+            </a:r>
+            <a:r>
+              <a:rPr lang="zh-CN" altLang="en-US" sz="1100" dirty="0"/>
+              <a:t>这些固定结构的网络仍然难以达到理想的重建效果。</a:t>
             </a:r>
             <a:endParaRPr lang="en-US" altLang="zh-CN" sz="1100" dirty="0"/>
           </a:p>
           <a:p>
-            <a:r>
-              <a:rPr lang="en-US" altLang="zh-CN" sz="1100" dirty="0" err="1"/>
-              <a:t>UNet</a:t>
-            </a:r>
-            <a:r>
-              <a:rPr lang="zh-CN" altLang="en-US" sz="1100" dirty="0"/>
-              <a:t>加深网络和加宽网络对比试验</a:t>
+            <a:pPr>
+              <a:lnSpc>
+                <a:spcPct val="125000"/>
+              </a:lnSpc>
+            </a:pPr>
+            <a:r>
+              <a:rPr lang="zh-CN" altLang="en-US" sz="1100" dirty="0"/>
+              <a:t>所以提出将强化学习与卷积神经网络相结合</a:t>
+            </a:r>
+            <a:r>
+              <a:rPr lang="en-US" altLang="zh-CN" sz="1100" dirty="0"/>
+              <a:t>,</a:t>
+            </a:r>
+            <a:r>
+              <a:rPr lang="zh-CN" altLang="en-US" sz="1100" dirty="0"/>
+              <a:t>可以让网络在复杂多变的环境中</a:t>
+            </a:r>
+            <a:r>
+              <a:rPr lang="en-US" altLang="zh-CN" sz="1100" dirty="0"/>
+              <a:t>,</a:t>
+            </a:r>
+            <a:r>
+              <a:rPr lang="zh-CN" altLang="en-US" sz="1100" dirty="0"/>
+              <a:t>通过自适应调整自身结构和参数</a:t>
+            </a:r>
+            <a:r>
+              <a:rPr lang="en-US" altLang="zh-CN" sz="1100" dirty="0"/>
+              <a:t>,</a:t>
+            </a:r>
+            <a:r>
+              <a:rPr lang="zh-CN" altLang="en-US" sz="1100" dirty="0"/>
+              <a:t>逐步提高重建图像的质量。这种动态学习机制不仅能够提高网络的学习效率</a:t>
+            </a:r>
+            <a:r>
+              <a:rPr lang="en-US" altLang="zh-CN" sz="1100" dirty="0"/>
+              <a:t>,</a:t>
+            </a:r>
+            <a:r>
+              <a:rPr lang="zh-CN" altLang="en-US" sz="1100" dirty="0"/>
+              <a:t>还可以更好地应对无镜头成像任务中的挑战</a:t>
+            </a:r>
+            <a:r>
+              <a:rPr lang="en-US" altLang="zh-CN" sz="1100" dirty="0"/>
+              <a:t>,</a:t>
+            </a:r>
+            <a:r>
+              <a:rPr lang="zh-CN" altLang="en-US" sz="1100" dirty="0"/>
+              <a:t>实现更为精确和高质量的图像重建。</a:t>
             </a:r>
             <a:endParaRPr lang="en-US" altLang="zh-CN" sz="1100" dirty="0"/>
           </a:p>
           <a:p>
-            <a:r>
-              <a:rPr lang="zh-CN" altLang="en-US" sz="1100" dirty="0"/>
-              <a:t>损失函数权重对比实验</a:t>
+            <a:pPr>
+              <a:lnSpc>
+                <a:spcPct val="125000"/>
+              </a:lnSpc>
+            </a:pPr>
+            <a:r>
+              <a:rPr lang="zh-CN" altLang="en-US" sz="1100" dirty="0"/>
+              <a:t>强化学习</a:t>
+            </a:r>
+            <a:r>
+              <a:rPr lang="en-US" altLang="zh-CN" sz="1100" dirty="0"/>
+              <a:t>:</a:t>
+            </a:r>
+            <a:r>
+              <a:rPr lang="zh-CN" altLang="en-US" sz="1100" dirty="0"/>
+              <a:t>区别于监督学习和无监督学习</a:t>
+            </a:r>
+            <a:r>
+              <a:rPr lang="en-US" altLang="zh-CN" sz="1100" dirty="0"/>
+              <a:t>,</a:t>
+            </a:r>
+            <a:r>
+              <a:rPr lang="zh-CN" altLang="en-US" sz="1100" dirty="0"/>
+              <a:t>强化学习是一类从与环境的交互中不断学习问题并解决问题的方法。强化学习模型的主要模块包括智能体</a:t>
+            </a:r>
+            <a:r>
+              <a:rPr lang="en-US" altLang="zh-CN" sz="1100" dirty="0"/>
+              <a:t>(Agent)</a:t>
+            </a:r>
+            <a:r>
+              <a:rPr lang="zh-CN" altLang="en-US" sz="1100" dirty="0"/>
+              <a:t>、环境</a:t>
+            </a:r>
+            <a:r>
+              <a:rPr lang="en-US" altLang="zh-CN" sz="1100" dirty="0"/>
+              <a:t>(Environment)</a:t>
+            </a:r>
+            <a:r>
+              <a:rPr lang="zh-CN" altLang="en-US" sz="1100" dirty="0"/>
+              <a:t>、状态</a:t>
+            </a:r>
+            <a:r>
+              <a:rPr lang="en-US" altLang="zh-CN" sz="1100" dirty="0"/>
+              <a:t>(State)</a:t>
+            </a:r>
+            <a:r>
+              <a:rPr lang="zh-CN" altLang="en-US" sz="1100" dirty="0"/>
+              <a:t>、奖励</a:t>
+            </a:r>
+            <a:r>
+              <a:rPr lang="en-US" altLang="zh-CN" sz="1100" dirty="0"/>
+              <a:t>(Reward)</a:t>
+            </a:r>
+            <a:r>
+              <a:rPr lang="zh-CN" altLang="en-US" sz="1100" dirty="0"/>
+              <a:t>以及行动</a:t>
+            </a:r>
+            <a:r>
+              <a:rPr lang="en-US" altLang="zh-CN" sz="1100" dirty="0"/>
+              <a:t>(Action)</a:t>
+            </a:r>
+            <a:r>
+              <a:rPr lang="zh-CN" altLang="en-US" sz="1100" dirty="0"/>
+              <a:t>。</a:t>
             </a:r>
             <a:endParaRPr lang="en-US" altLang="zh-CN" sz="1100" dirty="0"/>
-          </a:p>
-          <a:p>
-            <a:r>
-              <a:rPr lang="en-US" altLang="zh-CN" sz="1100" dirty="0"/>
-              <a:t>FCFD</a:t>
-            </a:r>
-            <a:r>
-              <a:rPr lang="zh-CN" altLang="en-US" sz="1100" dirty="0"/>
-              <a:t>数据集表现对比实验结果与分析</a:t>
-            </a:r>
           </a:p>
         </p:txBody>
       </p:sp>
+      <p:pic>
+        <p:nvPicPr>
+          <p:cNvPr id="7" name="图片 6">
+            <a:extLst>
+              <a:ext uri="{FF2B5EF4-FFF2-40B4-BE49-F238E27FC236}">
+                <a16:creationId xmlns:a16="http://schemas.microsoft.com/office/drawing/2014/main" id="{DD6B699C-40D9-47EE-9799-17BA7C4CF10D}"/>
+              </a:ext>
+            </a:extLst>
+          </p:cNvPr>
+          <p:cNvPicPr>
+            <a:picLocks noChangeAspect="1"/>
+          </p:cNvPicPr>
+          <p:nvPr/>
+        </p:nvPicPr>
+        <p:blipFill>
+          <a:blip r:embed="rId2"/>
+          <a:stretch>
+            <a:fillRect/>
+          </a:stretch>
+        </p:blipFill>
+        <p:spPr>
+          <a:xfrm>
+            <a:off x="8262679" y="2887347"/>
+            <a:ext cx="3740477" cy="1613026"/>
+          </a:xfrm>
+          <a:prstGeom prst="rect">
+            <a:avLst/>
+          </a:prstGeom>
+        </p:spPr>
+      </p:pic>
+      <mc:AlternateContent xmlns:mc="http://schemas.openxmlformats.org/markup-compatibility/2006" xmlns:a14="http://schemas.microsoft.com/office/drawing/2010/main">
+        <mc:Choice Requires="a14">
+          <p:sp>
+            <p:nvSpPr>
+              <p:cNvPr id="9" name="文本框 8">
+                <a:extLst>
+                  <a:ext uri="{FF2B5EF4-FFF2-40B4-BE49-F238E27FC236}">
+                    <a16:creationId xmlns:a16="http://schemas.microsoft.com/office/drawing/2014/main" id="{7D2644B6-5D22-4F65-94EB-5A1853F93339}"/>
+                  </a:ext>
+                </a:extLst>
+              </p:cNvPr>
+              <p:cNvSpPr txBox="1"/>
+              <p:nvPr/>
+            </p:nvSpPr>
+            <p:spPr>
+              <a:xfrm>
+                <a:off x="838200" y="3003044"/>
+                <a:ext cx="7136538" cy="3629070"/>
+              </a:xfrm>
+              <a:prstGeom prst="rect">
+                <a:avLst/>
+              </a:prstGeom>
+              <a:noFill/>
+            </p:spPr>
+            <p:txBody>
+              <a:bodyPr wrap="square">
+                <a:spAutoFit/>
+              </a:bodyPr>
+              <a:lstStyle/>
+              <a:p>
+                <a:pPr marL="171450" indent="-171450">
+                  <a:lnSpc>
+                    <a:spcPct val="125000"/>
+                  </a:lnSpc>
+                  <a:buFont typeface="Arial" panose="020B0604020202020204" pitchFamily="34" charset="0"/>
+                  <a:buChar char="•"/>
+                </a:pPr>
+                <a:r>
+                  <a:rPr lang="zh-CN" altLang="en-US" sz="1100" dirty="0"/>
+                  <a:t>马尔科夫决策模型</a:t>
+                </a:r>
+                <a:r>
+                  <a:rPr lang="en-US" altLang="zh-CN" sz="1100" dirty="0"/>
+                  <a:t>(MDP):</a:t>
+                </a:r>
+                <a:r>
+                  <a:rPr lang="zh-CN" altLang="en-US" sz="1100" dirty="0"/>
+                  <a:t>强化学习的一个关键假设是</a:t>
+                </a:r>
+                <a:r>
+                  <a:rPr lang="en-US" altLang="zh-CN" sz="1100" dirty="0"/>
+                  <a:t>,</a:t>
+                </a:r>
+                <a:r>
+                  <a:rPr lang="zh-CN" altLang="en-US" sz="1100" dirty="0"/>
+                  <a:t>智能体与环境的交互可以通过一个马尔可夫决策过程</a:t>
+                </a:r>
+                <a:r>
+                  <a:rPr lang="en-US" altLang="zh-CN" sz="1100" dirty="0"/>
+                  <a:t>(MDP)</a:t>
+                </a:r>
+                <a:r>
+                  <a:rPr lang="zh-CN" altLang="en-US" sz="1100" dirty="0"/>
+                  <a:t>来表示。在马尔可夫决策过程中</a:t>
+                </a:r>
+                <a:r>
+                  <a:rPr lang="en-US" altLang="zh-CN" sz="1100" dirty="0"/>
+                  <a:t>,</a:t>
+                </a:r>
+                <a:r>
+                  <a:rPr lang="zh-CN" altLang="en-US" sz="1100" dirty="0"/>
+                  <a:t>智能体的当前状态和所采取的动作共同决定了一个固定的状态转移概率分布</a:t>
+                </a:r>
+                <a:r>
+                  <a:rPr lang="en-US" altLang="zh-CN" sz="1100" dirty="0"/>
+                  <a:t>,</a:t>
+                </a:r>
+                <a:r>
+                  <a:rPr lang="zh-CN" altLang="en-US" sz="1100" dirty="0"/>
+                  <a:t>这个分布描述了从当前状态转移到下一个状态的概率。同时</a:t>
+                </a:r>
+                <a:r>
+                  <a:rPr lang="en-US" altLang="zh-CN" sz="1100" dirty="0"/>
+                  <a:t>,</a:t>
+                </a:r>
+                <a:r>
+                  <a:rPr lang="zh-CN" altLang="en-US" sz="1100" dirty="0"/>
+                  <a:t>智能体在执行该动作时还会获得一个即时回报。这一假设构成了强化学习方法的基础</a:t>
+                </a:r>
+                <a:r>
+                  <a:rPr lang="en-US" altLang="zh-CN" sz="1100" dirty="0"/>
+                  <a:t>,</a:t>
+                </a:r>
+                <a:r>
+                  <a:rPr lang="zh-CN" altLang="en-US" sz="1100" dirty="0"/>
+                  <a:t>确保智能体能够通过状态和动作的反馈逐步优化其决策策略。在训练过程中</a:t>
+                </a:r>
+                <a:r>
+                  <a:rPr lang="en-US" altLang="zh-CN" sz="1100" dirty="0"/>
+                  <a:t>,</a:t>
+                </a:r>
+                <a:r>
+                  <a:rPr lang="zh-CN" altLang="en-US" sz="1100" dirty="0"/>
+                  <a:t>由于一般环境较为复杂</a:t>
+                </a:r>
+                <a:r>
+                  <a:rPr lang="en-US" altLang="zh-CN" sz="1100" dirty="0"/>
+                  <a:t>,</a:t>
+                </a:r>
+                <a:r>
+                  <a:rPr lang="zh-CN" altLang="en-US" sz="1100" dirty="0"/>
+                  <a:t>难以选择最优策略来更新智能体</a:t>
+                </a:r>
+                <a:r>
+                  <a:rPr lang="en-US" altLang="zh-CN" sz="1100" dirty="0"/>
+                  <a:t>, </a:t>
+                </a:r>
+                <a:r>
+                  <a:rPr lang="zh-CN" altLang="en-US" sz="1100" dirty="0"/>
+                  <a:t>因此引入</a:t>
+                </a:r>
+                <a:r>
+                  <a:rPr lang="en-US" altLang="zh-CN" sz="1100" dirty="0"/>
+                  <a:t>Q</a:t>
+                </a:r>
+                <a:r>
+                  <a:rPr lang="zh-CN" altLang="en-US" sz="1100" dirty="0"/>
+                  <a:t>函数</a:t>
+                </a:r>
+                <a:r>
+                  <a:rPr lang="en-US" altLang="zh-CN" sz="1100" dirty="0"/>
+                  <a:t>,</a:t>
+                </a:r>
+                <a:r>
+                  <a:rPr lang="zh-CN" altLang="en-US" sz="1100" dirty="0"/>
+                  <a:t>即策略</a:t>
+                </a:r>
+                <a:r>
+                  <a:rPr lang="en-US" altLang="zh-CN" sz="1100" dirty="0"/>
+                  <a:t>π</a:t>
+                </a:r>
+                <a:r>
+                  <a:rPr lang="zh-CN" altLang="en-US" sz="1100" dirty="0"/>
+                  <a:t>下的作用值函数来估计智能体在策略</a:t>
+                </a:r>
+                <a:r>
+                  <a:rPr lang="en-US" altLang="zh-CN" sz="1100" dirty="0"/>
+                  <a:t>π</a:t>
+                </a:r>
+                <a:r>
+                  <a:rPr lang="zh-CN" altLang="en-US" sz="1100" dirty="0"/>
+                  <a:t>的作用下</a:t>
+                </a:r>
+                <a:r>
+                  <a:rPr lang="en-US" altLang="zh-CN" sz="1100" dirty="0"/>
+                  <a:t>,  </a:t>
+                </a:r>
+                <a:r>
+                  <a:rPr lang="zh-CN" altLang="en-US" sz="1100" dirty="0"/>
+                  <a:t>在</a:t>
+                </a:r>
+                <a14:m>
+                  <m:oMath xmlns:m="http://schemas.openxmlformats.org/officeDocument/2006/math">
+                    <m:sSub>
+                      <m:sSubPr>
+                        <m:ctrlPr>
+                          <a:rPr lang="en-US" altLang="zh-CN" sz="1100" b="0" i="1" smtClean="0">
+                            <a:latin typeface="Cambria Math" panose="02040503050406030204" pitchFamily="18" charset="0"/>
+                          </a:rPr>
+                        </m:ctrlPr>
+                      </m:sSubPr>
+                      <m:e>
+                        <m:r>
+                          <a:rPr lang="en-US" altLang="zh-CN" sz="1100" b="0" i="1" smtClean="0">
+                            <a:latin typeface="Cambria Math" panose="02040503050406030204" pitchFamily="18" charset="0"/>
+                          </a:rPr>
+                          <m:t>𝑠</m:t>
+                        </m:r>
+                      </m:e>
+                      <m:sub>
+                        <m:r>
+                          <a:rPr lang="en-US" altLang="zh-CN" sz="1100" b="0" i="1" smtClean="0">
+                            <a:latin typeface="Cambria Math" panose="02040503050406030204" pitchFamily="18" charset="0"/>
+                          </a:rPr>
+                          <m:t>𝑡</m:t>
+                        </m:r>
+                      </m:sub>
+                    </m:sSub>
+                  </m:oMath>
+                </a14:m>
+                <a:r>
+                  <a:rPr lang="zh-CN" altLang="en-US" sz="1100" dirty="0"/>
+                  <a:t>状态时</a:t>
+                </a:r>
+                <a:r>
+                  <a:rPr lang="en-US" altLang="zh-CN" sz="1100" dirty="0"/>
+                  <a:t>,</a:t>
+                </a:r>
+                <a:r>
+                  <a:rPr lang="zh-CN" altLang="en-US" sz="1100" dirty="0"/>
+                  <a:t>采取</a:t>
+                </a:r>
+                <a14:m>
+                  <m:oMath xmlns:m="http://schemas.openxmlformats.org/officeDocument/2006/math">
+                    <m:sSub>
+                      <m:sSubPr>
+                        <m:ctrlPr>
+                          <a:rPr lang="en-US" altLang="zh-CN" sz="1100" i="1">
+                            <a:latin typeface="Cambria Math" panose="02040503050406030204" pitchFamily="18" charset="0"/>
+                          </a:rPr>
+                        </m:ctrlPr>
+                      </m:sSubPr>
+                      <m:e>
+                        <m:r>
+                          <a:rPr lang="en-US" altLang="zh-CN" sz="1100" b="0" i="1" smtClean="0">
+                            <a:latin typeface="Cambria Math" panose="02040503050406030204" pitchFamily="18" charset="0"/>
+                          </a:rPr>
+                          <m:t>𝑎</m:t>
+                        </m:r>
+                      </m:e>
+                      <m:sub>
+                        <m:r>
+                          <a:rPr lang="en-US" altLang="zh-CN" sz="1100" i="1">
+                            <a:latin typeface="Cambria Math" panose="02040503050406030204" pitchFamily="18" charset="0"/>
+                          </a:rPr>
+                          <m:t>𝑡</m:t>
+                        </m:r>
+                      </m:sub>
+                    </m:sSub>
+                  </m:oMath>
+                </a14:m>
+                <a:r>
+                  <a:rPr lang="zh-CN" altLang="en-US" sz="1100" dirty="0"/>
+                  <a:t>行动后产生的效果</a:t>
+                </a:r>
+                <a:endParaRPr lang="en-US" altLang="zh-CN" sz="1100" dirty="0"/>
+              </a:p>
+              <a:p>
+                <a:pPr marL="0" indent="0">
+                  <a:lnSpc>
+                    <a:spcPct val="125000"/>
+                  </a:lnSpc>
+                  <a:buNone/>
+                </a:pPr>
+                <a14:m>
+                  <m:oMathPara xmlns:m="http://schemas.openxmlformats.org/officeDocument/2006/math">
+                    <m:oMathParaPr>
+                      <m:jc m:val="centerGroup"/>
+                    </m:oMathParaPr>
+                    <m:oMath xmlns:m="http://schemas.openxmlformats.org/officeDocument/2006/math">
+                      <m:sSup>
+                        <m:sSupPr>
+                          <m:ctrlPr>
+                            <a:rPr lang="en-US" altLang="zh-CN" sz="1200" b="0" i="1" smtClean="0">
+                              <a:latin typeface="Cambria Math" panose="02040503050406030204" pitchFamily="18" charset="0"/>
+                            </a:rPr>
+                          </m:ctrlPr>
+                        </m:sSupPr>
+                        <m:e>
+                          <m:r>
+                            <a:rPr lang="en-US" altLang="zh-CN" sz="1200" b="0" i="1" smtClean="0">
+                              <a:latin typeface="Cambria Math" panose="02040503050406030204" pitchFamily="18" charset="0"/>
+                            </a:rPr>
+                            <m:t>𝑄</m:t>
+                          </m:r>
+                        </m:e>
+                        <m:sup>
+                          <m:r>
+                            <a:rPr lang="el-GR" altLang="zh-CN" sz="1200" i="1">
+                              <a:latin typeface="Cambria Math" panose="02040503050406030204" pitchFamily="18" charset="0"/>
+                            </a:rPr>
+                            <m:t>𝜋</m:t>
+                          </m:r>
+                        </m:sup>
+                      </m:sSup>
+                      <m:d>
+                        <m:dPr>
+                          <m:ctrlPr>
+                            <a:rPr lang="en-US" altLang="zh-CN" sz="1200" b="0" i="1" smtClean="0">
+                              <a:latin typeface="Cambria Math" panose="02040503050406030204" pitchFamily="18" charset="0"/>
+                            </a:rPr>
+                          </m:ctrlPr>
+                        </m:dPr>
+                        <m:e>
+                          <m:sSub>
+                            <m:sSubPr>
+                              <m:ctrlPr>
+                                <a:rPr lang="en-US" altLang="zh-CN" sz="1200" b="0" i="1" smtClean="0">
+                                  <a:latin typeface="Cambria Math" panose="02040503050406030204" pitchFamily="18" charset="0"/>
+                                </a:rPr>
+                              </m:ctrlPr>
+                            </m:sSubPr>
+                            <m:e>
+                              <m:r>
+                                <a:rPr lang="en-US" altLang="zh-CN" sz="1200" b="0" i="1" smtClean="0">
+                                  <a:latin typeface="Cambria Math" panose="02040503050406030204" pitchFamily="18" charset="0"/>
+                                </a:rPr>
+                                <m:t>𝑎</m:t>
+                              </m:r>
+                            </m:e>
+                            <m:sub>
+                              <m:r>
+                                <a:rPr lang="en-US" altLang="zh-CN" sz="1200" b="0" i="1" smtClean="0">
+                                  <a:latin typeface="Cambria Math" panose="02040503050406030204" pitchFamily="18" charset="0"/>
+                                </a:rPr>
+                                <m:t>𝑡</m:t>
+                              </m:r>
+                            </m:sub>
+                          </m:sSub>
+                          <m:sSub>
+                            <m:sSubPr>
+                              <m:ctrlPr>
+                                <a:rPr lang="en-US" altLang="zh-CN" sz="1200" b="0" i="1" smtClean="0">
+                                  <a:latin typeface="Cambria Math" panose="02040503050406030204" pitchFamily="18" charset="0"/>
+                                </a:rPr>
+                              </m:ctrlPr>
+                            </m:sSubPr>
+                            <m:e>
+                              <m:r>
+                                <a:rPr lang="en-US" altLang="zh-CN" sz="1200" b="0" i="1" smtClean="0">
+                                  <a:latin typeface="Cambria Math" panose="02040503050406030204" pitchFamily="18" charset="0"/>
+                                </a:rPr>
+                                <m:t>+ </m:t>
+                              </m:r>
+                              <m:r>
+                                <a:rPr lang="en-US" altLang="zh-CN" sz="1200" b="0" i="1" smtClean="0">
+                                  <a:latin typeface="Cambria Math" panose="02040503050406030204" pitchFamily="18" charset="0"/>
+                                </a:rPr>
+                                <m:t>𝑠</m:t>
+                              </m:r>
+                            </m:e>
+                            <m:sub>
+                              <m:r>
+                                <a:rPr lang="en-US" altLang="zh-CN" sz="1200" b="0" i="1" smtClean="0">
+                                  <a:latin typeface="Cambria Math" panose="02040503050406030204" pitchFamily="18" charset="0"/>
+                                </a:rPr>
+                                <m:t>𝑡</m:t>
+                              </m:r>
+                            </m:sub>
+                          </m:sSub>
+                        </m:e>
+                      </m:d>
+                      <m:r>
+                        <a:rPr lang="en-US" altLang="zh-CN" sz="1200" b="0" i="1" smtClean="0">
+                          <a:latin typeface="Cambria Math" panose="02040503050406030204" pitchFamily="18" charset="0"/>
+                        </a:rPr>
+                        <m:t>=</m:t>
+                      </m:r>
+                      <m:nary>
+                        <m:naryPr>
+                          <m:chr m:val="∑"/>
+                          <m:supHide m:val="on"/>
+                          <m:ctrlPr>
+                            <a:rPr lang="en-US" altLang="zh-CN" sz="1200" b="0" i="1" smtClean="0">
+                              <a:latin typeface="Cambria Math" panose="02040503050406030204" pitchFamily="18" charset="0"/>
+                            </a:rPr>
+                          </m:ctrlPr>
+                        </m:naryPr>
+                        <m:sub>
+                          <m:sSub>
+                            <m:sSubPr>
+                              <m:ctrlPr>
+                                <a:rPr lang="en-US" altLang="zh-CN" sz="1200" b="0" i="1" smtClean="0">
+                                  <a:latin typeface="Cambria Math" panose="02040503050406030204" pitchFamily="18" charset="0"/>
+                                </a:rPr>
+                              </m:ctrlPr>
+                            </m:sSubPr>
+                            <m:e>
+                              <m:r>
+                                <a:rPr lang="en-US" altLang="zh-CN" sz="1200" b="0" i="1" smtClean="0">
+                                  <a:latin typeface="Cambria Math" panose="02040503050406030204" pitchFamily="18" charset="0"/>
+                                </a:rPr>
+                                <m:t>𝑠</m:t>
+                              </m:r>
+                            </m:e>
+                            <m:sub>
+                              <m:r>
+                                <a:rPr lang="en-US" altLang="zh-CN" sz="1200" b="0" i="1" smtClean="0">
+                                  <a:latin typeface="Cambria Math" panose="02040503050406030204" pitchFamily="18" charset="0"/>
+                                </a:rPr>
+                                <m:t>𝑡</m:t>
+                              </m:r>
+                              <m:r>
+                                <a:rPr lang="en-US" altLang="zh-CN" sz="1200" b="0" i="1" smtClean="0">
+                                  <a:latin typeface="Cambria Math" panose="02040503050406030204" pitchFamily="18" charset="0"/>
+                                </a:rPr>
+                                <m:t>+1</m:t>
+                              </m:r>
+                            </m:sub>
+                          </m:sSub>
+                        </m:sub>
+                        <m:sup/>
+                        <m:e>
+                          <m:r>
+                            <a:rPr lang="en-US" altLang="zh-CN" sz="1200" b="0" i="1" smtClean="0">
+                              <a:latin typeface="Cambria Math" panose="02040503050406030204" pitchFamily="18" charset="0"/>
+                            </a:rPr>
+                            <m:t>𝑇</m:t>
+                          </m:r>
+                          <m:d>
+                            <m:dPr>
+                              <m:ctrlPr>
+                                <a:rPr lang="en-US" altLang="zh-CN" sz="1200" b="0" i="1" smtClean="0">
+                                  <a:latin typeface="Cambria Math" panose="02040503050406030204" pitchFamily="18" charset="0"/>
+                                </a:rPr>
+                              </m:ctrlPr>
+                            </m:dPr>
+                            <m:e>
+                              <m:sSub>
+                                <m:sSubPr>
+                                  <m:ctrlPr>
+                                    <a:rPr lang="en-US" altLang="zh-CN" sz="1200" b="0" i="1" smtClean="0">
+                                      <a:latin typeface="Cambria Math" panose="02040503050406030204" pitchFamily="18" charset="0"/>
+                                    </a:rPr>
+                                  </m:ctrlPr>
+                                </m:sSubPr>
+                                <m:e>
+                                  <m:r>
+                                    <a:rPr lang="en-US" altLang="zh-CN" sz="1200" b="0" i="1" smtClean="0">
+                                      <a:latin typeface="Cambria Math" panose="02040503050406030204" pitchFamily="18" charset="0"/>
+                                    </a:rPr>
+                                    <m:t>𝑠</m:t>
+                                  </m:r>
+                                </m:e>
+                                <m:sub>
+                                  <m:r>
+                                    <a:rPr lang="en-US" altLang="zh-CN" sz="1200" b="0" i="1" smtClean="0">
+                                      <a:latin typeface="Cambria Math" panose="02040503050406030204" pitchFamily="18" charset="0"/>
+                                    </a:rPr>
+                                    <m:t>𝑡</m:t>
+                                  </m:r>
+                                  <m:r>
+                                    <a:rPr lang="en-US" altLang="zh-CN" sz="1200" b="0" i="1" smtClean="0">
+                                      <a:latin typeface="Cambria Math" panose="02040503050406030204" pitchFamily="18" charset="0"/>
+                                    </a:rPr>
+                                    <m:t>+1</m:t>
+                                  </m:r>
+                                </m:sub>
+                              </m:sSub>
+                            </m:e>
+                            <m:e>
+                              <m:sSub>
+                                <m:sSubPr>
+                                  <m:ctrlPr>
+                                    <a:rPr lang="en-US" altLang="zh-CN" sz="1200" b="0" i="1" smtClean="0">
+                                      <a:latin typeface="Cambria Math" panose="02040503050406030204" pitchFamily="18" charset="0"/>
+                                    </a:rPr>
+                                  </m:ctrlPr>
+                                </m:sSubPr>
+                                <m:e>
+                                  <m:r>
+                                    <a:rPr lang="en-US" altLang="zh-CN" sz="1200" b="0" i="1" smtClean="0">
+                                      <a:latin typeface="Cambria Math" panose="02040503050406030204" pitchFamily="18" charset="0"/>
+                                    </a:rPr>
+                                    <m:t>𝑠</m:t>
+                                  </m:r>
+                                </m:e>
+                                <m:sub>
+                                  <m:r>
+                                    <a:rPr lang="en-US" altLang="zh-CN" sz="1200" b="0" i="1" smtClean="0">
+                                      <a:latin typeface="Cambria Math" panose="02040503050406030204" pitchFamily="18" charset="0"/>
+                                    </a:rPr>
+                                    <m:t>𝑡</m:t>
+                                  </m:r>
+                                </m:sub>
+                              </m:sSub>
+                              <m:r>
+                                <a:rPr lang="en-US" altLang="zh-CN" sz="1200" b="0" i="1" smtClean="0">
+                                  <a:latin typeface="Cambria Math" panose="02040503050406030204" pitchFamily="18" charset="0"/>
+                                </a:rPr>
+                                <m:t>,</m:t>
+                              </m:r>
+                              <m:sSub>
+                                <m:sSubPr>
+                                  <m:ctrlPr>
+                                    <a:rPr lang="en-US" altLang="zh-CN" sz="1200" b="0" i="1" smtClean="0">
+                                      <a:latin typeface="Cambria Math" panose="02040503050406030204" pitchFamily="18" charset="0"/>
+                                    </a:rPr>
+                                  </m:ctrlPr>
+                                </m:sSubPr>
+                                <m:e>
+                                  <m:r>
+                                    <a:rPr lang="en-US" altLang="zh-CN" sz="1200" b="0" i="1" smtClean="0">
+                                      <a:latin typeface="Cambria Math" panose="02040503050406030204" pitchFamily="18" charset="0"/>
+                                    </a:rPr>
+                                    <m:t>𝑎</m:t>
+                                  </m:r>
+                                </m:e>
+                                <m:sub>
+                                  <m:r>
+                                    <a:rPr lang="en-US" altLang="zh-CN" sz="1200" b="0" i="1" smtClean="0">
+                                      <a:latin typeface="Cambria Math" panose="02040503050406030204" pitchFamily="18" charset="0"/>
+                                    </a:rPr>
+                                    <m:t>𝑡</m:t>
+                                  </m:r>
+                                </m:sub>
+                              </m:sSub>
+                            </m:e>
+                          </m:d>
+                          <m:r>
+                            <a:rPr lang="en-US" altLang="zh-CN" sz="1200" b="0" i="1" smtClean="0">
+                              <a:latin typeface="Cambria Math" panose="02040503050406030204" pitchFamily="18" charset="0"/>
+                            </a:rPr>
+                            <m:t>[</m:t>
+                          </m:r>
+                          <m:r>
+                            <a:rPr lang="en-US" altLang="zh-CN" sz="1200" b="0" i="1" smtClean="0">
+                              <a:latin typeface="Cambria Math" panose="02040503050406030204" pitchFamily="18" charset="0"/>
+                            </a:rPr>
+                            <m:t>𝑅</m:t>
+                          </m:r>
+                          <m:d>
+                            <m:dPr>
+                              <m:ctrlPr>
+                                <a:rPr lang="en-US" altLang="zh-CN" sz="1200" b="0" i="1" smtClean="0">
+                                  <a:latin typeface="Cambria Math" panose="02040503050406030204" pitchFamily="18" charset="0"/>
+                                </a:rPr>
+                              </m:ctrlPr>
+                            </m:dPr>
+                            <m:e>
+                              <m:sSub>
+                                <m:sSubPr>
+                                  <m:ctrlPr>
+                                    <a:rPr lang="en-US" altLang="zh-CN" sz="1200" b="0" i="1" smtClean="0">
+                                      <a:latin typeface="Cambria Math" panose="02040503050406030204" pitchFamily="18" charset="0"/>
+                                    </a:rPr>
+                                  </m:ctrlPr>
+                                </m:sSubPr>
+                                <m:e>
+                                  <m:r>
+                                    <a:rPr lang="en-US" altLang="zh-CN" sz="1200" b="0" i="1" smtClean="0">
+                                      <a:latin typeface="Cambria Math" panose="02040503050406030204" pitchFamily="18" charset="0"/>
+                                    </a:rPr>
+                                    <m:t>𝑠</m:t>
+                                  </m:r>
+                                </m:e>
+                                <m:sub>
+                                  <m:r>
+                                    <a:rPr lang="en-US" altLang="zh-CN" sz="1200" b="0" i="1" smtClean="0">
+                                      <a:latin typeface="Cambria Math" panose="02040503050406030204" pitchFamily="18" charset="0"/>
+                                    </a:rPr>
+                                    <m:t>𝑡</m:t>
+                                  </m:r>
+                                </m:sub>
+                              </m:sSub>
+                              <m:sSub>
+                                <m:sSubPr>
+                                  <m:ctrlPr>
+                                    <a:rPr lang="en-US" altLang="zh-CN" sz="1200" b="0" i="1" smtClean="0">
+                                      <a:latin typeface="Cambria Math" panose="02040503050406030204" pitchFamily="18" charset="0"/>
+                                    </a:rPr>
+                                  </m:ctrlPr>
+                                </m:sSubPr>
+                                <m:e>
+                                  <m:r>
+                                    <a:rPr lang="en-US" altLang="zh-CN" sz="1200" b="0" i="1" smtClean="0">
+                                      <a:latin typeface="Cambria Math" panose="02040503050406030204" pitchFamily="18" charset="0"/>
+                                    </a:rPr>
+                                    <m:t>,</m:t>
+                                  </m:r>
+                                  <m:r>
+                                    <a:rPr lang="en-US" altLang="zh-CN" sz="1200" b="0" i="1" smtClean="0">
+                                      <a:latin typeface="Cambria Math" panose="02040503050406030204" pitchFamily="18" charset="0"/>
+                                    </a:rPr>
+                                    <m:t>𝑠</m:t>
+                                  </m:r>
+                                </m:e>
+                                <m:sub>
+                                  <m:r>
+                                    <a:rPr lang="en-US" altLang="zh-CN" sz="1200" b="0" i="1" smtClean="0">
+                                      <a:latin typeface="Cambria Math" panose="02040503050406030204" pitchFamily="18" charset="0"/>
+                                    </a:rPr>
+                                    <m:t>𝑡</m:t>
+                                  </m:r>
+                                  <m:r>
+                                    <a:rPr lang="en-US" altLang="zh-CN" sz="1200" b="0" i="1" smtClean="0">
+                                      <a:latin typeface="Cambria Math" panose="02040503050406030204" pitchFamily="18" charset="0"/>
+                                    </a:rPr>
+                                    <m:t>+1</m:t>
+                                  </m:r>
+                                </m:sub>
+                              </m:sSub>
+                            </m:e>
+                          </m:d>
+                          <m:r>
+                            <a:rPr lang="en-US" altLang="zh-CN" sz="1200" b="0" i="1" smtClean="0">
+                              <a:latin typeface="Cambria Math" panose="02040503050406030204" pitchFamily="18" charset="0"/>
+                            </a:rPr>
+                            <m:t>+</m:t>
+                          </m:r>
+                          <m:r>
+                            <a:rPr lang="el-GR" altLang="zh-CN" sz="1200" i="1">
+                              <a:latin typeface="Cambria Math" panose="02040503050406030204" pitchFamily="18" charset="0"/>
+                            </a:rPr>
+                            <m:t>𝛾</m:t>
+                          </m:r>
+                          <m:sSup>
+                            <m:sSupPr>
+                              <m:ctrlPr>
+                                <a:rPr lang="el-GR" altLang="zh-CN" sz="1200" i="1" smtClean="0">
+                                  <a:latin typeface="Cambria Math" panose="02040503050406030204" pitchFamily="18" charset="0"/>
+                                </a:rPr>
+                              </m:ctrlPr>
+                            </m:sSupPr>
+                            <m:e>
+                              <m:r>
+                                <a:rPr lang="en-US" altLang="zh-CN" sz="1200" b="0" i="1" smtClean="0">
+                                  <a:latin typeface="Cambria Math" panose="02040503050406030204" pitchFamily="18" charset="0"/>
+                                </a:rPr>
+                                <m:t>𝑉</m:t>
+                              </m:r>
+                            </m:e>
+                            <m:sup>
+                              <m:r>
+                                <a:rPr lang="el-GR" altLang="zh-CN" sz="1200" i="1">
+                                  <a:latin typeface="Cambria Math" panose="02040503050406030204" pitchFamily="18" charset="0"/>
+                                </a:rPr>
+                                <m:t>𝜋</m:t>
+                              </m:r>
+                            </m:sup>
+                          </m:sSup>
+                          <m:r>
+                            <a:rPr lang="en-US" altLang="zh-CN" sz="1200" b="0" i="1" smtClean="0">
+                              <a:latin typeface="Cambria Math" panose="02040503050406030204" pitchFamily="18" charset="0"/>
+                            </a:rPr>
+                            <m:t>(</m:t>
+                          </m:r>
+                          <m:sSub>
+                            <m:sSubPr>
+                              <m:ctrlPr>
+                                <a:rPr lang="en-US" altLang="zh-CN" sz="1200" b="0" i="1" smtClean="0">
+                                  <a:latin typeface="Cambria Math" panose="02040503050406030204" pitchFamily="18" charset="0"/>
+                                </a:rPr>
+                              </m:ctrlPr>
+                            </m:sSubPr>
+                            <m:e>
+                              <m:r>
+                                <a:rPr lang="en-US" altLang="zh-CN" sz="1200" b="0" i="1" smtClean="0">
+                                  <a:latin typeface="Cambria Math" panose="02040503050406030204" pitchFamily="18" charset="0"/>
+                                </a:rPr>
+                                <m:t>𝑠</m:t>
+                              </m:r>
+                            </m:e>
+                            <m:sub>
+                              <m:r>
+                                <a:rPr lang="en-US" altLang="zh-CN" sz="1200" b="0" i="1" smtClean="0">
+                                  <a:latin typeface="Cambria Math" panose="02040503050406030204" pitchFamily="18" charset="0"/>
+                                </a:rPr>
+                                <m:t>𝑡</m:t>
+                              </m:r>
+                              <m:r>
+                                <a:rPr lang="en-US" altLang="zh-CN" sz="1200" b="0" i="1" smtClean="0">
+                                  <a:latin typeface="Cambria Math" panose="02040503050406030204" pitchFamily="18" charset="0"/>
+                                </a:rPr>
+                                <m:t>+1</m:t>
+                              </m:r>
+                            </m:sub>
+                          </m:sSub>
+                          <m:r>
+                            <a:rPr lang="en-US" altLang="zh-CN" sz="1200" b="0" i="1" smtClean="0">
+                              <a:latin typeface="Cambria Math" panose="02040503050406030204" pitchFamily="18" charset="0"/>
+                            </a:rPr>
+                            <m:t>)]</m:t>
+                          </m:r>
+                        </m:e>
+                      </m:nary>
+                    </m:oMath>
+                  </m:oMathPara>
+                </a14:m>
+                <a:endParaRPr lang="en-US" altLang="zh-CN" sz="1200" dirty="0"/>
+              </a:p>
+              <a:p>
+                <a:pPr marL="171450" indent="-171450">
+                  <a:lnSpc>
+                    <a:spcPct val="125000"/>
+                  </a:lnSpc>
+                  <a:buFont typeface="Arial" panose="020B0604020202020204" pitchFamily="34" charset="0"/>
+                  <a:buChar char="•"/>
+                </a:pPr>
+                <a:r>
+                  <a:rPr lang="zh-CN" altLang="en-US" sz="1100" dirty="0"/>
+                  <a:t>强化学习方法</a:t>
+                </a:r>
+                <a:r>
+                  <a:rPr lang="en-US" altLang="zh-CN" sz="1100" dirty="0"/>
+                  <a:t>:</a:t>
+                </a:r>
+                <a:r>
+                  <a:rPr lang="zh-CN" altLang="en-US" sz="1100" dirty="0"/>
+                  <a:t>基于价值的方法是深度强化学习中最常见的策略优化方式之一。这类方法通过估计每个状态</a:t>
+                </a:r>
+                <a:r>
+                  <a:rPr lang="en-US" altLang="zh-CN" sz="1100" dirty="0"/>
+                  <a:t>-</a:t>
+                </a:r>
+                <a:r>
+                  <a:rPr lang="zh-CN" altLang="en-US" sz="1100" dirty="0"/>
+                  <a:t>动作对的值函数</a:t>
+                </a:r>
+                <a:r>
+                  <a:rPr lang="en-US" altLang="zh-CN" sz="1100" dirty="0"/>
+                  <a:t>,</a:t>
+                </a:r>
+                <a:r>
+                  <a:rPr lang="zh-CN" altLang="en-US" sz="1100" dirty="0"/>
+                  <a:t>来判断在某一状态下执行某一动作的好坏。最经典的基于价值的算法之一是</a:t>
+                </a:r>
+                <a:r>
+                  <a:rPr lang="en-US" altLang="zh-CN" sz="1100" dirty="0"/>
+                  <a:t>Q-learning, </a:t>
+                </a:r>
+                <a:r>
+                  <a:rPr lang="zh-CN" altLang="en-US" sz="1100" dirty="0"/>
+                  <a:t>它通过</a:t>
+                </a:r>
+                <a:r>
+                  <a:rPr lang="en-US" altLang="zh-CN" sz="1100" dirty="0"/>
+                  <a:t>Q</a:t>
+                </a:r>
+                <a:r>
+                  <a:rPr lang="zh-CN" altLang="en-US" sz="1100" dirty="0"/>
+                  <a:t>值函数来指导智能体选择最优动作。在深度强化学习中</a:t>
+                </a:r>
+                <a:r>
+                  <a:rPr lang="en-US" altLang="zh-CN" sz="1100" dirty="0"/>
+                  <a:t>,Q-learning </a:t>
+                </a:r>
+                <a:r>
+                  <a:rPr lang="zh-CN" altLang="en-US" sz="1100" dirty="0"/>
+                  <a:t>被扩展为深度</a:t>
+                </a:r>
+                <a:r>
+                  <a:rPr lang="en-US" altLang="zh-CN" sz="1100" dirty="0"/>
+                  <a:t>Q</a:t>
+                </a:r>
+                <a:r>
+                  <a:rPr lang="zh-CN" altLang="en-US" sz="1100" dirty="0"/>
+                  <a:t>网络</a:t>
+                </a:r>
+                <a:r>
+                  <a:rPr lang="en-US" altLang="zh-CN" sz="1100" dirty="0"/>
+                  <a:t>(Deep Q-Network, DQN),</a:t>
+                </a:r>
+                <a:r>
+                  <a:rPr lang="zh-CN" altLang="en-US" sz="1100" dirty="0"/>
+                  <a:t>其中深度神经网络用于近似</a:t>
+                </a:r>
+                <a:r>
+                  <a:rPr lang="en-US" altLang="zh-CN" sz="1100" dirty="0"/>
+                  <a:t>Q</a:t>
+                </a:r>
+                <a:r>
+                  <a:rPr lang="zh-CN" altLang="en-US" sz="1100" dirty="0"/>
+                  <a:t>值函数。</a:t>
+                </a:r>
+                <a:r>
+                  <a:rPr lang="en-US" altLang="zh-CN" sz="1100" dirty="0"/>
+                  <a:t>DQN</a:t>
+                </a:r>
+                <a:r>
+                  <a:rPr lang="zh-CN" altLang="en-US" sz="1100" dirty="0"/>
+                  <a:t>利用神经网络的强大表达能力</a:t>
+                </a:r>
+                <a:r>
+                  <a:rPr lang="en-US" altLang="zh-CN" sz="1100" dirty="0"/>
+                  <a:t>,</a:t>
+                </a:r>
+                <a:r>
+                  <a:rPr lang="zh-CN" altLang="en-US" sz="1100" dirty="0"/>
+                  <a:t>能够在高维、连续状态空间中有效地学习策略。基于价值的方法的主要优点在于其采样效率较高</a:t>
+                </a:r>
+                <a:r>
+                  <a:rPr lang="en-US" altLang="zh-CN" sz="1100" dirty="0"/>
+                  <a:t>,</a:t>
+                </a:r>
+                <a:r>
+                  <a:rPr lang="zh-CN" altLang="en-US" sz="1100" dirty="0"/>
+                  <a:t>能够充分利用  环境交互的数据进行学习。然而</a:t>
+                </a:r>
+                <a:r>
+                  <a:rPr lang="en-US" altLang="zh-CN" sz="1100" dirty="0"/>
+                  <a:t>,</a:t>
+                </a:r>
+                <a:r>
+                  <a:rPr lang="zh-CN" altLang="en-US" sz="1100" dirty="0"/>
+                  <a:t>这类方法也存在一些局限性。首先</a:t>
+                </a:r>
+                <a:r>
+                  <a:rPr lang="en-US" altLang="zh-CN" sz="1100" dirty="0"/>
+                  <a:t>,</a:t>
+                </a:r>
+                <a:r>
+                  <a:rPr lang="zh-CN" altLang="en-US" sz="1100" dirty="0"/>
+                  <a:t>基于价值的方法通常难以处理连续动作空间的问题</a:t>
+                </a:r>
+                <a:r>
+                  <a:rPr lang="en-US" altLang="zh-CN" sz="1100" dirty="0"/>
+                  <a:t>,</a:t>
+                </a:r>
+                <a:r>
+                  <a:rPr lang="zh-CN" altLang="en-US" sz="1100" dirty="0"/>
+                  <a:t>因为</a:t>
+                </a:r>
+                <a:r>
+                  <a:rPr lang="en-US" altLang="zh-CN" sz="1100" dirty="0"/>
+                  <a:t>Q</a:t>
+                </a:r>
+                <a:r>
+                  <a:rPr lang="zh-CN" altLang="en-US" sz="1100" dirty="0"/>
+                  <a:t>值函数的离散化会导致动作选择的精度下降。其次</a:t>
+                </a:r>
+                <a:r>
+                  <a:rPr lang="en-US" altLang="zh-CN" sz="1100" dirty="0"/>
+                  <a:t>,DQN</a:t>
+                </a:r>
+                <a:r>
+                  <a:rPr lang="zh-CN" altLang="en-US" sz="1100" dirty="0"/>
+                  <a:t>等算法在使用</a:t>
+                </a:r>
+                <a:r>
+                  <a:rPr lang="en-US" altLang="zh-CN" sz="1100" dirty="0"/>
+                  <a:t>ε-</a:t>
+                </a:r>
+                <a:r>
+                  <a:rPr lang="zh-CN" altLang="en-US" sz="1100" dirty="0"/>
+                  <a:t>贪心策略和</a:t>
+                </a:r>
+                <a:r>
+                  <a:rPr lang="en-US" altLang="zh-CN" sz="1100" dirty="0"/>
+                  <a:t>max</a:t>
+                </a:r>
+                <a:r>
+                  <a:rPr lang="zh-CN" altLang="en-US" sz="1100" dirty="0"/>
+                  <a:t>操作时</a:t>
+                </a:r>
+                <a:r>
+                  <a:rPr lang="en-US" altLang="zh-CN" sz="1100" dirty="0"/>
+                  <a:t>,</a:t>
+                </a:r>
+                <a:r>
+                  <a:rPr lang="zh-CN" altLang="en-US" sz="1100" dirty="0"/>
+                  <a:t>可能会出现</a:t>
+                </a:r>
+                <a:r>
+                  <a:rPr lang="en-US" altLang="zh-CN" sz="1100" dirty="0"/>
+                  <a:t>Q</a:t>
+                </a:r>
+                <a:r>
+                  <a:rPr lang="zh-CN" altLang="en-US" sz="1100" dirty="0"/>
+                  <a:t>值的过估计问题</a:t>
+                </a:r>
+                <a:r>
+                  <a:rPr lang="en-US" altLang="zh-CN" sz="1100" dirty="0"/>
+                  <a:t>,</a:t>
+                </a:r>
+                <a:r>
+                  <a:rPr lang="zh-CN" altLang="en-US" sz="1100" dirty="0"/>
+                  <a:t>导致策略偏离最优。</a:t>
+                </a:r>
+                <a:endParaRPr lang="en-US" altLang="zh-CN" sz="1100" dirty="0"/>
+              </a:p>
+            </p:txBody>
+          </p:sp>
+        </mc:Choice>
+        <mc:Fallback xmlns="">
+          <p:sp>
+            <p:nvSpPr>
+              <p:cNvPr id="9" name="文本框 8">
+                <a:extLst>
+                  <a:ext uri="{FF2B5EF4-FFF2-40B4-BE49-F238E27FC236}">
+                    <a16:creationId xmlns:a16="http://schemas.microsoft.com/office/drawing/2014/main" id="{7D2644B6-5D22-4F65-94EB-5A1853F93339}"/>
+                  </a:ext>
+                </a:extLst>
+              </p:cNvPr>
+              <p:cNvSpPr txBox="1">
+                <a:spLocks noRot="1" noChangeAspect="1" noMove="1" noResize="1" noEditPoints="1" noAdjustHandles="1" noChangeArrowheads="1" noChangeShapeType="1" noTextEdit="1"/>
+              </p:cNvSpPr>
+              <p:nvPr/>
+            </p:nvSpPr>
+            <p:spPr>
+              <a:xfrm>
+                <a:off x="838200" y="3003044"/>
+                <a:ext cx="7136538" cy="3629070"/>
+              </a:xfrm>
+              <a:prstGeom prst="rect">
+                <a:avLst/>
+              </a:prstGeom>
+              <a:blipFill>
+                <a:blip r:embed="rId3"/>
+                <a:stretch>
+                  <a:fillRect r="-513" b="-168"/>
+                </a:stretch>
+              </a:blipFill>
+            </p:spPr>
+            <p:txBody>
+              <a:bodyPr/>
+              <a:lstStyle/>
+              <a:p>
+                <a:r>
+                  <a:rPr lang="zh-CN" altLang="en-US">
+                    <a:noFill/>
+                  </a:rPr>
+                  <a:t> </a:t>
+                </a:r>
+              </a:p>
+            </p:txBody>
+          </p:sp>
+        </mc:Fallback>
+      </mc:AlternateContent>
     </p:spTree>
     <p:extLst>
       <p:ext uri="{BB962C8B-B14F-4D97-AF65-F5344CB8AC3E}">
-        <p14:creationId xmlns:p14="http://schemas.microsoft.com/office/powerpoint/2010/main" val="3926933840"/>
+        <p14:creationId xmlns:p14="http://schemas.microsoft.com/office/powerpoint/2010/main" val="3419439747"/>
       </p:ext>
     </p:extLst>
   </p:cSld>
@@ -6470,7 +10857,7 @@
           <p:cNvPr id="2" name="标题 1">
             <a:extLst>
               <a:ext uri="{FF2B5EF4-FFF2-40B4-BE49-F238E27FC236}">
-                <a16:creationId xmlns:a16="http://schemas.microsoft.com/office/drawing/2014/main" id="{26086479-0454-4934-9F2E-9F5CA597371A}"/>
+                <a16:creationId xmlns:a16="http://schemas.microsoft.com/office/drawing/2014/main" id="{6C486A10-39B5-4F17-843F-6FF2B67E4FCC}"/>
               </a:ext>
             </a:extLst>
           </p:cNvPr>
@@ -6481,7 +10868,12 @@
             <p:ph type="title"/>
           </p:nvPr>
         </p:nvSpPr>
-        <p:spPr/>
+        <p:spPr>
+          <a:xfrm>
+            <a:off x="838200" y="365126"/>
+            <a:ext cx="10515600" cy="706930"/>
+          </a:xfrm>
+        </p:spPr>
         <p:txBody>
           <a:bodyPr>
             <a:normAutofit/>
@@ -6490,7 +10882,7 @@
           <a:p>
             <a:r>
               <a:rPr lang="zh-CN" altLang="en-US" sz="2400" dirty="0"/>
-              <a:t>应用：基于无镜头成像系统的人脸识别方法研究</a:t>
+              <a:t>基于深度强化学习的无镜头图像重建模型优化方法</a:t>
             </a:r>
           </a:p>
         </p:txBody>
@@ -6500,7 +10892,7 @@
           <p:cNvPr id="3" name="内容占位符 2">
             <a:extLst>
               <a:ext uri="{FF2B5EF4-FFF2-40B4-BE49-F238E27FC236}">
-                <a16:creationId xmlns:a16="http://schemas.microsoft.com/office/drawing/2014/main" id="{F6DB2813-BE69-40E7-AC1A-F210908269D2}"/>
+                <a16:creationId xmlns:a16="http://schemas.microsoft.com/office/drawing/2014/main" id="{A980174C-2F07-45F5-AC59-15E524212238}"/>
               </a:ext>
             </a:extLst>
           </p:cNvPr>
@@ -6511,91 +10903,382 @@
             <p:ph idx="1"/>
           </p:nvPr>
         </p:nvSpPr>
-        <p:spPr/>
+        <p:spPr>
+          <a:xfrm>
+            <a:off x="838200" y="1072056"/>
+            <a:ext cx="6224752" cy="4764373"/>
+          </a:xfrm>
+        </p:spPr>
         <p:txBody>
           <a:bodyPr>
             <a:normAutofit/>
           </a:bodyPr>
           <a:lstStyle/>
           <a:p>
-            <a:r>
-              <a:rPr lang="en-US" altLang="zh-CN" sz="1100" dirty="0"/>
-              <a:t>1. </a:t>
-            </a:r>
-            <a:r>
-              <a:rPr lang="zh-CN" altLang="en-US" sz="1100" dirty="0"/>
-              <a:t>核心思想：</a:t>
-            </a:r>
-            <a:r>
-              <a:rPr lang="en-US" altLang="zh-CN" sz="1100" dirty="0"/>
-              <a:t>Privacy-Preserving</a:t>
-            </a:r>
-          </a:p>
-          <a:p>
-            <a:r>
-              <a:rPr lang="en-US" altLang="zh-CN" sz="1100" dirty="0"/>
-              <a:t>   ? </a:t>
-            </a:r>
-            <a:r>
-              <a:rPr lang="zh-CN" altLang="en-US" sz="1100" dirty="0"/>
-              <a:t>利用人眼不可见的传感器 </a:t>
-            </a:r>
-            <a:r>
-              <a:rPr lang="en-US" altLang="zh-CN" sz="1100" dirty="0"/>
-              <a:t>Raw Data </a:t>
-            </a:r>
-            <a:r>
-              <a:rPr lang="zh-CN" altLang="en-US" sz="1100" dirty="0"/>
-              <a:t>直接识别，物理层保护隐私。</a:t>
-            </a:r>
-          </a:p>
-          <a:p>
-            <a:endParaRPr lang="zh-CN" altLang="en-US" sz="1100" dirty="0"/>
-          </a:p>
-          <a:p>
-            <a:r>
-              <a:rPr lang="en-US" altLang="zh-CN" sz="1100" dirty="0"/>
-              <a:t>2. </a:t>
-            </a:r>
-            <a:r>
-              <a:rPr lang="zh-CN" altLang="en-US" sz="1100" dirty="0"/>
-              <a:t>方法：</a:t>
-            </a:r>
-            <a:r>
-              <a:rPr lang="en-US" altLang="zh-CN" sz="1100" dirty="0"/>
-              <a:t>Stacking </a:t>
-            </a:r>
-            <a:r>
-              <a:rPr lang="zh-CN" altLang="en-US" sz="1100" dirty="0"/>
-              <a:t>集成学习</a:t>
-            </a:r>
-          </a:p>
-          <a:p>
-            <a:r>
-              <a:rPr lang="zh-CN" altLang="en-US" sz="1100" dirty="0"/>
-              <a:t>   </a:t>
-            </a:r>
-            <a:r>
-              <a:rPr lang="en-US" altLang="zh-CN" sz="1100" dirty="0"/>
-              <a:t>? VGG16</a:t>
-            </a:r>
-            <a:r>
-              <a:rPr lang="zh-CN" altLang="en-US" sz="1100" dirty="0"/>
-              <a:t>：提取局部特征。</a:t>
-            </a:r>
-          </a:p>
-          <a:p>
-            <a:r>
-              <a:rPr lang="zh-CN" altLang="en-US" sz="1100" dirty="0"/>
-              <a:t>   </a:t>
-            </a:r>
-            <a:r>
-              <a:rPr lang="en-US" altLang="zh-CN" sz="1100" dirty="0"/>
-              <a:t>? Vision Transformer (</a:t>
+            <a:pPr>
+              <a:lnSpc>
+                <a:spcPct val="125000"/>
+              </a:lnSpc>
+            </a:pPr>
+            <a:r>
+              <a:rPr lang="en-US" altLang="zh-CN" sz="1100" dirty="0"/>
+              <a:t>DQN</a:t>
+            </a:r>
+            <a:r>
+              <a:rPr lang="zh-CN" altLang="en-US" sz="1100" dirty="0"/>
+              <a:t>算法</a:t>
+            </a:r>
+            <a:r>
+              <a:rPr lang="en-US" altLang="zh-CN" sz="1100" dirty="0"/>
+              <a:t>:DQN</a:t>
+            </a:r>
+            <a:r>
+              <a:rPr lang="zh-CN" altLang="en-US" sz="1100" dirty="0"/>
+              <a:t>算法的流程如图所示。</a:t>
+            </a:r>
+            <a:r>
+              <a:rPr lang="en-US" altLang="zh-CN" sz="1100" dirty="0"/>
+              <a:t>Q</a:t>
+            </a:r>
+            <a:r>
+              <a:rPr lang="zh-CN" altLang="en-US" sz="1100" dirty="0"/>
+              <a:t>网络是</a:t>
+            </a:r>
+            <a:r>
+              <a:rPr lang="en-US" altLang="zh-CN" sz="1100" dirty="0"/>
+              <a:t>DQN</a:t>
+            </a:r>
+            <a:r>
+              <a:rPr lang="zh-CN" altLang="en-US" sz="1100" dirty="0"/>
+              <a:t>中的主网络</a:t>
+            </a:r>
+            <a:r>
+              <a:rPr lang="en-US" altLang="zh-CN" sz="1100" dirty="0"/>
+              <a:t>,</a:t>
+            </a:r>
+            <a:r>
+              <a:rPr lang="zh-CN" altLang="en-US" sz="1100" dirty="0"/>
+              <a:t>它用于估算当前状态下采取特定动作的</a:t>
+            </a:r>
+            <a:r>
+              <a:rPr lang="en-US" altLang="zh-CN" sz="1100" dirty="0"/>
+              <a:t>Q</a:t>
+            </a:r>
+            <a:r>
+              <a:rPr lang="zh-CN" altLang="en-US" sz="1100" dirty="0"/>
+              <a:t>值。</a:t>
+            </a:r>
+            <a:r>
+              <a:rPr lang="en-US" altLang="zh-CN" sz="1100" dirty="0"/>
+              <a:t>Q</a:t>
+            </a:r>
+            <a:r>
+              <a:rPr lang="zh-CN" altLang="en-US" sz="1100" dirty="0"/>
+              <a:t>值代表了在状态</a:t>
+            </a:r>
+            <a:r>
+              <a:rPr lang="en-US" altLang="zh-CN" sz="1100" dirty="0"/>
+              <a:t>s</a:t>
+            </a:r>
+            <a:r>
+              <a:rPr lang="zh-CN" altLang="en-US" sz="1100" dirty="0"/>
+              <a:t>下执行动作</a:t>
+            </a:r>
+            <a:r>
+              <a:rPr lang="en-US" altLang="zh-CN" sz="1100" dirty="0"/>
+              <a:t>a</a:t>
+            </a:r>
+            <a:r>
+              <a:rPr lang="zh-CN" altLang="en-US" sz="1100" dirty="0"/>
+              <a:t>后</a:t>
+            </a:r>
+            <a:r>
+              <a:rPr lang="en-US" altLang="zh-CN" sz="1100" dirty="0"/>
+              <a:t>,</a:t>
+            </a:r>
+            <a:r>
+              <a:rPr lang="zh-CN" altLang="en-US" sz="1100" dirty="0"/>
+              <a:t>智能体能够获得的预期累积回报。</a:t>
+            </a:r>
+            <a:r>
+              <a:rPr lang="en-US" altLang="zh-CN" sz="1100" dirty="0"/>
+              <a:t>Q</a:t>
+            </a:r>
+            <a:r>
+              <a:rPr lang="zh-CN" altLang="en-US" sz="1100" dirty="0"/>
+              <a:t>网络通过不断学习和调整其参数</a:t>
+            </a:r>
+            <a:r>
+              <a:rPr lang="en-US" altLang="zh-CN" sz="1100" dirty="0"/>
+              <a:t>,</a:t>
+            </a:r>
+            <a:r>
+              <a:rPr lang="zh-CN" altLang="en-US" sz="1100" dirty="0"/>
+              <a:t>来逐步提高对</a:t>
+            </a:r>
+            <a:r>
+              <a:rPr lang="en-US" altLang="zh-CN" sz="1100" dirty="0"/>
+              <a:t>Q</a:t>
+            </a:r>
+            <a:r>
+              <a:rPr lang="zh-CN" altLang="en-US" sz="1100" dirty="0"/>
+              <a:t>值的估计精度。</a:t>
+            </a:r>
+            <a:r>
+              <a:rPr lang="en-US" altLang="zh-CN" sz="1100" dirty="0"/>
+              <a:t>Q</a:t>
+            </a:r>
+            <a:r>
+              <a:rPr lang="zh-CN" altLang="en-US" sz="1100" dirty="0"/>
+              <a:t>网络接受当前状态</a:t>
+            </a:r>
+            <a:r>
+              <a:rPr lang="en-US" altLang="zh-CN" sz="1100" dirty="0"/>
+              <a:t>s</a:t>
+            </a:r>
+            <a:r>
+              <a:rPr lang="zh-CN" altLang="en-US" sz="1100" dirty="0"/>
+              <a:t>作为输入</a:t>
+            </a:r>
+            <a:r>
+              <a:rPr lang="en-US" altLang="zh-CN" sz="1100" dirty="0"/>
+              <a:t>,</a:t>
+            </a:r>
+            <a:r>
+              <a:rPr lang="zh-CN" altLang="en-US" sz="1100" dirty="0"/>
+              <a:t>描述环境中的特征</a:t>
+            </a:r>
+            <a:r>
+              <a:rPr lang="en-US" altLang="zh-CN" sz="1100" dirty="0"/>
+              <a:t>,</a:t>
+            </a:r>
+            <a:r>
+              <a:rPr lang="zh-CN" altLang="en-US" sz="1100" dirty="0"/>
+              <a:t>同时输出在当前状态下所有可能动作的</a:t>
+            </a:r>
+            <a:r>
+              <a:rPr lang="en-US" altLang="zh-CN" sz="1100" dirty="0"/>
+              <a:t>Q</a:t>
+            </a:r>
+            <a:r>
+              <a:rPr lang="zh-CN" altLang="en-US" sz="1100" dirty="0"/>
+              <a:t>值。这些 </a:t>
+            </a:r>
+            <a:r>
+              <a:rPr lang="en-US" altLang="zh-CN" sz="1100" dirty="0"/>
+              <a:t>Q </a:t>
+            </a:r>
+            <a:r>
+              <a:rPr lang="zh-CN" altLang="en-US" sz="1100" dirty="0"/>
+              <a:t>值用于决定智能体在当前状态下应采取的最佳动作。目标网络与</a:t>
+            </a:r>
+            <a:r>
+              <a:rPr lang="en-US" altLang="zh-CN" sz="1100" dirty="0"/>
+              <a:t>Q</a:t>
+            </a:r>
+            <a:r>
+              <a:rPr lang="zh-CN" altLang="en-US" sz="1100" dirty="0"/>
+              <a:t>网络结构相同</a:t>
+            </a:r>
+            <a:r>
+              <a:rPr lang="en-US" altLang="zh-CN" sz="1100" dirty="0"/>
+              <a:t>,</a:t>
+            </a:r>
+            <a:r>
+              <a:rPr lang="zh-CN" altLang="en-US" sz="1100" dirty="0"/>
+              <a:t>但其参数是从</a:t>
+            </a:r>
+            <a:r>
+              <a:rPr lang="en-US" altLang="zh-CN" sz="1100" dirty="0"/>
+              <a:t>Q</a:t>
+            </a:r>
+            <a:r>
+              <a:rPr lang="zh-CN" altLang="en-US" sz="1100" dirty="0"/>
+              <a:t>网络中定期复制而来的。目标网络的作用是为更新</a:t>
+            </a:r>
+            <a:r>
+              <a:rPr lang="en-US" altLang="zh-CN" sz="1100" dirty="0"/>
+              <a:t>Q</a:t>
+            </a:r>
+            <a:r>
+              <a:rPr lang="zh-CN" altLang="en-US" sz="1100" dirty="0"/>
+              <a:t>网络参数的过程提供一个稳定的目标</a:t>
+            </a:r>
+            <a:r>
+              <a:rPr lang="en-US" altLang="zh-CN" sz="1100" dirty="0"/>
+              <a:t>Q</a:t>
+            </a:r>
+            <a:r>
+              <a:rPr lang="zh-CN" altLang="en-US" sz="1100" dirty="0"/>
+              <a:t>值</a:t>
+            </a:r>
+            <a:r>
+              <a:rPr lang="en-US" altLang="zh-CN" sz="1100" dirty="0"/>
+              <a:t>,</a:t>
+            </a:r>
+            <a:r>
+              <a:rPr lang="zh-CN" altLang="en-US" sz="1100" dirty="0"/>
+              <a:t>这避免了</a:t>
+            </a:r>
+            <a:r>
+              <a:rPr lang="en-US" altLang="zh-CN" sz="1100" dirty="0"/>
+              <a:t>Q</a:t>
+            </a:r>
+            <a:r>
+              <a:rPr lang="zh-CN" altLang="en-US" sz="1100" dirty="0"/>
+              <a:t>网络在更新过程中因目标值的频繁变化而导致的不稳定性。经验池是一个存储智能体与环境交互的经验数据的缓存区</a:t>
+            </a:r>
+            <a:r>
+              <a:rPr lang="en-US" altLang="zh-CN" sz="1100" dirty="0"/>
+              <a:t>, </a:t>
+            </a:r>
+            <a:r>
+              <a:rPr lang="zh-CN" altLang="en-US" sz="1100" dirty="0"/>
+              <a:t>经验回放的主要作用是打破数据的时间相关性</a:t>
+            </a:r>
+            <a:r>
+              <a:rPr lang="en-US" altLang="zh-CN" sz="1100" dirty="0"/>
+              <a:t>,</a:t>
+            </a:r>
+            <a:r>
+              <a:rPr lang="zh-CN" altLang="en-US" sz="1100" dirty="0"/>
+              <a:t>从而提高训练的稳定性和效率。在每一步中</a:t>
+            </a:r>
+            <a:r>
+              <a:rPr lang="en-US" altLang="zh-CN" sz="1100" dirty="0"/>
+              <a:t>,</a:t>
+            </a:r>
+            <a:r>
+              <a:rPr lang="zh-CN" altLang="en-US" sz="1100" dirty="0"/>
+              <a:t>智能体基于当前状态</a:t>
+            </a:r>
+            <a:r>
+              <a:rPr lang="en-US" altLang="zh-CN" sz="1100" dirty="0"/>
+              <a:t>s</a:t>
+            </a:r>
+            <a:r>
+              <a:rPr lang="zh-CN" altLang="en-US" sz="1100" dirty="0"/>
+              <a:t>通过</a:t>
+            </a:r>
+            <a:r>
+              <a:rPr lang="en-US" altLang="zh-CN" sz="1100" dirty="0"/>
+              <a:t>ε-greedy</a:t>
+            </a:r>
+            <a:r>
+              <a:rPr lang="zh-CN" altLang="en-US" sz="1100" dirty="0"/>
+              <a:t>策略选择一个动作</a:t>
             </a:r>
             <a:r>
               <a:rPr lang="en-US" altLang="zh-CN" sz="1100" dirty="0" err="1"/>
-              <a:t>ViT</a:t>
+              <a:t>a,Q</a:t>
+            </a:r>
+            <a:r>
+              <a:rPr lang="zh-CN" altLang="en-US" sz="1100" dirty="0"/>
+              <a:t>网络预测所有可能动作的</a:t>
+            </a:r>
+            <a:r>
+              <a:rPr lang="en-US" altLang="zh-CN" sz="1100" dirty="0"/>
+              <a:t>Q</a:t>
+            </a:r>
+            <a:r>
+              <a:rPr lang="zh-CN" altLang="en-US" sz="1100" dirty="0"/>
+              <a:t>值</a:t>
+            </a:r>
+            <a:r>
+              <a:rPr lang="en-US" altLang="zh-CN" sz="1100" dirty="0"/>
+              <a:t>,</a:t>
+            </a:r>
+            <a:r>
+              <a:rPr lang="zh-CN" altLang="en-US" sz="1100" dirty="0"/>
+              <a:t>并选择最大值对应的动作来执行。智能体执行选择某个动作</a:t>
+            </a:r>
+            <a:r>
+              <a:rPr lang="en-US" altLang="zh-CN" sz="1100" dirty="0"/>
+              <a:t>a</a:t>
+            </a:r>
+            <a:r>
+              <a:rPr lang="zh-CN" altLang="en-US" sz="1100" dirty="0"/>
+              <a:t>后</a:t>
+            </a:r>
+            <a:r>
+              <a:rPr lang="en-US" altLang="zh-CN" sz="1100" dirty="0"/>
+              <a:t>,</a:t>
+            </a:r>
+            <a:r>
+              <a:rPr lang="zh-CN" altLang="en-US" sz="1100" dirty="0"/>
+              <a:t>环境将反馈一个即时奖励</a:t>
+            </a:r>
+            <a:r>
+              <a:rPr lang="en-US" altLang="zh-CN" sz="1100" dirty="0"/>
+              <a:t>r</a:t>
+            </a:r>
+            <a:r>
+              <a:rPr lang="zh-CN" altLang="en-US" sz="1100" dirty="0"/>
+              <a:t>并转移到下一个状态</a:t>
+            </a:r>
+            <a:r>
+              <a:rPr lang="en-US" altLang="zh-CN" sz="1100" dirty="0"/>
+              <a:t>s′,</a:t>
+            </a:r>
+            <a:r>
+              <a:rPr lang="zh-CN" altLang="en-US" sz="1100" dirty="0"/>
+              <a:t>这个交互产生的经验</a:t>
+            </a:r>
+            <a:r>
+              <a:rPr lang="en-US" altLang="zh-CN" sz="1100" dirty="0"/>
+              <a:t>(s, a, r, s′)</a:t>
+            </a:r>
+            <a:r>
+              <a:rPr lang="zh-CN" altLang="en-US" sz="1100" dirty="0"/>
+              <a:t>将被存储到经验池中。在每个训练步骤中</a:t>
+            </a:r>
+            <a:r>
+              <a:rPr lang="en-US" altLang="zh-CN" sz="1100" dirty="0"/>
+              <a:t>,</a:t>
+            </a:r>
+            <a:r>
+              <a:rPr lang="zh-CN" altLang="en-US" sz="1100" dirty="0"/>
+              <a:t>从经验池中随机抽取一个小批量经验</a:t>
+            </a:r>
+            <a:r>
+              <a:rPr lang="en-US" altLang="zh-CN" sz="1100" dirty="0"/>
+              <a:t>,</a:t>
+            </a:r>
+            <a:r>
+              <a:rPr lang="zh-CN" altLang="en-US" sz="1100" dirty="0"/>
+              <a:t>使用这些经验来计算</a:t>
+            </a:r>
+            <a:r>
+              <a:rPr lang="en-US" altLang="zh-CN" sz="1100" dirty="0"/>
+              <a:t>Q</a:t>
+            </a:r>
+            <a:r>
+              <a:rPr lang="zh-CN" altLang="en-US" sz="1100" dirty="0"/>
+              <a:t>网络的损失函数。</a:t>
+            </a:r>
+            <a:r>
+              <a:rPr lang="en-US" altLang="zh-CN" sz="1100" dirty="0"/>
+              <a:t>Q </a:t>
+            </a:r>
+            <a:r>
+              <a:rPr lang="zh-CN" altLang="en-US" sz="1100" dirty="0"/>
+              <a:t>网络的输出</a:t>
+            </a:r>
+            <a:r>
+              <a:rPr lang="en-US" altLang="zh-CN" sz="1100" dirty="0"/>
+              <a:t>(</a:t>
+            </a:r>
+            <a:r>
+              <a:rPr lang="zh-CN" altLang="en-US" sz="1100" dirty="0"/>
+              <a:t>即预测的 </a:t>
+            </a:r>
+            <a:r>
+              <a:rPr lang="en-US" altLang="zh-CN" sz="1100" dirty="0"/>
+              <a:t>Q </a:t>
+            </a:r>
+            <a:r>
+              <a:rPr lang="zh-CN" altLang="en-US" sz="1100" dirty="0"/>
+              <a:t>值</a:t>
             </a:r>
             <a:r>
               <a:rPr lang="en-US" altLang="zh-CN" sz="1100" dirty="0"/>
@@ -6603,58 +11286,221 @@
             </a:r>
             <a:r>
               <a:rPr lang="zh-CN" altLang="en-US" sz="1100" dirty="0"/>
-              <a:t>：利用 </a:t>
-            </a:r>
-            <a:r>
-              <a:rPr lang="en-US" altLang="zh-CN" sz="1100" dirty="0"/>
-              <a:t>Attention </a:t>
-            </a:r>
-            <a:r>
-              <a:rPr lang="zh-CN" altLang="en-US" sz="1100" dirty="0"/>
-              <a:t>提取全局关联（适应散斑信号）。</a:t>
-            </a:r>
-          </a:p>
-          <a:p>
-            <a:endParaRPr lang="zh-CN" altLang="en-US" sz="1100" dirty="0"/>
-          </a:p>
-          <a:p>
-            <a:r>
-              <a:rPr lang="en-US" altLang="zh-CN" sz="1100" dirty="0"/>
-              <a:t>3. </a:t>
-            </a:r>
-            <a:r>
-              <a:rPr lang="zh-CN" altLang="en-US" sz="1100" dirty="0"/>
-              <a:t>结果：</a:t>
-            </a:r>
-          </a:p>
-          <a:p>
-            <a:r>
-              <a:rPr lang="zh-CN" altLang="en-US" sz="1100" dirty="0"/>
-              <a:t>   </a:t>
-            </a:r>
-            <a:r>
-              <a:rPr lang="en-US" altLang="zh-CN" sz="1100" dirty="0"/>
-              <a:t>? </a:t>
-            </a:r>
-            <a:r>
-              <a:rPr lang="zh-CN" altLang="en-US" sz="1100" dirty="0"/>
-              <a:t>准确率 </a:t>
-            </a:r>
-            <a:r>
-              <a:rPr lang="en-US" altLang="zh-CN" sz="1100" dirty="0"/>
-              <a:t>83.1%</a:t>
-            </a:r>
-            <a:r>
-              <a:rPr lang="zh-CN" altLang="en-US" sz="1100" dirty="0"/>
-              <a:t>，证明了无镜头图像中蕴含丰富的语义信息。</a:t>
+              <a:t>将与目标网络计算的目标</a:t>
+            </a:r>
+            <a:r>
+              <a:rPr lang="en-US" altLang="zh-CN" sz="1100" dirty="0"/>
+              <a:t>Q</a:t>
+            </a:r>
+            <a:r>
+              <a:rPr lang="zh-CN" altLang="en-US" sz="1100" dirty="0"/>
+              <a:t>值进行比较</a:t>
+            </a:r>
+            <a:r>
+              <a:rPr lang="en-US" altLang="zh-CN" sz="1100" dirty="0"/>
+              <a:t>,</a:t>
+            </a:r>
+            <a:r>
+              <a:rPr lang="zh-CN" altLang="en-US" sz="1100" dirty="0"/>
+              <a:t>从而得到损失。在训练过程中</a:t>
+            </a:r>
+            <a:r>
+              <a:rPr lang="en-US" altLang="zh-CN" sz="1100" dirty="0"/>
+              <a:t>,</a:t>
+            </a:r>
+            <a:r>
+              <a:rPr lang="zh-CN" altLang="en-US" sz="1100" dirty="0"/>
+              <a:t>使用反向传播算法</a:t>
+            </a:r>
+            <a:r>
+              <a:rPr lang="en-US" altLang="zh-CN" sz="1100" dirty="0"/>
+              <a:t>,</a:t>
+            </a:r>
+            <a:r>
+              <a:rPr lang="zh-CN" altLang="en-US" sz="1100" dirty="0"/>
+              <a:t>将损失函数关于</a:t>
+            </a:r>
+            <a:r>
+              <a:rPr lang="en-US" altLang="zh-CN" sz="1100" dirty="0"/>
+              <a:t>Q</a:t>
+            </a:r>
+            <a:r>
+              <a:rPr lang="zh-CN" altLang="en-US" sz="1100" dirty="0"/>
+              <a:t>网络参数</a:t>
+            </a:r>
+            <a:r>
+              <a:rPr lang="en-US" altLang="zh-CN" sz="1100" dirty="0"/>
+              <a:t>θ</a:t>
+            </a:r>
+            <a:r>
+              <a:rPr lang="zh-CN" altLang="en-US" sz="1100" dirty="0"/>
+              <a:t>的梯度传播回网络</a:t>
+            </a:r>
+            <a:r>
+              <a:rPr lang="en-US" altLang="zh-CN" sz="1100" dirty="0"/>
+              <a:t>,</a:t>
+            </a:r>
+            <a:r>
+              <a:rPr lang="zh-CN" altLang="en-US" sz="1100" dirty="0"/>
+              <a:t>调整</a:t>
+            </a:r>
+            <a:r>
+              <a:rPr lang="en-US" altLang="zh-CN" sz="1100" dirty="0"/>
+              <a:t>Q</a:t>
+            </a:r>
+            <a:r>
+              <a:rPr lang="zh-CN" altLang="en-US" sz="1100" dirty="0"/>
+              <a:t>网络的参数</a:t>
+            </a:r>
+            <a:r>
+              <a:rPr lang="en-US" altLang="zh-CN" sz="1100" dirty="0"/>
+              <a:t>,</a:t>
+            </a:r>
+            <a:r>
+              <a:rPr lang="zh-CN" altLang="en-US" sz="1100" dirty="0"/>
+              <a:t>使得网络输出的</a:t>
+            </a:r>
+            <a:r>
+              <a:rPr lang="en-US" altLang="zh-CN" sz="1100" dirty="0"/>
+              <a:t>Q</a:t>
+            </a:r>
+            <a:r>
+              <a:rPr lang="zh-CN" altLang="en-US" sz="1100" dirty="0"/>
+              <a:t>值逐步接近目标值。另外</a:t>
+            </a:r>
+            <a:r>
+              <a:rPr lang="en-US" altLang="zh-CN" sz="1100" dirty="0"/>
+              <a:t>,</a:t>
+            </a:r>
+            <a:r>
+              <a:rPr lang="zh-CN" altLang="en-US" sz="1100" dirty="0"/>
+              <a:t>目标网络的参数</a:t>
+            </a:r>
+            <a:r>
+              <a:rPr lang="en-US" altLang="zh-CN" sz="1100" dirty="0"/>
+              <a:t>θ−</a:t>
+            </a:r>
+            <a:r>
+              <a:rPr lang="zh-CN" altLang="en-US" sz="1100" dirty="0"/>
+              <a:t>不是一直更新的</a:t>
+            </a:r>
+            <a:r>
+              <a:rPr lang="en-US" altLang="zh-CN" sz="1100" dirty="0"/>
+              <a:t>,</a:t>
+            </a:r>
+            <a:r>
+              <a:rPr lang="zh-CN" altLang="en-US" sz="1100" dirty="0"/>
+              <a:t>而是每隔固定的步数才复制一次</a:t>
+            </a:r>
+            <a:r>
+              <a:rPr lang="en-US" altLang="zh-CN" sz="1100" dirty="0"/>
+              <a:t>Q</a:t>
+            </a:r>
+            <a:r>
+              <a:rPr lang="zh-CN" altLang="en-US" sz="1100" dirty="0"/>
+              <a:t>网络的参数。这种更新方式可以通过减少目标值的变化确保训练过程中目标网络的稳定性。</a:t>
+            </a:r>
+            <a:endParaRPr lang="en-US" altLang="zh-CN" sz="1100" dirty="0"/>
+          </a:p>
+          <a:p>
+            <a:pPr>
+              <a:lnSpc>
+                <a:spcPct val="125000"/>
+              </a:lnSpc>
+            </a:pPr>
+            <a:r>
+              <a:rPr lang="zh-CN" altLang="en-US" sz="1100" dirty="0"/>
+              <a:t>动作空间</a:t>
+            </a:r>
+            <a:r>
+              <a:rPr lang="en-US" altLang="zh-CN" sz="1100" dirty="0"/>
+              <a:t>:	</a:t>
+            </a:r>
+            <a:r>
+              <a:rPr lang="zh-CN" altLang="en-US" sz="1100" dirty="0"/>
+              <a:t>在 </a:t>
+            </a:r>
+            <a:r>
+              <a:rPr lang="en-US" altLang="zh-CN" sz="1100" dirty="0"/>
+              <a:t>DQN </a:t>
+            </a:r>
+            <a:r>
+              <a:rPr lang="zh-CN" altLang="en-US" sz="1100" dirty="0"/>
+              <a:t>算法框架下</a:t>
+            </a:r>
+            <a:r>
+              <a:rPr lang="en-US" altLang="zh-CN" sz="1100" dirty="0"/>
+              <a:t>,</a:t>
+            </a:r>
+            <a:r>
+              <a:rPr lang="zh-CN" altLang="en-US" sz="1100" dirty="0"/>
+              <a:t>智能体需要在离散的动作空间中选择最优动作</a:t>
+            </a:r>
+            <a:r>
+              <a:rPr lang="en-US" altLang="zh-CN" sz="1100" dirty="0"/>
+              <a:t>,</a:t>
+            </a:r>
+            <a:r>
+              <a:rPr lang="zh-CN" altLang="en-US" sz="1100" dirty="0"/>
+              <a:t>逐步  优化其策略</a:t>
+            </a:r>
+            <a:r>
+              <a:rPr lang="en-US" altLang="zh-CN" sz="1100" dirty="0"/>
+              <a:t>,</a:t>
+            </a:r>
+            <a:r>
+              <a:rPr lang="zh-CN" altLang="en-US" sz="1100" dirty="0"/>
+              <a:t>以最大化累积奖励。离散的动作空间意味着每个动作都是明确定义  且可区分的操作。文章中选择了对于现有的</a:t>
+            </a:r>
+            <a:r>
+              <a:rPr lang="en-US" altLang="zh-CN" sz="1100" dirty="0"/>
+              <a:t>HA-</a:t>
+            </a:r>
+            <a:r>
+              <a:rPr lang="en-US" altLang="zh-CN" sz="1100" dirty="0" err="1"/>
+              <a:t>Unet</a:t>
+            </a:r>
+            <a:r>
+              <a:rPr lang="zh-CN" altLang="en-US" sz="1100" dirty="0"/>
+              <a:t>结构进行“加深网络”和“加宽网络”以及“调整损失函数权重”动作来进行优化</a:t>
             </a:r>
           </a:p>
         </p:txBody>
       </p:sp>
+      <p:pic>
+        <p:nvPicPr>
+          <p:cNvPr id="7" name="图片 6">
+            <a:extLst>
+              <a:ext uri="{FF2B5EF4-FFF2-40B4-BE49-F238E27FC236}">
+                <a16:creationId xmlns:a16="http://schemas.microsoft.com/office/drawing/2014/main" id="{9CD94B2C-92F8-4033-AB92-4D15C3FA5951}"/>
+              </a:ext>
+            </a:extLst>
+          </p:cNvPr>
+          <p:cNvPicPr>
+            <a:picLocks noChangeAspect="1"/>
+          </p:cNvPicPr>
+          <p:nvPr/>
+        </p:nvPicPr>
+        <p:blipFill>
+          <a:blip r:embed="rId2"/>
+          <a:stretch>
+            <a:fillRect/>
+          </a:stretch>
+        </p:blipFill>
+        <p:spPr>
+          <a:xfrm>
+            <a:off x="7356090" y="932687"/>
+            <a:ext cx="4485505" cy="3076663"/>
+          </a:xfrm>
+          <a:prstGeom prst="rect">
+            <a:avLst/>
+          </a:prstGeom>
+        </p:spPr>
+      </p:pic>
     </p:spTree>
     <p:extLst>
       <p:ext uri="{BB962C8B-B14F-4D97-AF65-F5344CB8AC3E}">
-        <p14:creationId xmlns:p14="http://schemas.microsoft.com/office/powerpoint/2010/main" val="1434075642"/>
+        <p14:creationId xmlns:p14="http://schemas.microsoft.com/office/powerpoint/2010/main" val="383663687"/>
       </p:ext>
     </p:extLst>
   </p:cSld>

--- a/2025.12.22/2025.12.22.pptx
+++ b/2025.12.22/2025.12.22.pptx
@@ -276,7 +276,7 @@
           <a:p>
             <a:fld id="{C21D6509-5E71-4CDE-8E68-43129F11364D}" type="datetimeFigureOut">
               <a:rPr lang="zh-CN" altLang="en-US" smtClean="0"/>
-              <a:t>2025/12/18</a:t>
+              <a:t>2026/1/5</a:t>
             </a:fld>
             <a:endParaRPr lang="zh-CN" altLang="en-US"/>
           </a:p>
@@ -474,7 +474,7 @@
           <a:p>
             <a:fld id="{C21D6509-5E71-4CDE-8E68-43129F11364D}" type="datetimeFigureOut">
               <a:rPr lang="zh-CN" altLang="en-US" smtClean="0"/>
-              <a:t>2025/12/18</a:t>
+              <a:t>2026/1/5</a:t>
             </a:fld>
             <a:endParaRPr lang="zh-CN" altLang="en-US"/>
           </a:p>
@@ -682,7 +682,7 @@
           <a:p>
             <a:fld id="{C21D6509-5E71-4CDE-8E68-43129F11364D}" type="datetimeFigureOut">
               <a:rPr lang="zh-CN" altLang="en-US" smtClean="0"/>
-              <a:t>2025/12/18</a:t>
+              <a:t>2026/1/5</a:t>
             </a:fld>
             <a:endParaRPr lang="zh-CN" altLang="en-US"/>
           </a:p>
@@ -880,7 +880,7 @@
           <a:p>
             <a:fld id="{C21D6509-5E71-4CDE-8E68-43129F11364D}" type="datetimeFigureOut">
               <a:rPr lang="zh-CN" altLang="en-US" smtClean="0"/>
-              <a:t>2025/12/18</a:t>
+              <a:t>2026/1/5</a:t>
             </a:fld>
             <a:endParaRPr lang="zh-CN" altLang="en-US"/>
           </a:p>
@@ -1155,7 +1155,7 @@
           <a:p>
             <a:fld id="{C21D6509-5E71-4CDE-8E68-43129F11364D}" type="datetimeFigureOut">
               <a:rPr lang="zh-CN" altLang="en-US" smtClean="0"/>
-              <a:t>2025/12/18</a:t>
+              <a:t>2026/1/5</a:t>
             </a:fld>
             <a:endParaRPr lang="zh-CN" altLang="en-US"/>
           </a:p>
@@ -1420,7 +1420,7 @@
           <a:p>
             <a:fld id="{C21D6509-5E71-4CDE-8E68-43129F11364D}" type="datetimeFigureOut">
               <a:rPr lang="zh-CN" altLang="en-US" smtClean="0"/>
-              <a:t>2025/12/18</a:t>
+              <a:t>2026/1/5</a:t>
             </a:fld>
             <a:endParaRPr lang="zh-CN" altLang="en-US"/>
           </a:p>
@@ -1832,7 +1832,7 @@
           <a:p>
             <a:fld id="{C21D6509-5E71-4CDE-8E68-43129F11364D}" type="datetimeFigureOut">
               <a:rPr lang="zh-CN" altLang="en-US" smtClean="0"/>
-              <a:t>2025/12/18</a:t>
+              <a:t>2026/1/5</a:t>
             </a:fld>
             <a:endParaRPr lang="zh-CN" altLang="en-US"/>
           </a:p>
@@ -1973,7 +1973,7 @@
           <a:p>
             <a:fld id="{C21D6509-5E71-4CDE-8E68-43129F11364D}" type="datetimeFigureOut">
               <a:rPr lang="zh-CN" altLang="en-US" smtClean="0"/>
-              <a:t>2025/12/18</a:t>
+              <a:t>2026/1/5</a:t>
             </a:fld>
             <a:endParaRPr lang="zh-CN" altLang="en-US"/>
           </a:p>
@@ -2086,7 +2086,7 @@
           <a:p>
             <a:fld id="{C21D6509-5E71-4CDE-8E68-43129F11364D}" type="datetimeFigureOut">
               <a:rPr lang="zh-CN" altLang="en-US" smtClean="0"/>
-              <a:t>2025/12/18</a:t>
+              <a:t>2026/1/5</a:t>
             </a:fld>
             <a:endParaRPr lang="zh-CN" altLang="en-US"/>
           </a:p>
@@ -2397,7 +2397,7 @@
           <a:p>
             <a:fld id="{C21D6509-5E71-4CDE-8E68-43129F11364D}" type="datetimeFigureOut">
               <a:rPr lang="zh-CN" altLang="en-US" smtClean="0"/>
-              <a:t>2025/12/18</a:t>
+              <a:t>2026/1/5</a:t>
             </a:fld>
             <a:endParaRPr lang="zh-CN" altLang="en-US"/>
           </a:p>
@@ -2685,7 +2685,7 @@
           <a:p>
             <a:fld id="{C21D6509-5E71-4CDE-8E68-43129F11364D}" type="datetimeFigureOut">
               <a:rPr lang="zh-CN" altLang="en-US" smtClean="0"/>
-              <a:t>2025/12/18</a:t>
+              <a:t>2026/1/5</a:t>
             </a:fld>
             <a:endParaRPr lang="zh-CN" altLang="en-US"/>
           </a:p>
@@ -2926,7 +2926,7 @@
           <a:p>
             <a:fld id="{C21D6509-5E71-4CDE-8E68-43129F11364D}" type="datetimeFigureOut">
               <a:rPr lang="zh-CN" altLang="en-US" smtClean="0"/>
-              <a:t>2025/12/18</a:t>
+              <a:t>2026/1/5</a:t>
             </a:fld>
             <a:endParaRPr lang="zh-CN" altLang="en-US"/>
           </a:p>
@@ -3761,7 +3761,7 @@
             </a:r>
             <a:r>
               <a:rPr lang="en-US" altLang="zh-CN" sz="1100" dirty="0"/>
-              <a:t>4</a:t>
+              <a:t>4-4</a:t>
             </a:r>
             <a:r>
               <a:rPr lang="zh-CN" altLang="en-US" sz="1100" dirty="0"/>
@@ -6287,7 +6287,7 @@
             </a:r>
             <a:r>
               <a:rPr lang="zh-CN" altLang="en-US" sz="2800" dirty="0"/>
-              <a:t>轻量化和薄型化等需求已经成为设备指引新的发展方向</a:t>
+              <a:t>轻量化和薄型化等需求已经成为设备指引新的发展方向。</a:t>
             </a:r>
             <a:endParaRPr lang="en-US" altLang="zh-CN" sz="2800" dirty="0"/>
           </a:p>
@@ -6362,14 +6362,6 @@
             </a:pPr>
             <a:r>
               <a:rPr lang="zh-CN" altLang="en-US" sz="2800" dirty="0"/>
-              <a:t>然而</a:t>
-            </a:r>
-            <a:r>
-              <a:rPr lang="en-US" altLang="zh-CN" sz="2800" dirty="0"/>
-              <a:t>,</a:t>
-            </a:r>
-            <a:r>
-              <a:rPr lang="zh-CN" altLang="en-US" sz="2800" dirty="0"/>
               <a:t>在解决逆问题的过程中</a:t>
             </a:r>
             <a:r>
@@ -6414,14 +6406,6 @@
             </a:pPr>
             <a:r>
               <a:rPr lang="zh-CN" altLang="en-US" sz="2800" dirty="0"/>
-              <a:t>此外</a:t>
-            </a:r>
-            <a:r>
-              <a:rPr lang="en-US" altLang="zh-CN" sz="2800" dirty="0"/>
-              <a:t>,</a:t>
-            </a:r>
-            <a:r>
-              <a:rPr lang="zh-CN" altLang="en-US" sz="2800" dirty="0"/>
               <a:t>逆问题的求解过程计算量大</a:t>
             </a:r>
             <a:r>
@@ -6448,14 +6432,6 @@
                 <a:spcPct val="145000"/>
               </a:lnSpc>
             </a:pPr>
-            <a:r>
-              <a:rPr lang="zh-CN" altLang="en-US" sz="2800" dirty="0"/>
-              <a:t>此外</a:t>
-            </a:r>
-            <a:r>
-              <a:rPr lang="en-US" altLang="zh-CN" sz="2800" dirty="0"/>
-              <a:t>,</a:t>
-            </a:r>
             <a:r>
               <a:rPr lang="zh-CN" altLang="en-US" sz="2800" dirty="0"/>
               <a:t>逆问题的求解往往是病态的</a:t>
@@ -6569,8 +6545,8 @@
           </a:p>
         </p:txBody>
       </p:sp>
-      <mc:AlternateContent xmlns:mc="http://schemas.openxmlformats.org/markup-compatibility/2006" xmlns:a14="http://schemas.microsoft.com/office/drawing/2010/main">
-        <mc:Choice Requires="a14">
+      <mc:AlternateContent xmlns:mc="http://schemas.openxmlformats.org/markup-compatibility/2006">
+        <mc:Choice xmlns:a14="http://schemas.microsoft.com/office/drawing/2010/main" Requires="a14">
           <p:sp>
             <p:nvSpPr>
               <p:cNvPr id="3" name="内容占位符 2">
@@ -6786,14 +6762,6 @@
                     <a:spcPct val="125000"/>
                   </a:lnSpc>
                 </a:pPr>
-                <a:r>
-                  <a:rPr lang="zh-CN" altLang="en-US" sz="1100" dirty="0"/>
-                  <a:t>具体而言</a:t>
-                </a:r>
-                <a:r>
-                  <a:rPr lang="en-US" altLang="zh-CN" sz="1100" dirty="0"/>
-                  <a:t>,  </a:t>
-                </a:r>
                 <a:r>
                   <a:rPr lang="zh-CN" altLang="en-US" sz="1100" dirty="0"/>
                   <a:t>其中 </a:t>
@@ -7247,7 +7215,7 @@
             </p:txBody>
           </p:sp>
         </mc:Choice>
-        <mc:Fallback xmlns="">
+        <mc:Fallback>
           <p:sp>
             <p:nvSpPr>
               <p:cNvPr id="3" name="内容占位符 2">
@@ -7272,7 +7240,7 @@
               <a:blipFill>
                 <a:blip r:embed="rId2"/>
                 <a:stretch>
-                  <a:fillRect b="-9756"/>
+                  <a:fillRect b="-542"/>
                 </a:stretch>
               </a:blipFill>
             </p:spPr>
@@ -7313,8 +7281,8 @@
         </p:blipFill>
         <p:spPr>
           <a:xfrm>
-            <a:off x="7379880" y="3838966"/>
-            <a:ext cx="4509662" cy="2791695"/>
+            <a:off x="7040744" y="3629026"/>
+            <a:ext cx="4848798" cy="3001636"/>
           </a:xfrm>
           <a:prstGeom prst="rect">
             <a:avLst/>
@@ -8739,10 +8707,15 @@
         </p:spPr>
         <p:txBody>
           <a:bodyPr>
-            <a:normAutofit/>
+            <a:normAutofit lnSpcReduction="10000"/>
           </a:bodyPr>
           <a:lstStyle/>
           <a:p>
+            <a:pPr>
+              <a:lnSpc>
+                <a:spcPct val="125000"/>
+              </a:lnSpc>
+            </a:pPr>
             <a:r>
               <a:rPr lang="en-US" altLang="zh-CN" sz="1100" dirty="0"/>
               <a:t>HA-</a:t>
@@ -8885,6 +8858,11 @@
             </a:r>
           </a:p>
           <a:p>
+            <a:pPr>
+              <a:lnSpc>
+                <a:spcPct val="125000"/>
+              </a:lnSpc>
+            </a:pPr>
             <a:r>
               <a:rPr lang="zh-CN" altLang="en-US" sz="1100" dirty="0"/>
               <a:t>另一方面</a:t>
@@ -8948,6 +8926,11 @@
             <a:endParaRPr lang="en-US" altLang="zh-CN" sz="1100" dirty="0"/>
           </a:p>
           <a:p>
+            <a:pPr>
+              <a:lnSpc>
+                <a:spcPct val="125000"/>
+              </a:lnSpc>
+            </a:pPr>
             <a:r>
               <a:rPr lang="en-US" altLang="zh-CN" sz="1100" dirty="0"/>
               <a:t>Pix2pix</a:t>
@@ -9087,6 +9070,11 @@
             <a:endParaRPr lang="en-US" altLang="zh-CN" sz="1100" dirty="0"/>
           </a:p>
           <a:p>
+            <a:pPr>
+              <a:lnSpc>
+                <a:spcPct val="125000"/>
+              </a:lnSpc>
+            </a:pPr>
             <a:endParaRPr lang="zh-CN" altLang="en-US" sz="1100" dirty="0"/>
           </a:p>
         </p:txBody>
